--- a/LTI_ASPNET_MVC/PPT/ResponseFormatting.pptx
+++ b/LTI_ASPNET_MVC/PPT/ResponseFormatting.pptx
@@ -5,25 +5,26 @@
     <p:sldMasterId id="2147483660" r:id="rId1"/>
   </p:sldMasterIdLst>
   <p:notesMasterIdLst>
-    <p:notesMasterId r:id="rId18"/>
+    <p:notesMasterId r:id="rId19"/>
   </p:notesMasterIdLst>
   <p:sldIdLst>
     <p:sldId id="256" r:id="rId2"/>
     <p:sldId id="260" r:id="rId3"/>
-    <p:sldId id="264" r:id="rId4"/>
-    <p:sldId id="262" r:id="rId5"/>
-    <p:sldId id="263" r:id="rId6"/>
-    <p:sldId id="265" r:id="rId7"/>
-    <p:sldId id="261" r:id="rId8"/>
-    <p:sldId id="267" r:id="rId9"/>
-    <p:sldId id="269" r:id="rId10"/>
-    <p:sldId id="266" r:id="rId11"/>
-    <p:sldId id="270" r:id="rId12"/>
-    <p:sldId id="268" r:id="rId13"/>
-    <p:sldId id="272" r:id="rId14"/>
-    <p:sldId id="273" r:id="rId15"/>
-    <p:sldId id="271" r:id="rId16"/>
-    <p:sldId id="259" r:id="rId17"/>
+    <p:sldId id="274" r:id="rId4"/>
+    <p:sldId id="264" r:id="rId5"/>
+    <p:sldId id="262" r:id="rId6"/>
+    <p:sldId id="263" r:id="rId7"/>
+    <p:sldId id="265" r:id="rId8"/>
+    <p:sldId id="261" r:id="rId9"/>
+    <p:sldId id="267" r:id="rId10"/>
+    <p:sldId id="269" r:id="rId11"/>
+    <p:sldId id="266" r:id="rId12"/>
+    <p:sldId id="270" r:id="rId13"/>
+    <p:sldId id="268" r:id="rId14"/>
+    <p:sldId id="272" r:id="rId15"/>
+    <p:sldId id="273" r:id="rId16"/>
+    <p:sldId id="271" r:id="rId17"/>
+    <p:sldId id="259" r:id="rId18"/>
   </p:sldIdLst>
   <p:sldSz cx="12192000" cy="6858000"/>
   <p:notesSz cx="6858000" cy="9144000"/>
@@ -212,7 +213,7 @@
           <a:p>
             <a:fld id="{3EC3FD31-C44D-45FC-A976-732F91AEB884}" type="datetimeFigureOut">
               <a:rPr lang="en-IN" smtClean="0"/>
-              <a:t>17/07/2022</a:t>
+              <a:t>10/11/2022</a:t>
             </a:fld>
             <a:endParaRPr lang="en-IN"/>
           </a:p>
@@ -1110,7 +1111,7 @@
           <a:p>
             <a:fld id="{D2474CCF-98B4-411A-8810-C31E8C29E19B}" type="datetimeFigureOut">
               <a:rPr lang="en-US" smtClean="0"/>
-              <a:t>7/17/2022</a:t>
+              <a:t>11/10/2022</a:t>
             </a:fld>
             <a:endParaRPr lang="en-US"/>
           </a:p>
@@ -1538,7 +1539,7 @@
           <a:p>
             <a:fld id="{D2474CCF-98B4-411A-8810-C31E8C29E19B}" type="datetimeFigureOut">
               <a:rPr lang="en-US" smtClean="0"/>
-              <a:t>7/17/2022</a:t>
+              <a:t>11/10/2022</a:t>
             </a:fld>
             <a:endParaRPr lang="en-US"/>
           </a:p>
@@ -1746,7 +1747,7 @@
           <a:p>
             <a:fld id="{D2474CCF-98B4-411A-8810-C31E8C29E19B}" type="datetimeFigureOut">
               <a:rPr lang="en-US" smtClean="0"/>
-              <a:t>7/17/2022</a:t>
+              <a:t>11/10/2022</a:t>
             </a:fld>
             <a:endParaRPr lang="en-US"/>
           </a:p>
@@ -2522,7 +2523,7 @@
           <a:p>
             <a:fld id="{D2474CCF-98B4-411A-8810-C31E8C29E19B}" type="datetimeFigureOut">
               <a:rPr lang="en-US" smtClean="0"/>
-              <a:t>7/17/2022</a:t>
+              <a:t>11/10/2022</a:t>
             </a:fld>
             <a:endParaRPr lang="en-US"/>
           </a:p>
@@ -3200,7 +3201,7 @@
           <a:p>
             <a:fld id="{D2474CCF-98B4-411A-8810-C31E8C29E19B}" type="datetimeFigureOut">
               <a:rPr lang="en-US" smtClean="0"/>
-              <a:t>7/17/2022</a:t>
+              <a:t>11/10/2022</a:t>
             </a:fld>
             <a:endParaRPr lang="en-US"/>
           </a:p>
@@ -3891,7 +3892,7 @@
           <a:p>
             <a:fld id="{D2474CCF-98B4-411A-8810-C31E8C29E19B}" type="datetimeFigureOut">
               <a:rPr lang="en-US" smtClean="0"/>
-              <a:t>7/17/2022</a:t>
+              <a:t>11/10/2022</a:t>
             </a:fld>
             <a:endParaRPr lang="en-US"/>
           </a:p>
@@ -4693,7 +4694,7 @@
           <a:p>
             <a:fld id="{D2474CCF-98B4-411A-8810-C31E8C29E19B}" type="datetimeFigureOut">
               <a:rPr lang="en-US" smtClean="0"/>
-              <a:t>7/17/2022</a:t>
+              <a:t>11/10/2022</a:t>
             </a:fld>
             <a:endParaRPr lang="en-US"/>
           </a:p>
@@ -5224,7 +5225,7 @@
           <a:p>
             <a:fld id="{D2474CCF-98B4-411A-8810-C31E8C29E19B}" type="datetimeFigureOut">
               <a:rPr lang="en-US" smtClean="0"/>
-              <a:t>7/17/2022</a:t>
+              <a:t>11/10/2022</a:t>
             </a:fld>
             <a:endParaRPr lang="en-US"/>
           </a:p>
@@ -5727,7 +5728,7 @@
           <a:p>
             <a:fld id="{D2474CCF-98B4-411A-8810-C31E8C29E19B}" type="datetimeFigureOut">
               <a:rPr lang="en-US" smtClean="0"/>
-              <a:t>7/17/2022</a:t>
+              <a:t>11/10/2022</a:t>
             </a:fld>
             <a:endParaRPr lang="en-US"/>
           </a:p>
@@ -6038,7 +6039,7 @@
           <a:p>
             <a:fld id="{D2474CCF-98B4-411A-8810-C31E8C29E19B}" type="datetimeFigureOut">
               <a:rPr lang="en-US" smtClean="0"/>
-              <a:t>7/17/2022</a:t>
+              <a:t>11/10/2022</a:t>
             </a:fld>
             <a:endParaRPr lang="en-US"/>
           </a:p>
@@ -6329,7 +6330,7 @@
           <a:p>
             <a:fld id="{D2474CCF-98B4-411A-8810-C31E8C29E19B}" type="datetimeFigureOut">
               <a:rPr lang="en-US" smtClean="0"/>
-              <a:t>7/17/2022</a:t>
+              <a:t>11/10/2022</a:t>
             </a:fld>
             <a:endParaRPr lang="en-US"/>
           </a:p>
@@ -6570,7 +6571,7 @@
           <a:p>
             <a:fld id="{D2474CCF-98B4-411A-8810-C31E8C29E19B}" type="datetimeFigureOut">
               <a:rPr lang="en-US" smtClean="0"/>
-              <a:t>7/17/2022</a:t>
+              <a:t>11/10/2022</a:t>
             </a:fld>
             <a:endParaRPr lang="en-US"/>
           </a:p>
@@ -7131,6 +7132,855 @@
           <a:p>
             <a:pPr algn="l"/>
             <a:r>
+              <a:rPr lang="en-IN" b="1" i="0" dirty="0">
+                <a:solidFill>
+                  <a:srgbClr val="404040"/>
+                </a:solidFill>
+                <a:effectLst/>
+                <a:latin typeface="wf_segoe-ui_light"/>
+              </a:rPr>
+              <a:t>Browsers and Content Negotiation</a:t>
+            </a:r>
+          </a:p>
+        </p:txBody>
+      </p:sp>
+      <p:sp>
+        <p:nvSpPr>
+          <p:cNvPr id="3" name="Rectangle 1">
+            <a:extLst>
+              <a:ext uri="{FF2B5EF4-FFF2-40B4-BE49-F238E27FC236}">
+                <a16:creationId xmlns:a16="http://schemas.microsoft.com/office/drawing/2014/main" id="{F1DA0F0F-F38A-4007-9C8E-33CB1E27BBBB}"/>
+              </a:ext>
+            </a:extLst>
+          </p:cNvPr>
+          <p:cNvSpPr>
+            <a:spLocks noGrp="1" noChangeArrowheads="1"/>
+          </p:cNvSpPr>
+          <p:nvPr>
+            <p:ph idx="1"/>
+          </p:nvPr>
+        </p:nvSpPr>
+        <p:spPr bwMode="auto">
+          <a:xfrm>
+            <a:off x="460394" y="974705"/>
+            <a:ext cx="8736872" cy="3170099"/>
+          </a:xfrm>
+          <a:prstGeom prst="rect">
+            <a:avLst/>
+          </a:prstGeom>
+          <a:solidFill>
+            <a:srgbClr val="FFFFFF"/>
+          </a:solidFill>
+          <a:ln>
+            <a:noFill/>
+          </a:ln>
+          <a:effectLst/>
+          <a:extLst>
+            <a:ext uri="{91240B29-F687-4F45-9708-019B960494DF}">
+              <a14:hiddenLine xmlns:a14="http://schemas.microsoft.com/office/drawing/2010/main" w="9525">
+                <a:solidFill>
+                  <a:schemeClr val="tx1"/>
+                </a:solidFill>
+                <a:miter lim="800000"/>
+                <a:headEnd/>
+                <a:tailEnd/>
+              </a14:hiddenLine>
+            </a:ext>
+            <a:ext uri="{AF507438-7753-43E0-B8FC-AC1667EBCBE1}">
+              <a14:hiddenEffects xmlns:a14="http://schemas.microsoft.com/office/drawing/2010/main">
+                <a:effectLst>
+                  <a:outerShdw dist="35921" dir="2700000" algn="ctr" rotWithShape="0">
+                    <a:schemeClr val="bg2"/>
+                  </a:outerShdw>
+                </a:effectLst>
+              </a14:hiddenEffects>
+            </a:ext>
+          </a:extLst>
+        </p:spPr>
+        <p:txBody>
+          <a:bodyPr vert="horz" wrap="square" lIns="91440" tIns="45720" rIns="91440" bIns="45720" numCol="1" anchor="ctr" anchorCtr="0" compatLnSpc="1">
+            <a:prstTxWarp prst="textNoShape">
+              <a:avLst/>
+            </a:prstTxWarp>
+            <a:spAutoFit/>
+          </a:bodyPr>
+          <a:lstStyle>
+            <a:lvl1pPr eaLnBrk="0" fontAlgn="base" hangingPunct="0">
+              <a:spcBef>
+                <a:spcPct val="0"/>
+              </a:spcBef>
+              <a:spcAft>
+                <a:spcPct val="0"/>
+              </a:spcAft>
+              <a:defRPr>
+                <a:solidFill>
+                  <a:schemeClr val="tx1"/>
+                </a:solidFill>
+                <a:latin typeface="Arial" panose="020B0604020202020204" pitchFamily="34" charset="0"/>
+              </a:defRPr>
+            </a:lvl1pPr>
+            <a:lvl2pPr eaLnBrk="0" fontAlgn="base" hangingPunct="0">
+              <a:spcBef>
+                <a:spcPct val="0"/>
+              </a:spcBef>
+              <a:spcAft>
+                <a:spcPct val="0"/>
+              </a:spcAft>
+              <a:defRPr>
+                <a:solidFill>
+                  <a:schemeClr val="tx1"/>
+                </a:solidFill>
+                <a:latin typeface="Arial" panose="020B0604020202020204" pitchFamily="34" charset="0"/>
+              </a:defRPr>
+            </a:lvl2pPr>
+            <a:lvl3pPr eaLnBrk="0" fontAlgn="base" hangingPunct="0">
+              <a:spcBef>
+                <a:spcPct val="0"/>
+              </a:spcBef>
+              <a:spcAft>
+                <a:spcPct val="0"/>
+              </a:spcAft>
+              <a:defRPr>
+                <a:solidFill>
+                  <a:schemeClr val="tx1"/>
+                </a:solidFill>
+                <a:latin typeface="Arial" panose="020B0604020202020204" pitchFamily="34" charset="0"/>
+              </a:defRPr>
+            </a:lvl3pPr>
+            <a:lvl4pPr eaLnBrk="0" fontAlgn="base" hangingPunct="0">
+              <a:spcBef>
+                <a:spcPct val="0"/>
+              </a:spcBef>
+              <a:spcAft>
+                <a:spcPct val="0"/>
+              </a:spcAft>
+              <a:defRPr>
+                <a:solidFill>
+                  <a:schemeClr val="tx1"/>
+                </a:solidFill>
+                <a:latin typeface="Arial" panose="020B0604020202020204" pitchFamily="34" charset="0"/>
+              </a:defRPr>
+            </a:lvl4pPr>
+            <a:lvl5pPr eaLnBrk="0" fontAlgn="base" hangingPunct="0">
+              <a:spcBef>
+                <a:spcPct val="0"/>
+              </a:spcBef>
+              <a:spcAft>
+                <a:spcPct val="0"/>
+              </a:spcAft>
+              <a:defRPr>
+                <a:solidFill>
+                  <a:schemeClr val="tx1"/>
+                </a:solidFill>
+                <a:latin typeface="Arial" panose="020B0604020202020204" pitchFamily="34" charset="0"/>
+              </a:defRPr>
+            </a:lvl5pPr>
+            <a:lvl6pPr eaLnBrk="0" fontAlgn="base" hangingPunct="0">
+              <a:spcBef>
+                <a:spcPct val="0"/>
+              </a:spcBef>
+              <a:spcAft>
+                <a:spcPct val="0"/>
+              </a:spcAft>
+              <a:defRPr>
+                <a:solidFill>
+                  <a:schemeClr val="tx1"/>
+                </a:solidFill>
+                <a:latin typeface="Arial" panose="020B0604020202020204" pitchFamily="34" charset="0"/>
+              </a:defRPr>
+            </a:lvl6pPr>
+            <a:lvl7pPr eaLnBrk="0" fontAlgn="base" hangingPunct="0">
+              <a:spcBef>
+                <a:spcPct val="0"/>
+              </a:spcBef>
+              <a:spcAft>
+                <a:spcPct val="0"/>
+              </a:spcAft>
+              <a:defRPr>
+                <a:solidFill>
+                  <a:schemeClr val="tx1"/>
+                </a:solidFill>
+                <a:latin typeface="Arial" panose="020B0604020202020204" pitchFamily="34" charset="0"/>
+              </a:defRPr>
+            </a:lvl7pPr>
+            <a:lvl8pPr eaLnBrk="0" fontAlgn="base" hangingPunct="0">
+              <a:spcBef>
+                <a:spcPct val="0"/>
+              </a:spcBef>
+              <a:spcAft>
+                <a:spcPct val="0"/>
+              </a:spcAft>
+              <a:defRPr>
+                <a:solidFill>
+                  <a:schemeClr val="tx1"/>
+                </a:solidFill>
+                <a:latin typeface="Arial" panose="020B0604020202020204" pitchFamily="34" charset="0"/>
+              </a:defRPr>
+            </a:lvl8pPr>
+            <a:lvl9pPr eaLnBrk="0" fontAlgn="base" hangingPunct="0">
+              <a:spcBef>
+                <a:spcPct val="0"/>
+              </a:spcBef>
+              <a:spcAft>
+                <a:spcPct val="0"/>
+              </a:spcAft>
+              <a:defRPr>
+                <a:solidFill>
+                  <a:schemeClr val="tx1"/>
+                </a:solidFill>
+                <a:latin typeface="Arial" panose="020B0604020202020204" pitchFamily="34" charset="0"/>
+              </a:defRPr>
+            </a:lvl9pPr>
+          </a:lstStyle>
+          <a:p>
+            <a:pPr marL="0" marR="0" lvl="0" indent="0" algn="l" defTabSz="914400" rtl="0" eaLnBrk="0" fontAlgn="base" latinLnBrk="0" hangingPunct="0">
+              <a:lnSpc>
+                <a:spcPct val="100000"/>
+              </a:lnSpc>
+              <a:spcBef>
+                <a:spcPct val="0"/>
+              </a:spcBef>
+              <a:spcAft>
+                <a:spcPct val="0"/>
+              </a:spcAft>
+              <a:buClrTx/>
+              <a:buSzTx/>
+              <a:buFontTx/>
+              <a:buNone/>
+              <a:tabLst/>
+            </a:pPr>
+            <a:r>
+              <a:rPr kumimoji="0" lang="en-US" altLang="en-US" sz="2000" b="0" i="0" u="none" strike="noStrike" cap="none" normalizeH="0" baseline="0">
+                <a:ln>
+                  <a:noFill/>
+                </a:ln>
+                <a:solidFill>
+                  <a:srgbClr val="505050"/>
+                </a:solidFill>
+                <a:effectLst/>
+                <a:latin typeface="wf_segoe-ui_normal"/>
+              </a:rPr>
+              <a:t>Unlike typical API clients, web browsers tend to supply </a:t>
+            </a:r>
+            <a:r>
+              <a:rPr kumimoji="0" lang="en-US" altLang="en-US" sz="2000" b="0" i="0" u="none" strike="noStrike" cap="none" normalizeH="0" baseline="0">
+                <a:ln>
+                  <a:noFill/>
+                </a:ln>
+                <a:solidFill>
+                  <a:srgbClr val="E74C3C"/>
+                </a:solidFill>
+                <a:effectLst/>
+                <a:latin typeface="Consolas" panose="020B0609020204030204" pitchFamily="49" charset="0"/>
+              </a:rPr>
+              <a:t>Accept</a:t>
+            </a:r>
+            <a:r>
+              <a:rPr kumimoji="0" lang="en-US" altLang="en-US" sz="2000" b="0" i="0" u="none" strike="noStrike" cap="none" normalizeH="0" baseline="0">
+                <a:ln>
+                  <a:noFill/>
+                </a:ln>
+                <a:solidFill>
+                  <a:srgbClr val="505050"/>
+                </a:solidFill>
+                <a:effectLst/>
+                <a:latin typeface="wf_segoe-ui_normal"/>
+              </a:rPr>
+              <a:t> headers that include a wide array of formats, including wildcards. By default, when the framework detects that the request is coming from a browser, it will ignore the </a:t>
+            </a:r>
+            <a:r>
+              <a:rPr kumimoji="0" lang="en-US" altLang="en-US" sz="2000" b="0" i="0" u="none" strike="noStrike" cap="none" normalizeH="0" baseline="0">
+                <a:ln>
+                  <a:noFill/>
+                </a:ln>
+                <a:solidFill>
+                  <a:srgbClr val="E74C3C"/>
+                </a:solidFill>
+                <a:effectLst/>
+                <a:latin typeface="Consolas" panose="020B0609020204030204" pitchFamily="49" charset="0"/>
+              </a:rPr>
+              <a:t>Accept</a:t>
+            </a:r>
+            <a:r>
+              <a:rPr kumimoji="0" lang="en-US" altLang="en-US" sz="2000" b="0" i="0" u="none" strike="noStrike" cap="none" normalizeH="0" baseline="0">
+                <a:ln>
+                  <a:noFill/>
+                </a:ln>
+                <a:solidFill>
+                  <a:srgbClr val="505050"/>
+                </a:solidFill>
+                <a:effectLst/>
+                <a:latin typeface="wf_segoe-ui_normal"/>
+              </a:rPr>
+              <a:t> header and instead return the content in the application’s configured default format (JSON unless otherwise configured). This provides a more consistent experience when using different browsers to consume APIs.</a:t>
+            </a:r>
+            <a:endParaRPr kumimoji="0" lang="en-US" altLang="en-US" sz="2000" b="0" i="0" u="none" strike="noStrike" cap="none" normalizeH="0" baseline="0">
+              <a:ln>
+                <a:noFill/>
+              </a:ln>
+              <a:solidFill>
+                <a:schemeClr val="tx1"/>
+              </a:solidFill>
+              <a:effectLst/>
+            </a:endParaRPr>
+          </a:p>
+          <a:p>
+            <a:pPr marL="0" marR="0" lvl="0" indent="0" algn="l" defTabSz="914400" rtl="0" eaLnBrk="0" fontAlgn="base" latinLnBrk="0" hangingPunct="0">
+              <a:lnSpc>
+                <a:spcPct val="100000"/>
+              </a:lnSpc>
+              <a:spcBef>
+                <a:spcPct val="0"/>
+              </a:spcBef>
+              <a:spcAft>
+                <a:spcPct val="0"/>
+              </a:spcAft>
+              <a:buClrTx/>
+              <a:buSzTx/>
+              <a:buFontTx/>
+              <a:buNone/>
+              <a:tabLst/>
+            </a:pPr>
+            <a:r>
+              <a:rPr kumimoji="0" lang="en-US" altLang="en-US" sz="2000" b="0" i="0" u="none" strike="noStrike" cap="none" normalizeH="0" baseline="0">
+                <a:ln>
+                  <a:noFill/>
+                </a:ln>
+                <a:solidFill>
+                  <a:srgbClr val="505050"/>
+                </a:solidFill>
+                <a:effectLst/>
+                <a:latin typeface="wf_segoe-ui_normal"/>
+              </a:rPr>
+              <a:t>If you would prefer your application honor browser accept headers, you can configure this as part of MVC’s configuration by setting </a:t>
+            </a:r>
+            <a:r>
+              <a:rPr kumimoji="0" lang="en-US" altLang="en-US" sz="2000" b="0" i="0" u="none" strike="noStrike" cap="none" normalizeH="0" baseline="0">
+                <a:ln>
+                  <a:noFill/>
+                </a:ln>
+                <a:solidFill>
+                  <a:srgbClr val="E74C3C"/>
+                </a:solidFill>
+                <a:effectLst/>
+                <a:latin typeface="Consolas" panose="020B0609020204030204" pitchFamily="49" charset="0"/>
+              </a:rPr>
+              <a:t>RespectBrowserAcceptHeader</a:t>
+            </a:r>
+            <a:r>
+              <a:rPr kumimoji="0" lang="en-US" altLang="en-US" sz="2000" b="0" i="0" u="none" strike="noStrike" cap="none" normalizeH="0" baseline="0">
+                <a:ln>
+                  <a:noFill/>
+                </a:ln>
+                <a:solidFill>
+                  <a:srgbClr val="505050"/>
+                </a:solidFill>
+                <a:effectLst/>
+                <a:latin typeface="wf_segoe-ui_normal"/>
+              </a:rPr>
+              <a:t> to </a:t>
+            </a:r>
+            <a:r>
+              <a:rPr kumimoji="0" lang="en-US" altLang="en-US" sz="2000" b="0" i="0" u="none" strike="noStrike" cap="none" normalizeH="0" baseline="0">
+                <a:ln>
+                  <a:noFill/>
+                </a:ln>
+                <a:solidFill>
+                  <a:srgbClr val="E74C3C"/>
+                </a:solidFill>
+                <a:effectLst/>
+                <a:latin typeface="Consolas" panose="020B0609020204030204" pitchFamily="49" charset="0"/>
+              </a:rPr>
+              <a:t>true</a:t>
+            </a:r>
+            <a:r>
+              <a:rPr kumimoji="0" lang="en-US" altLang="en-US" sz="2000" b="0" i="0" u="none" strike="noStrike" cap="none" normalizeH="0" baseline="0">
+                <a:ln>
+                  <a:noFill/>
+                </a:ln>
+                <a:solidFill>
+                  <a:srgbClr val="505050"/>
+                </a:solidFill>
+                <a:effectLst/>
+                <a:latin typeface="wf_segoe-ui_normal"/>
+              </a:rPr>
+              <a:t> in the </a:t>
+            </a:r>
+            <a:r>
+              <a:rPr kumimoji="0" lang="en-US" altLang="en-US" sz="2000" b="0" i="0" u="none" strike="noStrike" cap="none" normalizeH="0" baseline="0">
+                <a:ln>
+                  <a:noFill/>
+                </a:ln>
+                <a:solidFill>
+                  <a:srgbClr val="E74C3C"/>
+                </a:solidFill>
+                <a:effectLst/>
+                <a:latin typeface="Consolas" panose="020B0609020204030204" pitchFamily="49" charset="0"/>
+              </a:rPr>
+              <a:t>ConfigureServices</a:t>
+            </a:r>
+            <a:r>
+              <a:rPr kumimoji="0" lang="en-US" altLang="en-US" sz="2000" b="0" i="0" u="none" strike="noStrike" cap="none" normalizeH="0" baseline="0">
+                <a:ln>
+                  <a:noFill/>
+                </a:ln>
+                <a:solidFill>
+                  <a:srgbClr val="505050"/>
+                </a:solidFill>
+                <a:effectLst/>
+                <a:latin typeface="wf_segoe-ui_normal"/>
+              </a:rPr>
+              <a:t> method in </a:t>
+            </a:r>
+            <a:r>
+              <a:rPr kumimoji="0" lang="en-US" altLang="en-US" sz="2000" b="0" i="1" u="none" strike="noStrike" cap="none" normalizeH="0" baseline="0">
+                <a:ln>
+                  <a:noFill/>
+                </a:ln>
+                <a:solidFill>
+                  <a:srgbClr val="505050"/>
+                </a:solidFill>
+                <a:effectLst/>
+                <a:latin typeface="wf_segoe-ui_normal"/>
+              </a:rPr>
+              <a:t>Startup.cs</a:t>
+            </a:r>
+            <a:r>
+              <a:rPr kumimoji="0" lang="en-US" altLang="en-US" sz="2000" b="0" i="0" u="none" strike="noStrike" cap="none" normalizeH="0" baseline="0">
+                <a:ln>
+                  <a:noFill/>
+                </a:ln>
+                <a:solidFill>
+                  <a:srgbClr val="505050"/>
+                </a:solidFill>
+                <a:effectLst/>
+                <a:latin typeface="wf_segoe-ui_normal"/>
+              </a:rPr>
+              <a:t>.</a:t>
+            </a:r>
+            <a:endParaRPr kumimoji="0" lang="en-US" altLang="en-US" sz="2000" b="0" i="0" u="none" strike="noStrike" cap="none" normalizeH="0" baseline="0">
+              <a:ln>
+                <a:noFill/>
+              </a:ln>
+              <a:solidFill>
+                <a:schemeClr val="tx1"/>
+              </a:solidFill>
+              <a:effectLst/>
+            </a:endParaRPr>
+          </a:p>
+        </p:txBody>
+      </p:sp>
+      <p:sp>
+        <p:nvSpPr>
+          <p:cNvPr id="5" name="Rectangle 2">
+            <a:extLst>
+              <a:ext uri="{FF2B5EF4-FFF2-40B4-BE49-F238E27FC236}">
+                <a16:creationId xmlns:a16="http://schemas.microsoft.com/office/drawing/2014/main" id="{BE925042-E19A-4C02-BB2F-576C44E1B2E9}"/>
+              </a:ext>
+            </a:extLst>
+          </p:cNvPr>
+          <p:cNvSpPr>
+            <a:spLocks noChangeArrowheads="1"/>
+          </p:cNvSpPr>
+          <p:nvPr/>
+        </p:nvSpPr>
+        <p:spPr bwMode="auto">
+          <a:xfrm>
+            <a:off x="692458" y="4259808"/>
+            <a:ext cx="7128769" cy="184666"/>
+          </a:xfrm>
+          <a:prstGeom prst="rect">
+            <a:avLst/>
+          </a:prstGeom>
+          <a:solidFill>
+            <a:srgbClr val="FFFFFF"/>
+          </a:solidFill>
+          <a:ln>
+            <a:noFill/>
+          </a:ln>
+          <a:effectLst/>
+          <a:extLst>
+            <a:ext uri="{91240B29-F687-4F45-9708-019B960494DF}">
+              <a14:hiddenLine xmlns:a14="http://schemas.microsoft.com/office/drawing/2010/main" w="9525">
+                <a:solidFill>
+                  <a:schemeClr val="tx1"/>
+                </a:solidFill>
+                <a:miter lim="800000"/>
+                <a:headEnd/>
+                <a:tailEnd/>
+              </a14:hiddenLine>
+            </a:ext>
+            <a:ext uri="{AF507438-7753-43E0-B8FC-AC1667EBCBE1}">
+              <a14:hiddenEffects xmlns:a14="http://schemas.microsoft.com/office/drawing/2010/main">
+                <a:effectLst>
+                  <a:outerShdw dist="35921" dir="2700000" algn="ctr" rotWithShape="0">
+                    <a:schemeClr val="bg2"/>
+                  </a:outerShdw>
+                </a:effectLst>
+              </a14:hiddenEffects>
+            </a:ext>
+          </a:extLst>
+        </p:spPr>
+        <p:txBody>
+          <a:bodyPr vert="horz" wrap="square" lIns="0" tIns="0" rIns="0" bIns="0" numCol="1" anchor="ctr" anchorCtr="0" compatLnSpc="1">
+            <a:prstTxWarp prst="textNoShape">
+              <a:avLst/>
+            </a:prstTxWarp>
+            <a:spAutoFit/>
+          </a:bodyPr>
+          <a:lstStyle>
+            <a:lvl1pPr eaLnBrk="0" fontAlgn="base" hangingPunct="0">
+              <a:spcBef>
+                <a:spcPct val="30000"/>
+              </a:spcBef>
+              <a:spcAft>
+                <a:spcPct val="0"/>
+              </a:spcAft>
+              <a:defRPr sz="1200">
+                <a:solidFill>
+                  <a:schemeClr val="tx1"/>
+                </a:solidFill>
+                <a:latin typeface="Arial" panose="020B0604020202020204" pitchFamily="34" charset="0"/>
+              </a:defRPr>
+            </a:lvl1pPr>
+            <a:lvl2pPr eaLnBrk="0" fontAlgn="base" hangingPunct="0">
+              <a:spcBef>
+                <a:spcPct val="30000"/>
+              </a:spcBef>
+              <a:spcAft>
+                <a:spcPct val="0"/>
+              </a:spcAft>
+              <a:defRPr sz="1200">
+                <a:solidFill>
+                  <a:schemeClr val="tx1"/>
+                </a:solidFill>
+                <a:latin typeface="Arial" panose="020B0604020202020204" pitchFamily="34" charset="0"/>
+              </a:defRPr>
+            </a:lvl2pPr>
+            <a:lvl3pPr eaLnBrk="0" fontAlgn="base" hangingPunct="0">
+              <a:spcBef>
+                <a:spcPct val="30000"/>
+              </a:spcBef>
+              <a:spcAft>
+                <a:spcPct val="0"/>
+              </a:spcAft>
+              <a:defRPr sz="1200">
+                <a:solidFill>
+                  <a:schemeClr val="tx1"/>
+                </a:solidFill>
+                <a:latin typeface="Arial" panose="020B0604020202020204" pitchFamily="34" charset="0"/>
+              </a:defRPr>
+            </a:lvl3pPr>
+            <a:lvl4pPr eaLnBrk="0" fontAlgn="base" hangingPunct="0">
+              <a:spcBef>
+                <a:spcPct val="30000"/>
+              </a:spcBef>
+              <a:spcAft>
+                <a:spcPct val="0"/>
+              </a:spcAft>
+              <a:defRPr sz="1200">
+                <a:solidFill>
+                  <a:schemeClr val="tx1"/>
+                </a:solidFill>
+                <a:latin typeface="Arial" panose="020B0604020202020204" pitchFamily="34" charset="0"/>
+              </a:defRPr>
+            </a:lvl4pPr>
+            <a:lvl5pPr eaLnBrk="0" fontAlgn="base" hangingPunct="0">
+              <a:spcBef>
+                <a:spcPct val="30000"/>
+              </a:spcBef>
+              <a:spcAft>
+                <a:spcPct val="0"/>
+              </a:spcAft>
+              <a:defRPr sz="1200">
+                <a:solidFill>
+                  <a:schemeClr val="tx1"/>
+                </a:solidFill>
+                <a:latin typeface="Arial" panose="020B0604020202020204" pitchFamily="34" charset="0"/>
+              </a:defRPr>
+            </a:lvl5pPr>
+            <a:lvl6pPr eaLnBrk="0" fontAlgn="base" hangingPunct="0">
+              <a:spcBef>
+                <a:spcPct val="30000"/>
+              </a:spcBef>
+              <a:spcAft>
+                <a:spcPct val="0"/>
+              </a:spcAft>
+              <a:defRPr sz="1200">
+                <a:solidFill>
+                  <a:schemeClr val="tx1"/>
+                </a:solidFill>
+                <a:latin typeface="Arial" panose="020B0604020202020204" pitchFamily="34" charset="0"/>
+              </a:defRPr>
+            </a:lvl6pPr>
+            <a:lvl7pPr eaLnBrk="0" fontAlgn="base" hangingPunct="0">
+              <a:spcBef>
+                <a:spcPct val="30000"/>
+              </a:spcBef>
+              <a:spcAft>
+                <a:spcPct val="0"/>
+              </a:spcAft>
+              <a:defRPr sz="1200">
+                <a:solidFill>
+                  <a:schemeClr val="tx1"/>
+                </a:solidFill>
+                <a:latin typeface="Arial" panose="020B0604020202020204" pitchFamily="34" charset="0"/>
+              </a:defRPr>
+            </a:lvl7pPr>
+            <a:lvl8pPr eaLnBrk="0" fontAlgn="base" hangingPunct="0">
+              <a:spcBef>
+                <a:spcPct val="30000"/>
+              </a:spcBef>
+              <a:spcAft>
+                <a:spcPct val="0"/>
+              </a:spcAft>
+              <a:defRPr sz="1200">
+                <a:solidFill>
+                  <a:schemeClr val="tx1"/>
+                </a:solidFill>
+                <a:latin typeface="Arial" panose="020B0604020202020204" pitchFamily="34" charset="0"/>
+              </a:defRPr>
+            </a:lvl8pPr>
+            <a:lvl9pPr eaLnBrk="0" fontAlgn="base" hangingPunct="0">
+              <a:spcBef>
+                <a:spcPct val="30000"/>
+              </a:spcBef>
+              <a:spcAft>
+                <a:spcPct val="0"/>
+              </a:spcAft>
+              <a:defRPr sz="1200">
+                <a:solidFill>
+                  <a:schemeClr val="tx1"/>
+                </a:solidFill>
+                <a:latin typeface="Arial" panose="020B0604020202020204" pitchFamily="34" charset="0"/>
+              </a:defRPr>
+            </a:lvl9pPr>
+          </a:lstStyle>
+          <a:p>
+            <a:pPr marL="0" marR="0" lvl="0" indent="0" algn="l" defTabSz="914400" rtl="0" eaLnBrk="0" fontAlgn="base" latinLnBrk="0" hangingPunct="0">
+              <a:lnSpc>
+                <a:spcPct val="100000"/>
+              </a:lnSpc>
+              <a:spcBef>
+                <a:spcPct val="30000"/>
+              </a:spcBef>
+              <a:spcAft>
+                <a:spcPct val="0"/>
+              </a:spcAft>
+              <a:buClrTx/>
+              <a:buSzTx/>
+              <a:buFontTx/>
+              <a:buNone/>
+              <a:tabLst/>
+            </a:pPr>
+            <a:r>
+              <a:rPr kumimoji="0" lang="en-US" altLang="en-US" sz="1200" b="0" i="0" u="none" strike="noStrike" cap="none" normalizeH="0" baseline="0" dirty="0" err="1">
+                <a:ln>
+                  <a:noFill/>
+                </a:ln>
+                <a:solidFill>
+                  <a:schemeClr val="tx1"/>
+                </a:solidFill>
+                <a:effectLst/>
+                <a:latin typeface="Arial" panose="020B0604020202020204" pitchFamily="34" charset="0"/>
+              </a:rPr>
+              <a:t>services</a:t>
+            </a:r>
+            <a:r>
+              <a:rPr kumimoji="0" lang="en-US" altLang="en-US" sz="900" b="0" i="0" u="none" strike="noStrike" cap="none" normalizeH="0" baseline="0" dirty="0" err="1">
+                <a:ln>
+                  <a:noFill/>
+                </a:ln>
+                <a:solidFill>
+                  <a:srgbClr val="404040"/>
+                </a:solidFill>
+                <a:effectLst/>
+                <a:latin typeface="Consolas" panose="020B0609020204030204" pitchFamily="49" charset="0"/>
+              </a:rPr>
+              <a:t>.</a:t>
+            </a:r>
+            <a:r>
+              <a:rPr kumimoji="0" lang="en-US" altLang="en-US" sz="1200" b="0" i="0" u="none" strike="noStrike" cap="none" normalizeH="0" baseline="0" dirty="0" err="1">
+                <a:ln>
+                  <a:noFill/>
+                </a:ln>
+                <a:solidFill>
+                  <a:schemeClr val="tx1"/>
+                </a:solidFill>
+                <a:effectLst/>
+                <a:latin typeface="Arial" panose="020B0604020202020204" pitchFamily="34" charset="0"/>
+              </a:rPr>
+              <a:t>AddMvc</a:t>
+            </a:r>
+            <a:r>
+              <a:rPr kumimoji="0" lang="en-US" altLang="en-US" sz="900" b="0" i="0" u="none" strike="noStrike" cap="none" normalizeH="0" baseline="0" dirty="0">
+                <a:ln>
+                  <a:noFill/>
+                </a:ln>
+                <a:solidFill>
+                  <a:srgbClr val="404040"/>
+                </a:solidFill>
+                <a:effectLst/>
+                <a:latin typeface="Consolas" panose="020B0609020204030204" pitchFamily="49" charset="0"/>
+              </a:rPr>
+              <a:t>(</a:t>
+            </a:r>
+            <a:r>
+              <a:rPr kumimoji="0" lang="en-US" altLang="en-US" sz="1200" b="0" i="0" u="none" strike="noStrike" cap="none" normalizeH="0" baseline="0" dirty="0">
+                <a:ln>
+                  <a:noFill/>
+                </a:ln>
+                <a:solidFill>
+                  <a:schemeClr val="tx1"/>
+                </a:solidFill>
+                <a:effectLst/>
+                <a:latin typeface="Arial" panose="020B0604020202020204" pitchFamily="34" charset="0"/>
+              </a:rPr>
+              <a:t>options</a:t>
+            </a:r>
+            <a:r>
+              <a:rPr kumimoji="0" lang="en-US" altLang="en-US" sz="900" b="0" i="0" u="none" strike="noStrike" cap="none" normalizeH="0" baseline="0" dirty="0">
+                <a:ln>
+                  <a:noFill/>
+                </a:ln>
+                <a:solidFill>
+                  <a:srgbClr val="404040"/>
+                </a:solidFill>
+                <a:effectLst/>
+                <a:latin typeface="Consolas" panose="020B0609020204030204" pitchFamily="49" charset="0"/>
+              </a:rPr>
+              <a:t> =&gt; { </a:t>
+            </a:r>
+            <a:r>
+              <a:rPr kumimoji="0" lang="en-US" altLang="en-US" sz="1200" b="0" i="0" u="none" strike="noStrike" cap="none" normalizeH="0" baseline="0" dirty="0" err="1">
+                <a:ln>
+                  <a:noFill/>
+                </a:ln>
+                <a:solidFill>
+                  <a:schemeClr val="tx1"/>
+                </a:solidFill>
+                <a:effectLst/>
+                <a:latin typeface="Arial" panose="020B0604020202020204" pitchFamily="34" charset="0"/>
+              </a:rPr>
+              <a:t>options</a:t>
+            </a:r>
+            <a:r>
+              <a:rPr kumimoji="0" lang="en-US" altLang="en-US" sz="900" b="0" i="0" u="none" strike="noStrike" cap="none" normalizeH="0" baseline="0" dirty="0" err="1">
+                <a:ln>
+                  <a:noFill/>
+                </a:ln>
+                <a:solidFill>
+                  <a:srgbClr val="404040"/>
+                </a:solidFill>
+                <a:effectLst/>
+                <a:latin typeface="Consolas" panose="020B0609020204030204" pitchFamily="49" charset="0"/>
+              </a:rPr>
+              <a:t>.</a:t>
+            </a:r>
+            <a:r>
+              <a:rPr kumimoji="0" lang="en-US" altLang="en-US" sz="1200" b="0" i="0" u="none" strike="noStrike" cap="none" normalizeH="0" baseline="0" dirty="0" err="1">
+                <a:ln>
+                  <a:noFill/>
+                </a:ln>
+                <a:solidFill>
+                  <a:schemeClr val="tx1"/>
+                </a:solidFill>
+                <a:effectLst/>
+                <a:latin typeface="Arial" panose="020B0604020202020204" pitchFamily="34" charset="0"/>
+              </a:rPr>
+              <a:t>RespectBrowserAcceptHeader</a:t>
+            </a:r>
+            <a:r>
+              <a:rPr kumimoji="0" lang="en-US" altLang="en-US" sz="900" b="0" i="0" u="none" strike="noStrike" cap="none" normalizeH="0" baseline="0" dirty="0">
+                <a:ln>
+                  <a:noFill/>
+                </a:ln>
+                <a:solidFill>
+                  <a:srgbClr val="404040"/>
+                </a:solidFill>
+                <a:effectLst/>
+                <a:latin typeface="Consolas" panose="020B0609020204030204" pitchFamily="49" charset="0"/>
+              </a:rPr>
+              <a:t> = true; // false by default }</a:t>
+            </a:r>
+            <a:r>
+              <a:rPr kumimoji="0" lang="en-US" altLang="en-US" sz="800" b="0" i="0" u="none" strike="noStrike" cap="none" normalizeH="0" baseline="0" dirty="0">
+                <a:ln>
+                  <a:noFill/>
+                </a:ln>
+                <a:solidFill>
+                  <a:schemeClr val="tx1"/>
+                </a:solidFill>
+                <a:effectLst/>
+              </a:rPr>
+              <a:t> </a:t>
+            </a:r>
+            <a:endParaRPr kumimoji="0" lang="en-US" altLang="en-US" sz="1200" b="0" i="0" u="none" strike="noStrike" cap="none" normalizeH="0" baseline="0" dirty="0">
+              <a:ln>
+                <a:noFill/>
+              </a:ln>
+              <a:solidFill>
+                <a:schemeClr val="tx1"/>
+              </a:solidFill>
+              <a:effectLst/>
+              <a:latin typeface="Arial" panose="020B0604020202020204" pitchFamily="34" charset="0"/>
+            </a:endParaRPr>
+          </a:p>
+        </p:txBody>
+      </p:sp>
+    </p:spTree>
+    <p:extLst>
+      <p:ext uri="{BB962C8B-B14F-4D97-AF65-F5344CB8AC3E}">
+        <p14:creationId xmlns:p14="http://schemas.microsoft.com/office/powerpoint/2010/main" val="92783544"/>
+      </p:ext>
+    </p:extLst>
+  </p:cSld>
+  <p:clrMapOvr>
+    <a:masterClrMapping/>
+  </p:clrMapOvr>
+</p:sld>
+</file>
+
+<file path=ppt/slides/slide11.xml><?xml version="1.0" encoding="utf-8"?>
+<p:sld xmlns:a="http://schemas.openxmlformats.org/drawingml/2006/main" xmlns:r="http://schemas.openxmlformats.org/officeDocument/2006/relationships" xmlns:p="http://schemas.openxmlformats.org/presentationml/2006/main">
+  <p:cSld>
+    <p:spTree>
+      <p:nvGrpSpPr>
+        <p:cNvPr id="1" name=""/>
+        <p:cNvGrpSpPr/>
+        <p:nvPr/>
+      </p:nvGrpSpPr>
+      <p:grpSpPr>
+        <a:xfrm>
+          <a:off x="0" y="0"/>
+          <a:ext cx="0" cy="0"/>
+          <a:chOff x="0" y="0"/>
+          <a:chExt cx="0" cy="0"/>
+        </a:xfrm>
+      </p:grpSpPr>
+      <p:sp>
+        <p:nvSpPr>
+          <p:cNvPr id="2" name="Title 1">
+            <a:extLst>
+              <a:ext uri="{FF2B5EF4-FFF2-40B4-BE49-F238E27FC236}">
+                <a16:creationId xmlns:a16="http://schemas.microsoft.com/office/drawing/2014/main" id="{45F33AFC-C220-4038-ACF0-E5D4B3B57FD0}"/>
+              </a:ext>
+            </a:extLst>
+          </p:cNvPr>
+          <p:cNvSpPr>
+            <a:spLocks noGrp="1"/>
+          </p:cNvSpPr>
+          <p:nvPr>
+            <p:ph type="title"/>
+          </p:nvPr>
+        </p:nvSpPr>
+        <p:spPr/>
+        <p:txBody>
+          <a:bodyPr/>
+          <a:lstStyle/>
+          <a:p>
+            <a:pPr algn="l"/>
+            <a:r>
               <a:rPr lang="en-IN" b="1" i="0" u="none" strike="noStrike" dirty="0">
                 <a:solidFill>
                   <a:srgbClr val="404040"/>
@@ -8165,7 +9015,7 @@
 </p:sld>
 </file>
 
-<file path=ppt/slides/slide11.xml><?xml version="1.0" encoding="utf-8"?>
+<file path=ppt/slides/slide12.xml><?xml version="1.0" encoding="utf-8"?>
 <p:sld xmlns:a="http://schemas.openxmlformats.org/drawingml/2006/main" xmlns:r="http://schemas.openxmlformats.org/officeDocument/2006/relationships" xmlns:p="http://schemas.openxmlformats.org/presentationml/2006/main">
   <p:cSld>
     <p:spTree>
@@ -8636,7 +9486,7 @@
 </p:sld>
 </file>
 
-<file path=ppt/slides/slide12.xml><?xml version="1.0" encoding="utf-8"?>
+<file path=ppt/slides/slide13.xml><?xml version="1.0" encoding="utf-8"?>
 <p:sld xmlns:a="http://schemas.openxmlformats.org/drawingml/2006/main" xmlns:r="http://schemas.openxmlformats.org/officeDocument/2006/relationships" xmlns:p="http://schemas.openxmlformats.org/presentationml/2006/main">
   <p:cSld>
     <p:spTree>
@@ -9299,7 +10149,7 @@
 </p:sld>
 </file>
 
-<file path=ppt/slides/slide13.xml><?xml version="1.0" encoding="utf-8"?>
+<file path=ppt/slides/slide14.xml><?xml version="1.0" encoding="utf-8"?>
 <p:sld xmlns:a="http://schemas.openxmlformats.org/drawingml/2006/main" xmlns:r="http://schemas.openxmlformats.org/officeDocument/2006/relationships" xmlns:p="http://schemas.openxmlformats.org/presentationml/2006/main">
   <p:cSld>
     <p:spTree>
@@ -10395,829 +11245,6 @@
     <p:extLst>
       <p:ext uri="{BB962C8B-B14F-4D97-AF65-F5344CB8AC3E}">
         <p14:creationId xmlns:p14="http://schemas.microsoft.com/office/powerpoint/2010/main" val="2462259268"/>
-      </p:ext>
-    </p:extLst>
-  </p:cSld>
-  <p:clrMapOvr>
-    <a:masterClrMapping/>
-  </p:clrMapOvr>
-</p:sld>
-</file>
-
-<file path=ppt/slides/slide14.xml><?xml version="1.0" encoding="utf-8"?>
-<p:sld xmlns:a="http://schemas.openxmlformats.org/drawingml/2006/main" xmlns:r="http://schemas.openxmlformats.org/officeDocument/2006/relationships" xmlns:p="http://schemas.openxmlformats.org/presentationml/2006/main">
-  <p:cSld>
-    <p:spTree>
-      <p:nvGrpSpPr>
-        <p:cNvPr id="1" name=""/>
-        <p:cNvGrpSpPr/>
-        <p:nvPr/>
-      </p:nvGrpSpPr>
-      <p:grpSpPr>
-        <a:xfrm>
-          <a:off x="0" y="0"/>
-          <a:ext cx="0" cy="0"/>
-          <a:chOff x="0" y="0"/>
-          <a:chExt cx="0" cy="0"/>
-        </a:xfrm>
-      </p:grpSpPr>
-      <p:sp>
-        <p:nvSpPr>
-          <p:cNvPr id="2" name="Title 1">
-            <a:extLst>
-              <a:ext uri="{FF2B5EF4-FFF2-40B4-BE49-F238E27FC236}">
-                <a16:creationId xmlns:a16="http://schemas.microsoft.com/office/drawing/2014/main" id="{45F33AFC-C220-4038-ACF0-E5D4B3B57FD0}"/>
-              </a:ext>
-            </a:extLst>
-          </p:cNvPr>
-          <p:cNvSpPr>
-            <a:spLocks noGrp="1"/>
-          </p:cNvSpPr>
-          <p:nvPr>
-            <p:ph type="title"/>
-          </p:nvPr>
-        </p:nvSpPr>
-        <p:spPr/>
-        <p:txBody>
-          <a:bodyPr/>
-          <a:lstStyle/>
-          <a:p>
-            <a:pPr algn="l"/>
-            <a:r>
-              <a:rPr lang="en-IN" b="1" i="0" dirty="0">
-                <a:solidFill>
-                  <a:srgbClr val="2B59A9"/>
-                </a:solidFill>
-                <a:effectLst/>
-                <a:latin typeface="wf_segoe-ui_light"/>
-                <a:hlinkClick r:id="rId2"/>
-              </a:rPr>
-              <a:t>Response Format URL Mappings</a:t>
-            </a:r>
-            <a:endParaRPr lang="en-IN" b="1" i="0" dirty="0">
-              <a:solidFill>
-                <a:srgbClr val="222222"/>
-              </a:solidFill>
-              <a:effectLst/>
-              <a:latin typeface="wf_segoe-ui_light"/>
-            </a:endParaRPr>
-          </a:p>
-        </p:txBody>
-      </p:sp>
-      <p:sp>
-        <p:nvSpPr>
-          <p:cNvPr id="3" name="Rectangle 1">
-            <a:extLst>
-              <a:ext uri="{FF2B5EF4-FFF2-40B4-BE49-F238E27FC236}">
-                <a16:creationId xmlns:a16="http://schemas.microsoft.com/office/drawing/2014/main" id="{4A9FE9CA-1715-433E-8E91-6B75D0608F0B}"/>
-              </a:ext>
-            </a:extLst>
-          </p:cNvPr>
-          <p:cNvSpPr>
-            <a:spLocks noGrp="1" noChangeArrowheads="1"/>
-          </p:cNvSpPr>
-          <p:nvPr>
-            <p:ph idx="1"/>
-          </p:nvPr>
-        </p:nvSpPr>
-        <p:spPr bwMode="auto">
-          <a:xfrm>
-            <a:off x="424884" y="1004129"/>
-            <a:ext cx="9438716" cy="3754874"/>
-          </a:xfrm>
-          <a:prstGeom prst="rect">
-            <a:avLst/>
-          </a:prstGeom>
-          <a:noFill/>
-          <a:ln>
-            <a:noFill/>
-          </a:ln>
-          <a:effectLst/>
-          <a:extLst>
-            <a:ext uri="{909E8E84-426E-40DD-AFC4-6F175D3DCCD1}">
-              <a14:hiddenFill xmlns:a14="http://schemas.microsoft.com/office/drawing/2010/main">
-                <a:solidFill>
-                  <a:schemeClr val="accent1"/>
-                </a:solidFill>
-              </a14:hiddenFill>
-            </a:ext>
-            <a:ext uri="{91240B29-F687-4F45-9708-019B960494DF}">
-              <a14:hiddenLine xmlns:a14="http://schemas.microsoft.com/office/drawing/2010/main" w="9525">
-                <a:solidFill>
-                  <a:schemeClr val="tx1"/>
-                </a:solidFill>
-                <a:miter lim="800000"/>
-                <a:headEnd/>
-                <a:tailEnd/>
-              </a14:hiddenLine>
-            </a:ext>
-            <a:ext uri="{AF507438-7753-43E0-B8FC-AC1667EBCBE1}">
-              <a14:hiddenEffects xmlns:a14="http://schemas.microsoft.com/office/drawing/2010/main">
-                <a:effectLst>
-                  <a:outerShdw dist="35921" dir="2700000" algn="ctr" rotWithShape="0">
-                    <a:schemeClr val="bg2"/>
-                  </a:outerShdw>
-                </a:effectLst>
-              </a14:hiddenEffects>
-            </a:ext>
-          </a:extLst>
-        </p:spPr>
-        <p:txBody>
-          <a:bodyPr vert="horz" wrap="square" lIns="91440" tIns="45720" rIns="91440" bIns="45720" numCol="1" anchor="ctr" anchorCtr="0" compatLnSpc="1">
-            <a:prstTxWarp prst="textNoShape">
-              <a:avLst/>
-            </a:prstTxWarp>
-            <a:spAutoFit/>
-          </a:bodyPr>
-          <a:lstStyle>
-            <a:lvl1pPr eaLnBrk="0" fontAlgn="base" hangingPunct="0">
-              <a:spcBef>
-                <a:spcPct val="0"/>
-              </a:spcBef>
-              <a:spcAft>
-                <a:spcPct val="0"/>
-              </a:spcAft>
-              <a:defRPr>
-                <a:solidFill>
-                  <a:schemeClr val="tx1"/>
-                </a:solidFill>
-                <a:latin typeface="Arial" panose="020B0604020202020204" pitchFamily="34" charset="0"/>
-              </a:defRPr>
-            </a:lvl1pPr>
-            <a:lvl2pPr eaLnBrk="0" fontAlgn="base" hangingPunct="0">
-              <a:spcBef>
-                <a:spcPct val="0"/>
-              </a:spcBef>
-              <a:spcAft>
-                <a:spcPct val="0"/>
-              </a:spcAft>
-              <a:defRPr>
-                <a:solidFill>
-                  <a:schemeClr val="tx1"/>
-                </a:solidFill>
-                <a:latin typeface="Arial" panose="020B0604020202020204" pitchFamily="34" charset="0"/>
-              </a:defRPr>
-            </a:lvl2pPr>
-            <a:lvl3pPr eaLnBrk="0" fontAlgn="base" hangingPunct="0">
-              <a:spcBef>
-                <a:spcPct val="0"/>
-              </a:spcBef>
-              <a:spcAft>
-                <a:spcPct val="0"/>
-              </a:spcAft>
-              <a:defRPr>
-                <a:solidFill>
-                  <a:schemeClr val="tx1"/>
-                </a:solidFill>
-                <a:latin typeface="Arial" panose="020B0604020202020204" pitchFamily="34" charset="0"/>
-              </a:defRPr>
-            </a:lvl3pPr>
-            <a:lvl4pPr eaLnBrk="0" fontAlgn="base" hangingPunct="0">
-              <a:spcBef>
-                <a:spcPct val="0"/>
-              </a:spcBef>
-              <a:spcAft>
-                <a:spcPct val="0"/>
-              </a:spcAft>
-              <a:defRPr>
-                <a:solidFill>
-                  <a:schemeClr val="tx1"/>
-                </a:solidFill>
-                <a:latin typeface="Arial" panose="020B0604020202020204" pitchFamily="34" charset="0"/>
-              </a:defRPr>
-            </a:lvl4pPr>
-            <a:lvl5pPr eaLnBrk="0" fontAlgn="base" hangingPunct="0">
-              <a:spcBef>
-                <a:spcPct val="0"/>
-              </a:spcBef>
-              <a:spcAft>
-                <a:spcPct val="0"/>
-              </a:spcAft>
-              <a:defRPr>
-                <a:solidFill>
-                  <a:schemeClr val="tx1"/>
-                </a:solidFill>
-                <a:latin typeface="Arial" panose="020B0604020202020204" pitchFamily="34" charset="0"/>
-              </a:defRPr>
-            </a:lvl5pPr>
-            <a:lvl6pPr eaLnBrk="0" fontAlgn="base" hangingPunct="0">
-              <a:spcBef>
-                <a:spcPct val="0"/>
-              </a:spcBef>
-              <a:spcAft>
-                <a:spcPct val="0"/>
-              </a:spcAft>
-              <a:defRPr>
-                <a:solidFill>
-                  <a:schemeClr val="tx1"/>
-                </a:solidFill>
-                <a:latin typeface="Arial" panose="020B0604020202020204" pitchFamily="34" charset="0"/>
-              </a:defRPr>
-            </a:lvl6pPr>
-            <a:lvl7pPr eaLnBrk="0" fontAlgn="base" hangingPunct="0">
-              <a:spcBef>
-                <a:spcPct val="0"/>
-              </a:spcBef>
-              <a:spcAft>
-                <a:spcPct val="0"/>
-              </a:spcAft>
-              <a:defRPr>
-                <a:solidFill>
-                  <a:schemeClr val="tx1"/>
-                </a:solidFill>
-                <a:latin typeface="Arial" panose="020B0604020202020204" pitchFamily="34" charset="0"/>
-              </a:defRPr>
-            </a:lvl7pPr>
-            <a:lvl8pPr eaLnBrk="0" fontAlgn="base" hangingPunct="0">
-              <a:spcBef>
-                <a:spcPct val="0"/>
-              </a:spcBef>
-              <a:spcAft>
-                <a:spcPct val="0"/>
-              </a:spcAft>
-              <a:defRPr>
-                <a:solidFill>
-                  <a:schemeClr val="tx1"/>
-                </a:solidFill>
-                <a:latin typeface="Arial" panose="020B0604020202020204" pitchFamily="34" charset="0"/>
-              </a:defRPr>
-            </a:lvl8pPr>
-            <a:lvl9pPr eaLnBrk="0" fontAlgn="base" hangingPunct="0">
-              <a:spcBef>
-                <a:spcPct val="0"/>
-              </a:spcBef>
-              <a:spcAft>
-                <a:spcPct val="0"/>
-              </a:spcAft>
-              <a:defRPr>
-                <a:solidFill>
-                  <a:schemeClr val="tx1"/>
-                </a:solidFill>
-                <a:latin typeface="Arial" panose="020B0604020202020204" pitchFamily="34" charset="0"/>
-              </a:defRPr>
-            </a:lvl9pPr>
-          </a:lstStyle>
-          <a:p>
-            <a:pPr marL="0" marR="0" lvl="0" indent="0" algn="l" defTabSz="914400" rtl="0" eaLnBrk="0" fontAlgn="base" latinLnBrk="0" hangingPunct="0">
-              <a:lnSpc>
-                <a:spcPct val="100000"/>
-              </a:lnSpc>
-              <a:spcBef>
-                <a:spcPct val="0"/>
-              </a:spcBef>
-              <a:spcAft>
-                <a:spcPct val="0"/>
-              </a:spcAft>
-              <a:buClrTx/>
-              <a:buSzTx/>
-              <a:buFontTx/>
-              <a:buNone/>
-              <a:tabLst/>
-            </a:pPr>
-            <a:r>
-              <a:rPr kumimoji="0" lang="en-US" altLang="en-US" sz="2000" b="0" i="0" u="none" strike="noStrike" cap="none" normalizeH="0" baseline="0" dirty="0">
-                <a:ln>
-                  <a:noFill/>
-                </a:ln>
-                <a:solidFill>
-                  <a:srgbClr val="505050"/>
-                </a:solidFill>
-                <a:effectLst/>
-                <a:latin typeface="wf_segoe-ui_normal"/>
-              </a:rPr>
-              <a:t>Clients can request a particular format as part of the URL, such as in the query string or part of the path, or by using a format-specific file extension such as .xml or .</a:t>
-            </a:r>
-            <a:r>
-              <a:rPr kumimoji="0" lang="en-US" altLang="en-US" sz="2000" b="0" i="0" u="none" strike="noStrike" cap="none" normalizeH="0" baseline="0" dirty="0" err="1">
-                <a:ln>
-                  <a:noFill/>
-                </a:ln>
-                <a:solidFill>
-                  <a:srgbClr val="505050"/>
-                </a:solidFill>
-                <a:effectLst/>
-                <a:latin typeface="wf_segoe-ui_normal"/>
-              </a:rPr>
-              <a:t>json</a:t>
-            </a:r>
-            <a:r>
-              <a:rPr kumimoji="0" lang="en-US" altLang="en-US" sz="2000" b="0" i="0" u="none" strike="noStrike" cap="none" normalizeH="0" baseline="0" dirty="0">
-                <a:ln>
-                  <a:noFill/>
-                </a:ln>
-                <a:solidFill>
-                  <a:srgbClr val="505050"/>
-                </a:solidFill>
-                <a:effectLst/>
-                <a:latin typeface="wf_segoe-ui_normal"/>
-              </a:rPr>
-              <a:t>. The mapping from request path should be specified in the route the API is using.</a:t>
-            </a:r>
-          </a:p>
-          <a:p>
-            <a:pPr marL="0" marR="0" lvl="0" indent="0" algn="l" defTabSz="914400" rtl="0" eaLnBrk="0" fontAlgn="base" latinLnBrk="0" hangingPunct="0">
-              <a:lnSpc>
-                <a:spcPct val="100000"/>
-              </a:lnSpc>
-              <a:spcBef>
-                <a:spcPct val="0"/>
-              </a:spcBef>
-              <a:spcAft>
-                <a:spcPct val="0"/>
-              </a:spcAft>
-              <a:buClrTx/>
-              <a:buSzTx/>
-              <a:buFontTx/>
-              <a:buNone/>
-              <a:tabLst/>
-            </a:pPr>
-            <a:r>
-              <a:rPr kumimoji="0" lang="en-US" altLang="en-US" sz="2000" b="0" i="0" u="none" strike="noStrike" cap="none" normalizeH="0" baseline="0" dirty="0">
-                <a:ln>
-                  <a:noFill/>
-                </a:ln>
-                <a:solidFill>
-                  <a:srgbClr val="505050"/>
-                </a:solidFill>
-                <a:effectLst/>
-                <a:latin typeface="wf_segoe-ui_normal"/>
-              </a:rPr>
-              <a:t> For example:</a:t>
-            </a:r>
-            <a:endParaRPr kumimoji="0" lang="en-US" altLang="en-US" sz="2000" b="0" i="0" u="none" strike="noStrike" cap="none" normalizeH="0" baseline="0" dirty="0">
-              <a:ln>
-                <a:noFill/>
-              </a:ln>
-              <a:solidFill>
-                <a:schemeClr val="tx1"/>
-              </a:solidFill>
-              <a:effectLst/>
-            </a:endParaRPr>
-          </a:p>
-          <a:p>
-            <a:pPr marL="0" marR="0" lvl="0" indent="0" algn="l" defTabSz="914400" rtl="0" eaLnBrk="0" fontAlgn="base" latinLnBrk="0" hangingPunct="0">
-              <a:lnSpc>
-                <a:spcPct val="100000"/>
-              </a:lnSpc>
-              <a:spcBef>
-                <a:spcPct val="30000"/>
-              </a:spcBef>
-              <a:spcAft>
-                <a:spcPct val="0"/>
-              </a:spcAft>
-              <a:buClrTx/>
-              <a:buSzTx/>
-              <a:buFontTx/>
-              <a:buNone/>
-              <a:tabLst/>
-            </a:pPr>
-            <a:r>
-              <a:rPr kumimoji="0" lang="en-US" altLang="en-US" sz="2000" b="0" i="0" u="none" strike="noStrike" cap="none" normalizeH="0" baseline="0" dirty="0">
-                <a:ln>
-                  <a:noFill/>
-                </a:ln>
-                <a:solidFill>
-                  <a:srgbClr val="000000"/>
-                </a:solidFill>
-                <a:effectLst/>
-                <a:latin typeface="Arial Unicode MS" panose="020B0604020202020204" pitchFamily="34" charset="-128"/>
-              </a:rPr>
-              <a:t>[</a:t>
-            </a:r>
-            <a:r>
-              <a:rPr kumimoji="0" lang="en-US" altLang="en-US" sz="2000" b="0" i="0" u="none" strike="noStrike" cap="none" normalizeH="0" baseline="0" dirty="0" err="1">
-                <a:ln>
-                  <a:noFill/>
-                </a:ln>
-                <a:solidFill>
-                  <a:srgbClr val="000000"/>
-                </a:solidFill>
-                <a:effectLst/>
-                <a:latin typeface="Arial Unicode MS" panose="020B0604020202020204" pitchFamily="34" charset="-128"/>
-              </a:rPr>
-              <a:t>FormatFilter</a:t>
-            </a:r>
-            <a:r>
-              <a:rPr kumimoji="0" lang="en-US" altLang="en-US" sz="2000" b="0" i="0" u="none" strike="noStrike" cap="none" normalizeH="0" baseline="0" dirty="0">
-                <a:ln>
-                  <a:noFill/>
-                </a:ln>
-                <a:solidFill>
-                  <a:srgbClr val="000000"/>
-                </a:solidFill>
-                <a:effectLst/>
-                <a:latin typeface="Arial Unicode MS" panose="020B0604020202020204" pitchFamily="34" charset="-128"/>
-              </a:rPr>
-              <a:t>] public class </a:t>
-            </a:r>
-            <a:r>
-              <a:rPr kumimoji="0" lang="en-US" altLang="en-US" sz="2000" b="0" i="0" u="none" strike="noStrike" cap="none" normalizeH="0" baseline="0" dirty="0" err="1">
-                <a:ln>
-                  <a:noFill/>
-                </a:ln>
-                <a:solidFill>
-                  <a:srgbClr val="000000"/>
-                </a:solidFill>
-                <a:effectLst/>
-                <a:latin typeface="Arial Unicode MS" panose="020B0604020202020204" pitchFamily="34" charset="-128"/>
-              </a:rPr>
-              <a:t>ProductsController</a:t>
-            </a:r>
-            <a:endParaRPr kumimoji="0" lang="en-US" altLang="en-US" sz="2000" b="0" i="0" u="none" strike="noStrike" cap="none" normalizeH="0" baseline="0" dirty="0">
-              <a:ln>
-                <a:noFill/>
-              </a:ln>
-              <a:solidFill>
-                <a:srgbClr val="000000"/>
-              </a:solidFill>
-              <a:effectLst/>
-              <a:latin typeface="Arial Unicode MS" panose="020B0604020202020204" pitchFamily="34" charset="-128"/>
-            </a:endParaRPr>
-          </a:p>
-          <a:p>
-            <a:pPr marL="0" marR="0" lvl="0" indent="0" algn="l" defTabSz="914400" rtl="0" eaLnBrk="0" fontAlgn="base" latinLnBrk="0" hangingPunct="0">
-              <a:lnSpc>
-                <a:spcPct val="100000"/>
-              </a:lnSpc>
-              <a:spcBef>
-                <a:spcPct val="30000"/>
-              </a:spcBef>
-              <a:spcAft>
-                <a:spcPct val="0"/>
-              </a:spcAft>
-              <a:buClrTx/>
-              <a:buSzTx/>
-              <a:buFontTx/>
-              <a:buNone/>
-              <a:tabLst/>
-            </a:pPr>
-            <a:r>
-              <a:rPr kumimoji="0" lang="en-US" altLang="en-US" sz="2000" b="0" i="0" u="none" strike="noStrike" cap="none" normalizeH="0" baseline="0" dirty="0">
-                <a:ln>
-                  <a:noFill/>
-                </a:ln>
-                <a:solidFill>
-                  <a:srgbClr val="000000"/>
-                </a:solidFill>
-                <a:effectLst/>
-                <a:latin typeface="Arial Unicode MS" panose="020B0604020202020204" pitchFamily="34" charset="-128"/>
-              </a:rPr>
-              <a:t> { [Route("[controller]/[</a:t>
-            </a:r>
-            <a:r>
-              <a:rPr kumimoji="0" lang="en-US" altLang="en-US" sz="2000" b="0" i="0" u="none" strike="noStrike" cap="none" normalizeH="0" baseline="0" dirty="0">
-                <a:ln>
-                  <a:noFill/>
-                </a:ln>
-                <a:solidFill>
-                  <a:schemeClr val="tx1"/>
-                </a:solidFill>
-                <a:effectLst/>
-              </a:rPr>
-              <a:t>action</a:t>
-            </a:r>
-            <a:r>
-              <a:rPr kumimoji="0" lang="en-US" altLang="en-US" sz="2000" b="0" i="0" u="none" strike="noStrike" cap="none" normalizeH="0" baseline="0" dirty="0">
-                <a:ln>
-                  <a:noFill/>
-                </a:ln>
-                <a:solidFill>
-                  <a:srgbClr val="000000"/>
-                </a:solidFill>
-                <a:effectLst/>
-                <a:latin typeface="Arial Unicode MS" panose="020B0604020202020204" pitchFamily="34" charset="-128"/>
-              </a:rPr>
-              <a:t>]/{</a:t>
-            </a:r>
-            <a:r>
-              <a:rPr kumimoji="0" lang="en-US" altLang="en-US" sz="2000" b="0" i="0" u="none" strike="noStrike" cap="none" normalizeH="0" baseline="0" dirty="0">
-                <a:ln>
-                  <a:noFill/>
-                </a:ln>
-                <a:solidFill>
-                  <a:schemeClr val="tx1"/>
-                </a:solidFill>
-                <a:effectLst/>
-              </a:rPr>
-              <a:t>id</a:t>
-            </a:r>
-            <a:r>
-              <a:rPr kumimoji="0" lang="en-US" altLang="en-US" sz="2000" b="0" i="0" u="none" strike="noStrike" cap="none" normalizeH="0" baseline="0" dirty="0">
-                <a:ln>
-                  <a:noFill/>
-                </a:ln>
-                <a:solidFill>
-                  <a:srgbClr val="000000"/>
-                </a:solidFill>
-                <a:effectLst/>
-                <a:latin typeface="Arial Unicode MS" panose="020B0604020202020204" pitchFamily="34" charset="-128"/>
-              </a:rPr>
-              <a:t>}.{</a:t>
-            </a:r>
-            <a:r>
-              <a:rPr kumimoji="0" lang="en-US" altLang="en-US" sz="2000" b="0" i="0" u="none" strike="noStrike" cap="none" normalizeH="0" baseline="0" dirty="0">
-                <a:ln>
-                  <a:noFill/>
-                </a:ln>
-                <a:solidFill>
-                  <a:schemeClr val="tx1"/>
-                </a:solidFill>
-                <a:effectLst/>
-              </a:rPr>
-              <a:t>format</a:t>
-            </a:r>
-            <a:r>
-              <a:rPr kumimoji="0" lang="en-US" altLang="en-US" sz="2000" b="0" i="0" u="none" strike="noStrike" cap="none" normalizeH="0" baseline="0" dirty="0">
-                <a:ln>
-                  <a:noFill/>
-                </a:ln>
-                <a:solidFill>
-                  <a:srgbClr val="000000"/>
-                </a:solidFill>
-                <a:effectLst/>
-                <a:latin typeface="Arial Unicode MS" panose="020B0604020202020204" pitchFamily="34" charset="-128"/>
-              </a:rPr>
-              <a:t>?}")] </a:t>
-            </a:r>
-          </a:p>
-          <a:p>
-            <a:pPr marL="0" marR="0" lvl="0" indent="0" algn="l" defTabSz="914400" rtl="0" eaLnBrk="0" fontAlgn="base" latinLnBrk="0" hangingPunct="0">
-              <a:lnSpc>
-                <a:spcPct val="100000"/>
-              </a:lnSpc>
-              <a:spcBef>
-                <a:spcPct val="30000"/>
-              </a:spcBef>
-              <a:spcAft>
-                <a:spcPct val="0"/>
-              </a:spcAft>
-              <a:buClrTx/>
-              <a:buSzTx/>
-              <a:buFontTx/>
-              <a:buNone/>
-              <a:tabLst/>
-            </a:pPr>
-            <a:r>
-              <a:rPr lang="en-US" altLang="en-US" sz="2000" dirty="0">
-                <a:solidFill>
-                  <a:srgbClr val="000000"/>
-                </a:solidFill>
-                <a:latin typeface="Arial Unicode MS" panose="020B0604020202020204" pitchFamily="34" charset="-128"/>
-              </a:rPr>
-              <a:t> </a:t>
-            </a:r>
-            <a:r>
-              <a:rPr kumimoji="0" lang="en-US" altLang="en-US" sz="2000" b="0" i="0" u="none" strike="noStrike" cap="none" normalizeH="0" baseline="0" dirty="0">
-                <a:ln>
-                  <a:noFill/>
-                </a:ln>
-                <a:solidFill>
-                  <a:srgbClr val="000000"/>
-                </a:solidFill>
-                <a:effectLst/>
-                <a:latin typeface="Arial Unicode MS" panose="020B0604020202020204" pitchFamily="34" charset="-128"/>
-              </a:rPr>
-              <a:t>public </a:t>
-            </a:r>
-            <a:r>
-              <a:rPr kumimoji="0" lang="en-US" altLang="en-US" sz="2000" b="0" i="0" u="none" strike="noStrike" cap="none" normalizeH="0" baseline="0" dirty="0">
-                <a:ln>
-                  <a:noFill/>
-                </a:ln>
-                <a:solidFill>
-                  <a:schemeClr val="tx1"/>
-                </a:solidFill>
-                <a:effectLst/>
-              </a:rPr>
-              <a:t>Product</a:t>
-            </a:r>
-            <a:r>
-              <a:rPr kumimoji="0" lang="en-US" altLang="en-US" sz="2000" b="0" i="0" u="none" strike="noStrike" cap="none" normalizeH="0" baseline="0" dirty="0">
-                <a:ln>
-                  <a:noFill/>
-                </a:ln>
-                <a:solidFill>
-                  <a:srgbClr val="000000"/>
-                </a:solidFill>
-                <a:effectLst/>
-                <a:latin typeface="Arial Unicode MS" panose="020B0604020202020204" pitchFamily="34" charset="-128"/>
-              </a:rPr>
-              <a:t> </a:t>
-            </a:r>
-            <a:r>
-              <a:rPr kumimoji="0" lang="en-US" altLang="en-US" sz="2000" b="0" i="0" u="none" strike="noStrike" cap="none" normalizeH="0" baseline="0" dirty="0" err="1">
-                <a:ln>
-                  <a:noFill/>
-                </a:ln>
-                <a:solidFill>
-                  <a:srgbClr val="000000"/>
-                </a:solidFill>
-                <a:effectLst/>
-                <a:latin typeface="Arial Unicode MS" panose="020B0604020202020204" pitchFamily="34" charset="-128"/>
-              </a:rPr>
-              <a:t>GetById</a:t>
-            </a:r>
-            <a:r>
-              <a:rPr kumimoji="0" lang="en-US" altLang="en-US" sz="2000" b="0" i="0" u="none" strike="noStrike" cap="none" normalizeH="0" baseline="0" dirty="0">
-                <a:ln>
-                  <a:noFill/>
-                </a:ln>
-                <a:solidFill>
-                  <a:srgbClr val="000000"/>
-                </a:solidFill>
-                <a:effectLst/>
-                <a:latin typeface="Arial Unicode MS" panose="020B0604020202020204" pitchFamily="34" charset="-128"/>
-              </a:rPr>
-              <a:t>(int </a:t>
-            </a:r>
-            <a:r>
-              <a:rPr kumimoji="0" lang="en-US" altLang="en-US" sz="2000" b="0" i="0" u="none" strike="noStrike" cap="none" normalizeH="0" baseline="0" dirty="0">
-                <a:ln>
-                  <a:noFill/>
-                </a:ln>
-                <a:solidFill>
-                  <a:schemeClr val="tx1"/>
-                </a:solidFill>
-                <a:effectLst/>
-              </a:rPr>
-              <a:t>id</a:t>
-            </a:r>
-            <a:r>
-              <a:rPr kumimoji="0" lang="en-US" altLang="en-US" sz="2000" b="0" i="0" u="none" strike="noStrike" cap="none" normalizeH="0" baseline="0" dirty="0">
-                <a:ln>
-                  <a:noFill/>
-                </a:ln>
-                <a:solidFill>
-                  <a:srgbClr val="000000"/>
-                </a:solidFill>
-                <a:effectLst/>
-                <a:latin typeface="Arial Unicode MS" panose="020B0604020202020204" pitchFamily="34" charset="-128"/>
-              </a:rPr>
-              <a:t>) </a:t>
-            </a:r>
-            <a:endParaRPr kumimoji="0" lang="en-US" altLang="en-US" sz="2000" b="0" i="0" u="none" strike="noStrike" cap="none" normalizeH="0" baseline="0" dirty="0">
-              <a:ln>
-                <a:noFill/>
-              </a:ln>
-              <a:solidFill>
-                <a:schemeClr val="tx1"/>
-              </a:solidFill>
-              <a:effectLst/>
-            </a:endParaRPr>
-          </a:p>
-          <a:p>
-            <a:pPr marL="0" marR="0" lvl="0" indent="0" algn="l" defTabSz="914400" rtl="0" eaLnBrk="0" fontAlgn="base" latinLnBrk="0" hangingPunct="0">
-              <a:lnSpc>
-                <a:spcPct val="100000"/>
-              </a:lnSpc>
-              <a:spcBef>
-                <a:spcPct val="0"/>
-              </a:spcBef>
-              <a:spcAft>
-                <a:spcPct val="0"/>
-              </a:spcAft>
-              <a:buClrTx/>
-              <a:buSzTx/>
-              <a:buFontTx/>
-              <a:buNone/>
-              <a:tabLst/>
-            </a:pPr>
-            <a:r>
-              <a:rPr kumimoji="0" lang="en-US" altLang="en-US" sz="2000" b="0" i="0" u="none" strike="noStrike" cap="none" normalizeH="0" baseline="0" dirty="0">
-                <a:ln>
-                  <a:noFill/>
-                </a:ln>
-                <a:solidFill>
-                  <a:srgbClr val="505050"/>
-                </a:solidFill>
-                <a:effectLst/>
-                <a:latin typeface="wf_segoe-ui_normal"/>
-              </a:rPr>
-              <a:t>This route would allow the requested format to be specified as an optional file extension. The </a:t>
-            </a:r>
-            <a:r>
-              <a:rPr kumimoji="0" lang="en-US" altLang="en-US" sz="2000" b="0" i="0" u="none" strike="noStrike" cap="none" normalizeH="0" baseline="0" dirty="0">
-                <a:ln>
-                  <a:noFill/>
-                </a:ln>
-                <a:solidFill>
-                  <a:srgbClr val="505050"/>
-                </a:solidFill>
-                <a:effectLst/>
-                <a:latin typeface="Arial Unicode MS" panose="020B0604020202020204" pitchFamily="34" charset="-128"/>
-              </a:rPr>
-              <a:t>[</a:t>
-            </a:r>
-            <a:r>
-              <a:rPr kumimoji="0" lang="en-US" altLang="en-US" sz="2000" b="0" i="0" u="none" strike="noStrike" cap="none" normalizeH="0" baseline="0" dirty="0" err="1">
-                <a:ln>
-                  <a:noFill/>
-                </a:ln>
-                <a:solidFill>
-                  <a:srgbClr val="505050"/>
-                </a:solidFill>
-                <a:effectLst/>
-                <a:latin typeface="Arial Unicode MS" panose="020B0604020202020204" pitchFamily="34" charset="-128"/>
-              </a:rPr>
-              <a:t>FormatFilter</a:t>
-            </a:r>
-            <a:r>
-              <a:rPr kumimoji="0" lang="en-US" altLang="en-US" sz="2000" b="0" i="0" u="none" strike="noStrike" cap="none" normalizeH="0" baseline="0" dirty="0">
-                <a:ln>
-                  <a:noFill/>
-                </a:ln>
-                <a:solidFill>
-                  <a:srgbClr val="505050"/>
-                </a:solidFill>
-                <a:effectLst/>
-                <a:latin typeface="Arial Unicode MS" panose="020B0604020202020204" pitchFamily="34" charset="-128"/>
-              </a:rPr>
-              <a:t>]</a:t>
-            </a:r>
-            <a:r>
-              <a:rPr kumimoji="0" lang="en-US" altLang="en-US" sz="2000" b="0" i="0" u="none" strike="noStrike" cap="none" normalizeH="0" baseline="0" dirty="0">
-                <a:ln>
-                  <a:noFill/>
-                </a:ln>
-                <a:solidFill>
-                  <a:srgbClr val="505050"/>
-                </a:solidFill>
-                <a:effectLst/>
-                <a:latin typeface="wf_segoe-ui_normal"/>
-              </a:rPr>
-              <a:t> attribute checks for the existence of the format value in the </a:t>
-            </a:r>
-            <a:r>
-              <a:rPr kumimoji="0" lang="en-US" altLang="en-US" sz="2000" b="0" i="0" u="none" strike="noStrike" cap="none" normalizeH="0" baseline="0" dirty="0" err="1">
-                <a:ln>
-                  <a:noFill/>
-                </a:ln>
-                <a:solidFill>
-                  <a:srgbClr val="505050"/>
-                </a:solidFill>
-                <a:effectLst/>
-                <a:latin typeface="Arial Unicode MS" panose="020B0604020202020204" pitchFamily="34" charset="-128"/>
-              </a:rPr>
-              <a:t>RouteData</a:t>
-            </a:r>
-            <a:r>
-              <a:rPr kumimoji="0" lang="en-US" altLang="en-US" sz="2000" b="0" i="0" u="none" strike="noStrike" cap="none" normalizeH="0" baseline="0" dirty="0">
-                <a:ln>
-                  <a:noFill/>
-                </a:ln>
-                <a:solidFill>
-                  <a:srgbClr val="505050"/>
-                </a:solidFill>
-                <a:effectLst/>
-                <a:latin typeface="wf_segoe-ui_normal"/>
-              </a:rPr>
-              <a:t> and will map the response format to the appropriate formatter when the response is created.</a:t>
-            </a:r>
-            <a:endParaRPr kumimoji="0" lang="en-US" altLang="en-US" sz="2000" b="0" i="0" u="none" strike="noStrike" cap="none" normalizeH="0" baseline="0" dirty="0">
-              <a:ln>
-                <a:noFill/>
-              </a:ln>
-              <a:solidFill>
-                <a:schemeClr val="tx1"/>
-              </a:solidFill>
-              <a:effectLst/>
-            </a:endParaRPr>
-          </a:p>
-        </p:txBody>
-      </p:sp>
-      <p:pic>
-        <p:nvPicPr>
-          <p:cNvPr id="6" name="Picture 5">
-            <a:extLst>
-              <a:ext uri="{FF2B5EF4-FFF2-40B4-BE49-F238E27FC236}">
-                <a16:creationId xmlns:a16="http://schemas.microsoft.com/office/drawing/2014/main" id="{710791B2-F185-4CEF-A3B5-2B22DA6AC9CA}"/>
-              </a:ext>
-            </a:extLst>
-          </p:cNvPr>
-          <p:cNvPicPr>
-            <a:picLocks noChangeAspect="1"/>
-          </p:cNvPicPr>
-          <p:nvPr/>
-        </p:nvPicPr>
-        <p:blipFill rotWithShape="1">
-          <a:blip r:embed="rId3"/>
-          <a:srcRect t="34175" r="65049" b="37993"/>
-          <a:stretch/>
-        </p:blipFill>
-        <p:spPr>
-          <a:xfrm>
-            <a:off x="2942282" y="4634201"/>
-            <a:ext cx="5242930" cy="1908700"/>
-          </a:xfrm>
-          <a:prstGeom prst="rect">
-            <a:avLst/>
-          </a:prstGeom>
-        </p:spPr>
-      </p:pic>
-    </p:spTree>
-    <p:extLst>
-      <p:ext uri="{BB962C8B-B14F-4D97-AF65-F5344CB8AC3E}">
-        <p14:creationId xmlns:p14="http://schemas.microsoft.com/office/powerpoint/2010/main" val="277804503"/>
       </p:ext>
     </p:extLst>
   </p:cSld>
@@ -11265,6 +11292,829 @@
           <a:bodyPr/>
           <a:lstStyle/>
           <a:p>
+            <a:pPr algn="l"/>
+            <a:r>
+              <a:rPr lang="en-IN" b="1" i="0" dirty="0">
+                <a:solidFill>
+                  <a:srgbClr val="2B59A9"/>
+                </a:solidFill>
+                <a:effectLst/>
+                <a:latin typeface="wf_segoe-ui_light"/>
+                <a:hlinkClick r:id="rId2"/>
+              </a:rPr>
+              <a:t>Response Format URL Mappings</a:t>
+            </a:r>
+            <a:endParaRPr lang="en-IN" b="1" i="0" dirty="0">
+              <a:solidFill>
+                <a:srgbClr val="222222"/>
+              </a:solidFill>
+              <a:effectLst/>
+              <a:latin typeface="wf_segoe-ui_light"/>
+            </a:endParaRPr>
+          </a:p>
+        </p:txBody>
+      </p:sp>
+      <p:sp>
+        <p:nvSpPr>
+          <p:cNvPr id="3" name="Rectangle 1">
+            <a:extLst>
+              <a:ext uri="{FF2B5EF4-FFF2-40B4-BE49-F238E27FC236}">
+                <a16:creationId xmlns:a16="http://schemas.microsoft.com/office/drawing/2014/main" id="{4A9FE9CA-1715-433E-8E91-6B75D0608F0B}"/>
+              </a:ext>
+            </a:extLst>
+          </p:cNvPr>
+          <p:cNvSpPr>
+            <a:spLocks noGrp="1" noChangeArrowheads="1"/>
+          </p:cNvSpPr>
+          <p:nvPr>
+            <p:ph idx="1"/>
+          </p:nvPr>
+        </p:nvSpPr>
+        <p:spPr bwMode="auto">
+          <a:xfrm>
+            <a:off x="424884" y="1004129"/>
+            <a:ext cx="9438716" cy="3754874"/>
+          </a:xfrm>
+          <a:prstGeom prst="rect">
+            <a:avLst/>
+          </a:prstGeom>
+          <a:noFill/>
+          <a:ln>
+            <a:noFill/>
+          </a:ln>
+          <a:effectLst/>
+          <a:extLst>
+            <a:ext uri="{909E8E84-426E-40DD-AFC4-6F175D3DCCD1}">
+              <a14:hiddenFill xmlns:a14="http://schemas.microsoft.com/office/drawing/2010/main">
+                <a:solidFill>
+                  <a:schemeClr val="accent1"/>
+                </a:solidFill>
+              </a14:hiddenFill>
+            </a:ext>
+            <a:ext uri="{91240B29-F687-4F45-9708-019B960494DF}">
+              <a14:hiddenLine xmlns:a14="http://schemas.microsoft.com/office/drawing/2010/main" w="9525">
+                <a:solidFill>
+                  <a:schemeClr val="tx1"/>
+                </a:solidFill>
+                <a:miter lim="800000"/>
+                <a:headEnd/>
+                <a:tailEnd/>
+              </a14:hiddenLine>
+            </a:ext>
+            <a:ext uri="{AF507438-7753-43E0-B8FC-AC1667EBCBE1}">
+              <a14:hiddenEffects xmlns:a14="http://schemas.microsoft.com/office/drawing/2010/main">
+                <a:effectLst>
+                  <a:outerShdw dist="35921" dir="2700000" algn="ctr" rotWithShape="0">
+                    <a:schemeClr val="bg2"/>
+                  </a:outerShdw>
+                </a:effectLst>
+              </a14:hiddenEffects>
+            </a:ext>
+          </a:extLst>
+        </p:spPr>
+        <p:txBody>
+          <a:bodyPr vert="horz" wrap="square" lIns="91440" tIns="45720" rIns="91440" bIns="45720" numCol="1" anchor="ctr" anchorCtr="0" compatLnSpc="1">
+            <a:prstTxWarp prst="textNoShape">
+              <a:avLst/>
+            </a:prstTxWarp>
+            <a:spAutoFit/>
+          </a:bodyPr>
+          <a:lstStyle>
+            <a:lvl1pPr eaLnBrk="0" fontAlgn="base" hangingPunct="0">
+              <a:spcBef>
+                <a:spcPct val="0"/>
+              </a:spcBef>
+              <a:spcAft>
+                <a:spcPct val="0"/>
+              </a:spcAft>
+              <a:defRPr>
+                <a:solidFill>
+                  <a:schemeClr val="tx1"/>
+                </a:solidFill>
+                <a:latin typeface="Arial" panose="020B0604020202020204" pitchFamily="34" charset="0"/>
+              </a:defRPr>
+            </a:lvl1pPr>
+            <a:lvl2pPr eaLnBrk="0" fontAlgn="base" hangingPunct="0">
+              <a:spcBef>
+                <a:spcPct val="0"/>
+              </a:spcBef>
+              <a:spcAft>
+                <a:spcPct val="0"/>
+              </a:spcAft>
+              <a:defRPr>
+                <a:solidFill>
+                  <a:schemeClr val="tx1"/>
+                </a:solidFill>
+                <a:latin typeface="Arial" panose="020B0604020202020204" pitchFamily="34" charset="0"/>
+              </a:defRPr>
+            </a:lvl2pPr>
+            <a:lvl3pPr eaLnBrk="0" fontAlgn="base" hangingPunct="0">
+              <a:spcBef>
+                <a:spcPct val="0"/>
+              </a:spcBef>
+              <a:spcAft>
+                <a:spcPct val="0"/>
+              </a:spcAft>
+              <a:defRPr>
+                <a:solidFill>
+                  <a:schemeClr val="tx1"/>
+                </a:solidFill>
+                <a:latin typeface="Arial" panose="020B0604020202020204" pitchFamily="34" charset="0"/>
+              </a:defRPr>
+            </a:lvl3pPr>
+            <a:lvl4pPr eaLnBrk="0" fontAlgn="base" hangingPunct="0">
+              <a:spcBef>
+                <a:spcPct val="0"/>
+              </a:spcBef>
+              <a:spcAft>
+                <a:spcPct val="0"/>
+              </a:spcAft>
+              <a:defRPr>
+                <a:solidFill>
+                  <a:schemeClr val="tx1"/>
+                </a:solidFill>
+                <a:latin typeface="Arial" panose="020B0604020202020204" pitchFamily="34" charset="0"/>
+              </a:defRPr>
+            </a:lvl4pPr>
+            <a:lvl5pPr eaLnBrk="0" fontAlgn="base" hangingPunct="0">
+              <a:spcBef>
+                <a:spcPct val="0"/>
+              </a:spcBef>
+              <a:spcAft>
+                <a:spcPct val="0"/>
+              </a:spcAft>
+              <a:defRPr>
+                <a:solidFill>
+                  <a:schemeClr val="tx1"/>
+                </a:solidFill>
+                <a:latin typeface="Arial" panose="020B0604020202020204" pitchFamily="34" charset="0"/>
+              </a:defRPr>
+            </a:lvl5pPr>
+            <a:lvl6pPr eaLnBrk="0" fontAlgn="base" hangingPunct="0">
+              <a:spcBef>
+                <a:spcPct val="0"/>
+              </a:spcBef>
+              <a:spcAft>
+                <a:spcPct val="0"/>
+              </a:spcAft>
+              <a:defRPr>
+                <a:solidFill>
+                  <a:schemeClr val="tx1"/>
+                </a:solidFill>
+                <a:latin typeface="Arial" panose="020B0604020202020204" pitchFamily="34" charset="0"/>
+              </a:defRPr>
+            </a:lvl6pPr>
+            <a:lvl7pPr eaLnBrk="0" fontAlgn="base" hangingPunct="0">
+              <a:spcBef>
+                <a:spcPct val="0"/>
+              </a:spcBef>
+              <a:spcAft>
+                <a:spcPct val="0"/>
+              </a:spcAft>
+              <a:defRPr>
+                <a:solidFill>
+                  <a:schemeClr val="tx1"/>
+                </a:solidFill>
+                <a:latin typeface="Arial" panose="020B0604020202020204" pitchFamily="34" charset="0"/>
+              </a:defRPr>
+            </a:lvl7pPr>
+            <a:lvl8pPr eaLnBrk="0" fontAlgn="base" hangingPunct="0">
+              <a:spcBef>
+                <a:spcPct val="0"/>
+              </a:spcBef>
+              <a:spcAft>
+                <a:spcPct val="0"/>
+              </a:spcAft>
+              <a:defRPr>
+                <a:solidFill>
+                  <a:schemeClr val="tx1"/>
+                </a:solidFill>
+                <a:latin typeface="Arial" panose="020B0604020202020204" pitchFamily="34" charset="0"/>
+              </a:defRPr>
+            </a:lvl8pPr>
+            <a:lvl9pPr eaLnBrk="0" fontAlgn="base" hangingPunct="0">
+              <a:spcBef>
+                <a:spcPct val="0"/>
+              </a:spcBef>
+              <a:spcAft>
+                <a:spcPct val="0"/>
+              </a:spcAft>
+              <a:defRPr>
+                <a:solidFill>
+                  <a:schemeClr val="tx1"/>
+                </a:solidFill>
+                <a:latin typeface="Arial" panose="020B0604020202020204" pitchFamily="34" charset="0"/>
+              </a:defRPr>
+            </a:lvl9pPr>
+          </a:lstStyle>
+          <a:p>
+            <a:pPr marL="0" marR="0" lvl="0" indent="0" algn="l" defTabSz="914400" rtl="0" eaLnBrk="0" fontAlgn="base" latinLnBrk="0" hangingPunct="0">
+              <a:lnSpc>
+                <a:spcPct val="100000"/>
+              </a:lnSpc>
+              <a:spcBef>
+                <a:spcPct val="0"/>
+              </a:spcBef>
+              <a:spcAft>
+                <a:spcPct val="0"/>
+              </a:spcAft>
+              <a:buClrTx/>
+              <a:buSzTx/>
+              <a:buFontTx/>
+              <a:buNone/>
+              <a:tabLst/>
+            </a:pPr>
+            <a:r>
+              <a:rPr kumimoji="0" lang="en-US" altLang="en-US" sz="2000" b="0" i="0" u="none" strike="noStrike" cap="none" normalizeH="0" baseline="0" dirty="0">
+                <a:ln>
+                  <a:noFill/>
+                </a:ln>
+                <a:solidFill>
+                  <a:srgbClr val="505050"/>
+                </a:solidFill>
+                <a:effectLst/>
+                <a:latin typeface="wf_segoe-ui_normal"/>
+              </a:rPr>
+              <a:t>Clients can request a particular format as part of the URL, such as in the query string or part of the path, or by using a format-specific file extension such as .xml or .</a:t>
+            </a:r>
+            <a:r>
+              <a:rPr kumimoji="0" lang="en-US" altLang="en-US" sz="2000" b="0" i="0" u="none" strike="noStrike" cap="none" normalizeH="0" baseline="0" dirty="0" err="1">
+                <a:ln>
+                  <a:noFill/>
+                </a:ln>
+                <a:solidFill>
+                  <a:srgbClr val="505050"/>
+                </a:solidFill>
+                <a:effectLst/>
+                <a:latin typeface="wf_segoe-ui_normal"/>
+              </a:rPr>
+              <a:t>json</a:t>
+            </a:r>
+            <a:r>
+              <a:rPr kumimoji="0" lang="en-US" altLang="en-US" sz="2000" b="0" i="0" u="none" strike="noStrike" cap="none" normalizeH="0" baseline="0" dirty="0">
+                <a:ln>
+                  <a:noFill/>
+                </a:ln>
+                <a:solidFill>
+                  <a:srgbClr val="505050"/>
+                </a:solidFill>
+                <a:effectLst/>
+                <a:latin typeface="wf_segoe-ui_normal"/>
+              </a:rPr>
+              <a:t>. The mapping from request path should be specified in the route the API is using.</a:t>
+            </a:r>
+          </a:p>
+          <a:p>
+            <a:pPr marL="0" marR="0" lvl="0" indent="0" algn="l" defTabSz="914400" rtl="0" eaLnBrk="0" fontAlgn="base" latinLnBrk="0" hangingPunct="0">
+              <a:lnSpc>
+                <a:spcPct val="100000"/>
+              </a:lnSpc>
+              <a:spcBef>
+                <a:spcPct val="0"/>
+              </a:spcBef>
+              <a:spcAft>
+                <a:spcPct val="0"/>
+              </a:spcAft>
+              <a:buClrTx/>
+              <a:buSzTx/>
+              <a:buFontTx/>
+              <a:buNone/>
+              <a:tabLst/>
+            </a:pPr>
+            <a:r>
+              <a:rPr kumimoji="0" lang="en-US" altLang="en-US" sz="2000" b="0" i="0" u="none" strike="noStrike" cap="none" normalizeH="0" baseline="0" dirty="0">
+                <a:ln>
+                  <a:noFill/>
+                </a:ln>
+                <a:solidFill>
+                  <a:srgbClr val="505050"/>
+                </a:solidFill>
+                <a:effectLst/>
+                <a:latin typeface="wf_segoe-ui_normal"/>
+              </a:rPr>
+              <a:t> For example:</a:t>
+            </a:r>
+            <a:endParaRPr kumimoji="0" lang="en-US" altLang="en-US" sz="2000" b="0" i="0" u="none" strike="noStrike" cap="none" normalizeH="0" baseline="0" dirty="0">
+              <a:ln>
+                <a:noFill/>
+              </a:ln>
+              <a:solidFill>
+                <a:schemeClr val="tx1"/>
+              </a:solidFill>
+              <a:effectLst/>
+            </a:endParaRPr>
+          </a:p>
+          <a:p>
+            <a:pPr marL="0" marR="0" lvl="0" indent="0" algn="l" defTabSz="914400" rtl="0" eaLnBrk="0" fontAlgn="base" latinLnBrk="0" hangingPunct="0">
+              <a:lnSpc>
+                <a:spcPct val="100000"/>
+              </a:lnSpc>
+              <a:spcBef>
+                <a:spcPct val="30000"/>
+              </a:spcBef>
+              <a:spcAft>
+                <a:spcPct val="0"/>
+              </a:spcAft>
+              <a:buClrTx/>
+              <a:buSzTx/>
+              <a:buFontTx/>
+              <a:buNone/>
+              <a:tabLst/>
+            </a:pPr>
+            <a:r>
+              <a:rPr kumimoji="0" lang="en-US" altLang="en-US" sz="2000" b="0" i="0" u="none" strike="noStrike" cap="none" normalizeH="0" baseline="0" dirty="0">
+                <a:ln>
+                  <a:noFill/>
+                </a:ln>
+                <a:solidFill>
+                  <a:srgbClr val="000000"/>
+                </a:solidFill>
+                <a:effectLst/>
+                <a:latin typeface="Arial Unicode MS" panose="020B0604020202020204" pitchFamily="34" charset="-128"/>
+              </a:rPr>
+              <a:t>[</a:t>
+            </a:r>
+            <a:r>
+              <a:rPr kumimoji="0" lang="en-US" altLang="en-US" sz="2000" b="0" i="0" u="none" strike="noStrike" cap="none" normalizeH="0" baseline="0" dirty="0" err="1">
+                <a:ln>
+                  <a:noFill/>
+                </a:ln>
+                <a:solidFill>
+                  <a:srgbClr val="000000"/>
+                </a:solidFill>
+                <a:effectLst/>
+                <a:latin typeface="Arial Unicode MS" panose="020B0604020202020204" pitchFamily="34" charset="-128"/>
+              </a:rPr>
+              <a:t>FormatFilter</a:t>
+            </a:r>
+            <a:r>
+              <a:rPr kumimoji="0" lang="en-US" altLang="en-US" sz="2000" b="0" i="0" u="none" strike="noStrike" cap="none" normalizeH="0" baseline="0" dirty="0">
+                <a:ln>
+                  <a:noFill/>
+                </a:ln>
+                <a:solidFill>
+                  <a:srgbClr val="000000"/>
+                </a:solidFill>
+                <a:effectLst/>
+                <a:latin typeface="Arial Unicode MS" panose="020B0604020202020204" pitchFamily="34" charset="-128"/>
+              </a:rPr>
+              <a:t>] public class </a:t>
+            </a:r>
+            <a:r>
+              <a:rPr kumimoji="0" lang="en-US" altLang="en-US" sz="2000" b="0" i="0" u="none" strike="noStrike" cap="none" normalizeH="0" baseline="0" dirty="0" err="1">
+                <a:ln>
+                  <a:noFill/>
+                </a:ln>
+                <a:solidFill>
+                  <a:srgbClr val="000000"/>
+                </a:solidFill>
+                <a:effectLst/>
+                <a:latin typeface="Arial Unicode MS" panose="020B0604020202020204" pitchFamily="34" charset="-128"/>
+              </a:rPr>
+              <a:t>ProductsController</a:t>
+            </a:r>
+            <a:endParaRPr kumimoji="0" lang="en-US" altLang="en-US" sz="2000" b="0" i="0" u="none" strike="noStrike" cap="none" normalizeH="0" baseline="0" dirty="0">
+              <a:ln>
+                <a:noFill/>
+              </a:ln>
+              <a:solidFill>
+                <a:srgbClr val="000000"/>
+              </a:solidFill>
+              <a:effectLst/>
+              <a:latin typeface="Arial Unicode MS" panose="020B0604020202020204" pitchFamily="34" charset="-128"/>
+            </a:endParaRPr>
+          </a:p>
+          <a:p>
+            <a:pPr marL="0" marR="0" lvl="0" indent="0" algn="l" defTabSz="914400" rtl="0" eaLnBrk="0" fontAlgn="base" latinLnBrk="0" hangingPunct="0">
+              <a:lnSpc>
+                <a:spcPct val="100000"/>
+              </a:lnSpc>
+              <a:spcBef>
+                <a:spcPct val="30000"/>
+              </a:spcBef>
+              <a:spcAft>
+                <a:spcPct val="0"/>
+              </a:spcAft>
+              <a:buClrTx/>
+              <a:buSzTx/>
+              <a:buFontTx/>
+              <a:buNone/>
+              <a:tabLst/>
+            </a:pPr>
+            <a:r>
+              <a:rPr kumimoji="0" lang="en-US" altLang="en-US" sz="2000" b="0" i="0" u="none" strike="noStrike" cap="none" normalizeH="0" baseline="0" dirty="0">
+                <a:ln>
+                  <a:noFill/>
+                </a:ln>
+                <a:solidFill>
+                  <a:srgbClr val="000000"/>
+                </a:solidFill>
+                <a:effectLst/>
+                <a:latin typeface="Arial Unicode MS" panose="020B0604020202020204" pitchFamily="34" charset="-128"/>
+              </a:rPr>
+              <a:t> { [Route("[controller]/[</a:t>
+            </a:r>
+            <a:r>
+              <a:rPr kumimoji="0" lang="en-US" altLang="en-US" sz="2000" b="0" i="0" u="none" strike="noStrike" cap="none" normalizeH="0" baseline="0" dirty="0">
+                <a:ln>
+                  <a:noFill/>
+                </a:ln>
+                <a:solidFill>
+                  <a:schemeClr val="tx1"/>
+                </a:solidFill>
+                <a:effectLst/>
+              </a:rPr>
+              <a:t>action</a:t>
+            </a:r>
+            <a:r>
+              <a:rPr kumimoji="0" lang="en-US" altLang="en-US" sz="2000" b="0" i="0" u="none" strike="noStrike" cap="none" normalizeH="0" baseline="0" dirty="0">
+                <a:ln>
+                  <a:noFill/>
+                </a:ln>
+                <a:solidFill>
+                  <a:srgbClr val="000000"/>
+                </a:solidFill>
+                <a:effectLst/>
+                <a:latin typeface="Arial Unicode MS" panose="020B0604020202020204" pitchFamily="34" charset="-128"/>
+              </a:rPr>
+              <a:t>]/{</a:t>
+            </a:r>
+            <a:r>
+              <a:rPr kumimoji="0" lang="en-US" altLang="en-US" sz="2000" b="0" i="0" u="none" strike="noStrike" cap="none" normalizeH="0" baseline="0" dirty="0">
+                <a:ln>
+                  <a:noFill/>
+                </a:ln>
+                <a:solidFill>
+                  <a:schemeClr val="tx1"/>
+                </a:solidFill>
+                <a:effectLst/>
+              </a:rPr>
+              <a:t>id</a:t>
+            </a:r>
+            <a:r>
+              <a:rPr kumimoji="0" lang="en-US" altLang="en-US" sz="2000" b="0" i="0" u="none" strike="noStrike" cap="none" normalizeH="0" baseline="0" dirty="0">
+                <a:ln>
+                  <a:noFill/>
+                </a:ln>
+                <a:solidFill>
+                  <a:srgbClr val="000000"/>
+                </a:solidFill>
+                <a:effectLst/>
+                <a:latin typeface="Arial Unicode MS" panose="020B0604020202020204" pitchFamily="34" charset="-128"/>
+              </a:rPr>
+              <a:t>}.{</a:t>
+            </a:r>
+            <a:r>
+              <a:rPr kumimoji="0" lang="en-US" altLang="en-US" sz="2000" b="0" i="0" u="none" strike="noStrike" cap="none" normalizeH="0" baseline="0" dirty="0">
+                <a:ln>
+                  <a:noFill/>
+                </a:ln>
+                <a:solidFill>
+                  <a:schemeClr val="tx1"/>
+                </a:solidFill>
+                <a:effectLst/>
+              </a:rPr>
+              <a:t>format</a:t>
+            </a:r>
+            <a:r>
+              <a:rPr kumimoji="0" lang="en-US" altLang="en-US" sz="2000" b="0" i="0" u="none" strike="noStrike" cap="none" normalizeH="0" baseline="0" dirty="0">
+                <a:ln>
+                  <a:noFill/>
+                </a:ln>
+                <a:solidFill>
+                  <a:srgbClr val="000000"/>
+                </a:solidFill>
+                <a:effectLst/>
+                <a:latin typeface="Arial Unicode MS" panose="020B0604020202020204" pitchFamily="34" charset="-128"/>
+              </a:rPr>
+              <a:t>?}")] </a:t>
+            </a:r>
+          </a:p>
+          <a:p>
+            <a:pPr marL="0" marR="0" lvl="0" indent="0" algn="l" defTabSz="914400" rtl="0" eaLnBrk="0" fontAlgn="base" latinLnBrk="0" hangingPunct="0">
+              <a:lnSpc>
+                <a:spcPct val="100000"/>
+              </a:lnSpc>
+              <a:spcBef>
+                <a:spcPct val="30000"/>
+              </a:spcBef>
+              <a:spcAft>
+                <a:spcPct val="0"/>
+              </a:spcAft>
+              <a:buClrTx/>
+              <a:buSzTx/>
+              <a:buFontTx/>
+              <a:buNone/>
+              <a:tabLst/>
+            </a:pPr>
+            <a:r>
+              <a:rPr lang="en-US" altLang="en-US" sz="2000" dirty="0">
+                <a:solidFill>
+                  <a:srgbClr val="000000"/>
+                </a:solidFill>
+                <a:latin typeface="Arial Unicode MS" panose="020B0604020202020204" pitchFamily="34" charset="-128"/>
+              </a:rPr>
+              <a:t> </a:t>
+            </a:r>
+            <a:r>
+              <a:rPr kumimoji="0" lang="en-US" altLang="en-US" sz="2000" b="0" i="0" u="none" strike="noStrike" cap="none" normalizeH="0" baseline="0" dirty="0">
+                <a:ln>
+                  <a:noFill/>
+                </a:ln>
+                <a:solidFill>
+                  <a:srgbClr val="000000"/>
+                </a:solidFill>
+                <a:effectLst/>
+                <a:latin typeface="Arial Unicode MS" panose="020B0604020202020204" pitchFamily="34" charset="-128"/>
+              </a:rPr>
+              <a:t>public </a:t>
+            </a:r>
+            <a:r>
+              <a:rPr kumimoji="0" lang="en-US" altLang="en-US" sz="2000" b="0" i="0" u="none" strike="noStrike" cap="none" normalizeH="0" baseline="0" dirty="0">
+                <a:ln>
+                  <a:noFill/>
+                </a:ln>
+                <a:solidFill>
+                  <a:schemeClr val="tx1"/>
+                </a:solidFill>
+                <a:effectLst/>
+              </a:rPr>
+              <a:t>Product</a:t>
+            </a:r>
+            <a:r>
+              <a:rPr kumimoji="0" lang="en-US" altLang="en-US" sz="2000" b="0" i="0" u="none" strike="noStrike" cap="none" normalizeH="0" baseline="0" dirty="0">
+                <a:ln>
+                  <a:noFill/>
+                </a:ln>
+                <a:solidFill>
+                  <a:srgbClr val="000000"/>
+                </a:solidFill>
+                <a:effectLst/>
+                <a:latin typeface="Arial Unicode MS" panose="020B0604020202020204" pitchFamily="34" charset="-128"/>
+              </a:rPr>
+              <a:t> </a:t>
+            </a:r>
+            <a:r>
+              <a:rPr kumimoji="0" lang="en-US" altLang="en-US" sz="2000" b="0" i="0" u="none" strike="noStrike" cap="none" normalizeH="0" baseline="0" dirty="0" err="1">
+                <a:ln>
+                  <a:noFill/>
+                </a:ln>
+                <a:solidFill>
+                  <a:srgbClr val="000000"/>
+                </a:solidFill>
+                <a:effectLst/>
+                <a:latin typeface="Arial Unicode MS" panose="020B0604020202020204" pitchFamily="34" charset="-128"/>
+              </a:rPr>
+              <a:t>GetById</a:t>
+            </a:r>
+            <a:r>
+              <a:rPr kumimoji="0" lang="en-US" altLang="en-US" sz="2000" b="0" i="0" u="none" strike="noStrike" cap="none" normalizeH="0" baseline="0" dirty="0">
+                <a:ln>
+                  <a:noFill/>
+                </a:ln>
+                <a:solidFill>
+                  <a:srgbClr val="000000"/>
+                </a:solidFill>
+                <a:effectLst/>
+                <a:latin typeface="Arial Unicode MS" panose="020B0604020202020204" pitchFamily="34" charset="-128"/>
+              </a:rPr>
+              <a:t>(int </a:t>
+            </a:r>
+            <a:r>
+              <a:rPr kumimoji="0" lang="en-US" altLang="en-US" sz="2000" b="0" i="0" u="none" strike="noStrike" cap="none" normalizeH="0" baseline="0" dirty="0">
+                <a:ln>
+                  <a:noFill/>
+                </a:ln>
+                <a:solidFill>
+                  <a:schemeClr val="tx1"/>
+                </a:solidFill>
+                <a:effectLst/>
+              </a:rPr>
+              <a:t>id</a:t>
+            </a:r>
+            <a:r>
+              <a:rPr kumimoji="0" lang="en-US" altLang="en-US" sz="2000" b="0" i="0" u="none" strike="noStrike" cap="none" normalizeH="0" baseline="0" dirty="0">
+                <a:ln>
+                  <a:noFill/>
+                </a:ln>
+                <a:solidFill>
+                  <a:srgbClr val="000000"/>
+                </a:solidFill>
+                <a:effectLst/>
+                <a:latin typeface="Arial Unicode MS" panose="020B0604020202020204" pitchFamily="34" charset="-128"/>
+              </a:rPr>
+              <a:t>) </a:t>
+            </a:r>
+            <a:endParaRPr kumimoji="0" lang="en-US" altLang="en-US" sz="2000" b="0" i="0" u="none" strike="noStrike" cap="none" normalizeH="0" baseline="0" dirty="0">
+              <a:ln>
+                <a:noFill/>
+              </a:ln>
+              <a:solidFill>
+                <a:schemeClr val="tx1"/>
+              </a:solidFill>
+              <a:effectLst/>
+            </a:endParaRPr>
+          </a:p>
+          <a:p>
+            <a:pPr marL="0" marR="0" lvl="0" indent="0" algn="l" defTabSz="914400" rtl="0" eaLnBrk="0" fontAlgn="base" latinLnBrk="0" hangingPunct="0">
+              <a:lnSpc>
+                <a:spcPct val="100000"/>
+              </a:lnSpc>
+              <a:spcBef>
+                <a:spcPct val="0"/>
+              </a:spcBef>
+              <a:spcAft>
+                <a:spcPct val="0"/>
+              </a:spcAft>
+              <a:buClrTx/>
+              <a:buSzTx/>
+              <a:buFontTx/>
+              <a:buNone/>
+              <a:tabLst/>
+            </a:pPr>
+            <a:r>
+              <a:rPr kumimoji="0" lang="en-US" altLang="en-US" sz="2000" b="0" i="0" u="none" strike="noStrike" cap="none" normalizeH="0" baseline="0" dirty="0">
+                <a:ln>
+                  <a:noFill/>
+                </a:ln>
+                <a:solidFill>
+                  <a:srgbClr val="505050"/>
+                </a:solidFill>
+                <a:effectLst/>
+                <a:latin typeface="wf_segoe-ui_normal"/>
+              </a:rPr>
+              <a:t>This route would allow the requested format to be specified as an optional file extension. The </a:t>
+            </a:r>
+            <a:r>
+              <a:rPr kumimoji="0" lang="en-US" altLang="en-US" sz="2000" b="0" i="0" u="none" strike="noStrike" cap="none" normalizeH="0" baseline="0" dirty="0">
+                <a:ln>
+                  <a:noFill/>
+                </a:ln>
+                <a:solidFill>
+                  <a:srgbClr val="505050"/>
+                </a:solidFill>
+                <a:effectLst/>
+                <a:latin typeface="Arial Unicode MS" panose="020B0604020202020204" pitchFamily="34" charset="-128"/>
+              </a:rPr>
+              <a:t>[</a:t>
+            </a:r>
+            <a:r>
+              <a:rPr kumimoji="0" lang="en-US" altLang="en-US" sz="2000" b="0" i="0" u="none" strike="noStrike" cap="none" normalizeH="0" baseline="0" dirty="0" err="1">
+                <a:ln>
+                  <a:noFill/>
+                </a:ln>
+                <a:solidFill>
+                  <a:srgbClr val="505050"/>
+                </a:solidFill>
+                <a:effectLst/>
+                <a:latin typeface="Arial Unicode MS" panose="020B0604020202020204" pitchFamily="34" charset="-128"/>
+              </a:rPr>
+              <a:t>FormatFilter</a:t>
+            </a:r>
+            <a:r>
+              <a:rPr kumimoji="0" lang="en-US" altLang="en-US" sz="2000" b="0" i="0" u="none" strike="noStrike" cap="none" normalizeH="0" baseline="0" dirty="0">
+                <a:ln>
+                  <a:noFill/>
+                </a:ln>
+                <a:solidFill>
+                  <a:srgbClr val="505050"/>
+                </a:solidFill>
+                <a:effectLst/>
+                <a:latin typeface="Arial Unicode MS" panose="020B0604020202020204" pitchFamily="34" charset="-128"/>
+              </a:rPr>
+              <a:t>]</a:t>
+            </a:r>
+            <a:r>
+              <a:rPr kumimoji="0" lang="en-US" altLang="en-US" sz="2000" b="0" i="0" u="none" strike="noStrike" cap="none" normalizeH="0" baseline="0" dirty="0">
+                <a:ln>
+                  <a:noFill/>
+                </a:ln>
+                <a:solidFill>
+                  <a:srgbClr val="505050"/>
+                </a:solidFill>
+                <a:effectLst/>
+                <a:latin typeface="wf_segoe-ui_normal"/>
+              </a:rPr>
+              <a:t> attribute checks for the existence of the format value in the </a:t>
+            </a:r>
+            <a:r>
+              <a:rPr kumimoji="0" lang="en-US" altLang="en-US" sz="2000" b="0" i="0" u="none" strike="noStrike" cap="none" normalizeH="0" baseline="0" dirty="0" err="1">
+                <a:ln>
+                  <a:noFill/>
+                </a:ln>
+                <a:solidFill>
+                  <a:srgbClr val="505050"/>
+                </a:solidFill>
+                <a:effectLst/>
+                <a:latin typeface="Arial Unicode MS" panose="020B0604020202020204" pitchFamily="34" charset="-128"/>
+              </a:rPr>
+              <a:t>RouteData</a:t>
+            </a:r>
+            <a:r>
+              <a:rPr kumimoji="0" lang="en-US" altLang="en-US" sz="2000" b="0" i="0" u="none" strike="noStrike" cap="none" normalizeH="0" baseline="0" dirty="0">
+                <a:ln>
+                  <a:noFill/>
+                </a:ln>
+                <a:solidFill>
+                  <a:srgbClr val="505050"/>
+                </a:solidFill>
+                <a:effectLst/>
+                <a:latin typeface="wf_segoe-ui_normal"/>
+              </a:rPr>
+              <a:t> and will map the response format to the appropriate formatter when the response is created.</a:t>
+            </a:r>
+            <a:endParaRPr kumimoji="0" lang="en-US" altLang="en-US" sz="2000" b="0" i="0" u="none" strike="noStrike" cap="none" normalizeH="0" baseline="0" dirty="0">
+              <a:ln>
+                <a:noFill/>
+              </a:ln>
+              <a:solidFill>
+                <a:schemeClr val="tx1"/>
+              </a:solidFill>
+              <a:effectLst/>
+            </a:endParaRPr>
+          </a:p>
+        </p:txBody>
+      </p:sp>
+      <p:pic>
+        <p:nvPicPr>
+          <p:cNvPr id="6" name="Picture 5">
+            <a:extLst>
+              <a:ext uri="{FF2B5EF4-FFF2-40B4-BE49-F238E27FC236}">
+                <a16:creationId xmlns:a16="http://schemas.microsoft.com/office/drawing/2014/main" id="{710791B2-F185-4CEF-A3B5-2B22DA6AC9CA}"/>
+              </a:ext>
+            </a:extLst>
+          </p:cNvPr>
+          <p:cNvPicPr>
+            <a:picLocks noChangeAspect="1"/>
+          </p:cNvPicPr>
+          <p:nvPr/>
+        </p:nvPicPr>
+        <p:blipFill rotWithShape="1">
+          <a:blip r:embed="rId3"/>
+          <a:srcRect t="34175" r="65049" b="37993"/>
+          <a:stretch/>
+        </p:blipFill>
+        <p:spPr>
+          <a:xfrm>
+            <a:off x="2942282" y="4634201"/>
+            <a:ext cx="5242930" cy="1908700"/>
+          </a:xfrm>
+          <a:prstGeom prst="rect">
+            <a:avLst/>
+          </a:prstGeom>
+        </p:spPr>
+      </p:pic>
+    </p:spTree>
+    <p:extLst>
+      <p:ext uri="{BB962C8B-B14F-4D97-AF65-F5344CB8AC3E}">
+        <p14:creationId xmlns:p14="http://schemas.microsoft.com/office/powerpoint/2010/main" val="277804503"/>
+      </p:ext>
+    </p:extLst>
+  </p:cSld>
+  <p:clrMapOvr>
+    <a:masterClrMapping/>
+  </p:clrMapOvr>
+</p:sld>
+</file>
+
+<file path=ppt/slides/slide16.xml><?xml version="1.0" encoding="utf-8"?>
+<p:sld xmlns:a="http://schemas.openxmlformats.org/drawingml/2006/main" xmlns:r="http://schemas.openxmlformats.org/officeDocument/2006/relationships" xmlns:p="http://schemas.openxmlformats.org/presentationml/2006/main">
+  <p:cSld>
+    <p:spTree>
+      <p:nvGrpSpPr>
+        <p:cNvPr id="1" name=""/>
+        <p:cNvGrpSpPr/>
+        <p:nvPr/>
+      </p:nvGrpSpPr>
+      <p:grpSpPr>
+        <a:xfrm>
+          <a:off x="0" y="0"/>
+          <a:ext cx="0" cy="0"/>
+          <a:chOff x="0" y="0"/>
+          <a:chExt cx="0" cy="0"/>
+        </a:xfrm>
+      </p:grpSpPr>
+      <p:sp>
+        <p:nvSpPr>
+          <p:cNvPr id="2" name="Title 1">
+            <a:extLst>
+              <a:ext uri="{FF2B5EF4-FFF2-40B4-BE49-F238E27FC236}">
+                <a16:creationId xmlns:a16="http://schemas.microsoft.com/office/drawing/2014/main" id="{45F33AFC-C220-4038-ACF0-E5D4B3B57FD0}"/>
+              </a:ext>
+            </a:extLst>
+          </p:cNvPr>
+          <p:cNvSpPr>
+            <a:spLocks noGrp="1"/>
+          </p:cNvSpPr>
+          <p:nvPr>
+            <p:ph type="title"/>
+          </p:nvPr>
+        </p:nvSpPr>
+        <p:spPr/>
+        <p:txBody>
+          <a:bodyPr/>
+          <a:lstStyle/>
+          <a:p>
             <a:r>
               <a:rPr lang="en-US" dirty="0"/>
               <a:t>Slides</a:t>
@@ -11310,7 +12160,7 @@
 </p:sld>
 </file>
 
-<file path=ppt/slides/slide16.xml><?xml version="1.0" encoding="utf-8"?>
+<file path=ppt/slides/slide17.xml><?xml version="1.0" encoding="utf-8"?>
 <p:sld xmlns:a="http://schemas.openxmlformats.org/drawingml/2006/main" xmlns:r="http://schemas.openxmlformats.org/officeDocument/2006/relationships" xmlns:p="http://schemas.openxmlformats.org/presentationml/2006/main">
   <p:cSld>
     <p:spTree>
@@ -12210,6 +13060,485 @@
 </file>
 
 <file path=ppt/slides/slide3.xml><?xml version="1.0" encoding="utf-8"?>
+<p:sld xmlns:a="http://schemas.openxmlformats.org/drawingml/2006/main" xmlns:r="http://schemas.openxmlformats.org/officeDocument/2006/relationships" xmlns:p="http://schemas.openxmlformats.org/presentationml/2006/main">
+  <p:cSld>
+    <p:spTree>
+      <p:nvGrpSpPr>
+        <p:cNvPr id="1" name=""/>
+        <p:cNvGrpSpPr/>
+        <p:nvPr/>
+      </p:nvGrpSpPr>
+      <p:grpSpPr>
+        <a:xfrm>
+          <a:off x="0" y="0"/>
+          <a:ext cx="0" cy="0"/>
+          <a:chOff x="0" y="0"/>
+          <a:chExt cx="0" cy="0"/>
+        </a:xfrm>
+      </p:grpSpPr>
+      <p:sp>
+        <p:nvSpPr>
+          <p:cNvPr id="2" name="Title 1">
+            <a:extLst>
+              <a:ext uri="{FF2B5EF4-FFF2-40B4-BE49-F238E27FC236}">
+                <a16:creationId xmlns:a16="http://schemas.microsoft.com/office/drawing/2014/main" id="{40749A47-3E37-EF80-796B-3A6BEEE19BF6}"/>
+              </a:ext>
+            </a:extLst>
+          </p:cNvPr>
+          <p:cNvSpPr>
+            <a:spLocks noGrp="1"/>
+          </p:cNvSpPr>
+          <p:nvPr>
+            <p:ph type="title"/>
+          </p:nvPr>
+        </p:nvSpPr>
+        <p:spPr/>
+        <p:txBody>
+          <a:bodyPr/>
+          <a:lstStyle/>
+          <a:p>
+            <a:r>
+              <a:rPr lang="en-US" b="0" i="0" dirty="0" err="1">
+                <a:solidFill>
+                  <a:srgbClr val="232629"/>
+                </a:solidFill>
+                <a:effectLst/>
+                <a:latin typeface="-apple-system"/>
+              </a:rPr>
+              <a:t>ActionResult</a:t>
+            </a:r>
+            <a:r>
+              <a:rPr lang="en-US" b="0" i="0" dirty="0">
+                <a:solidFill>
+                  <a:srgbClr val="232629"/>
+                </a:solidFill>
+                <a:effectLst/>
+                <a:latin typeface="-apple-system"/>
+              </a:rPr>
+              <a:t> Subtypes</a:t>
+            </a:r>
+            <a:br>
+              <a:rPr lang="en-US" b="0" i="0" dirty="0">
+                <a:solidFill>
+                  <a:srgbClr val="232629"/>
+                </a:solidFill>
+                <a:effectLst/>
+                <a:latin typeface="-apple-system"/>
+              </a:rPr>
+            </a:br>
+            <a:endParaRPr lang="en-IN" dirty="0"/>
+          </a:p>
+        </p:txBody>
+      </p:sp>
+      <p:sp>
+        <p:nvSpPr>
+          <p:cNvPr id="4" name="TextBox 3">
+            <a:extLst>
+              <a:ext uri="{FF2B5EF4-FFF2-40B4-BE49-F238E27FC236}">
+                <a16:creationId xmlns:a16="http://schemas.microsoft.com/office/drawing/2014/main" id="{D8AA04E1-3243-1994-2FDA-3E36CB135DB5}"/>
+              </a:ext>
+            </a:extLst>
+          </p:cNvPr>
+          <p:cNvSpPr txBox="1"/>
+          <p:nvPr/>
+        </p:nvSpPr>
+        <p:spPr>
+          <a:xfrm>
+            <a:off x="838200" y="2120050"/>
+            <a:ext cx="7972063" cy="3693319"/>
+          </a:xfrm>
+          <a:prstGeom prst="rect">
+            <a:avLst/>
+          </a:prstGeom>
+          <a:noFill/>
+        </p:spPr>
+        <p:txBody>
+          <a:bodyPr wrap="square">
+            <a:spAutoFit/>
+          </a:bodyPr>
+          <a:lstStyle/>
+          <a:p>
+            <a:pPr algn="l" fontAlgn="base">
+              <a:buFont typeface="Arial" panose="020B0604020202020204" pitchFamily="34" charset="0"/>
+              <a:buChar char="•"/>
+            </a:pPr>
+            <a:r>
+              <a:rPr lang="en-US" b="1" i="0" dirty="0" err="1">
+                <a:solidFill>
+                  <a:srgbClr val="232629"/>
+                </a:solidFill>
+                <a:effectLst/>
+                <a:latin typeface="inherit"/>
+              </a:rPr>
+              <a:t>ViewResult</a:t>
+            </a:r>
+            <a:r>
+              <a:rPr lang="en-US" b="0" i="0" dirty="0">
+                <a:solidFill>
+                  <a:srgbClr val="232629"/>
+                </a:solidFill>
+                <a:effectLst/>
+                <a:latin typeface="inherit"/>
+              </a:rPr>
+              <a:t> - Renders a </a:t>
+            </a:r>
+            <a:r>
+              <a:rPr lang="en-US" b="0" i="0" dirty="0" err="1">
+                <a:solidFill>
+                  <a:srgbClr val="232629"/>
+                </a:solidFill>
+                <a:effectLst/>
+                <a:latin typeface="inherit"/>
+              </a:rPr>
+              <a:t>specifed</a:t>
+            </a:r>
+            <a:r>
+              <a:rPr lang="en-US" b="0" i="0" dirty="0">
+                <a:solidFill>
+                  <a:srgbClr val="232629"/>
+                </a:solidFill>
+                <a:effectLst/>
+                <a:latin typeface="inherit"/>
+              </a:rPr>
+              <a:t> view to the response stream</a:t>
+            </a:r>
+          </a:p>
+          <a:p>
+            <a:pPr algn="l" fontAlgn="base">
+              <a:buFont typeface="Arial" panose="020B0604020202020204" pitchFamily="34" charset="0"/>
+              <a:buChar char="•"/>
+            </a:pPr>
+            <a:r>
+              <a:rPr lang="en-US" b="1" i="0" dirty="0" err="1">
+                <a:solidFill>
+                  <a:srgbClr val="232629"/>
+                </a:solidFill>
+                <a:effectLst/>
+                <a:latin typeface="inherit"/>
+              </a:rPr>
+              <a:t>PartialViewResult</a:t>
+            </a:r>
+            <a:r>
+              <a:rPr lang="en-US" b="0" i="0" dirty="0">
+                <a:solidFill>
+                  <a:srgbClr val="232629"/>
+                </a:solidFill>
+                <a:effectLst/>
+                <a:latin typeface="inherit"/>
+              </a:rPr>
+              <a:t> - Renders a </a:t>
+            </a:r>
+            <a:r>
+              <a:rPr lang="en-US" b="0" i="0" dirty="0" err="1">
+                <a:solidFill>
+                  <a:srgbClr val="232629"/>
+                </a:solidFill>
+                <a:effectLst/>
+                <a:latin typeface="inherit"/>
+              </a:rPr>
+              <a:t>specifed</a:t>
+            </a:r>
+            <a:r>
+              <a:rPr lang="en-US" b="0" i="0" dirty="0">
+                <a:solidFill>
+                  <a:srgbClr val="232629"/>
+                </a:solidFill>
+                <a:effectLst/>
+                <a:latin typeface="inherit"/>
+              </a:rPr>
+              <a:t> partial view to the response stream</a:t>
+            </a:r>
+          </a:p>
+          <a:p>
+            <a:pPr algn="l" fontAlgn="base">
+              <a:buFont typeface="Arial" panose="020B0604020202020204" pitchFamily="34" charset="0"/>
+              <a:buChar char="•"/>
+            </a:pPr>
+            <a:r>
+              <a:rPr lang="en-US" b="1" i="0" dirty="0" err="1">
+                <a:solidFill>
+                  <a:srgbClr val="232629"/>
+                </a:solidFill>
+                <a:effectLst/>
+                <a:latin typeface="inherit"/>
+              </a:rPr>
+              <a:t>EmptyResult</a:t>
+            </a:r>
+            <a:r>
+              <a:rPr lang="en-US" b="0" i="0" dirty="0">
+                <a:solidFill>
+                  <a:srgbClr val="232629"/>
+                </a:solidFill>
+                <a:effectLst/>
+                <a:latin typeface="inherit"/>
+              </a:rPr>
+              <a:t> - An empty response is returned</a:t>
+            </a:r>
+          </a:p>
+          <a:p>
+            <a:pPr algn="l" fontAlgn="base">
+              <a:buFont typeface="Arial" panose="020B0604020202020204" pitchFamily="34" charset="0"/>
+              <a:buChar char="•"/>
+            </a:pPr>
+            <a:r>
+              <a:rPr lang="en-US" b="1" i="0" dirty="0" err="1">
+                <a:solidFill>
+                  <a:srgbClr val="232629"/>
+                </a:solidFill>
+                <a:effectLst/>
+                <a:latin typeface="inherit"/>
+              </a:rPr>
+              <a:t>RedirectResult</a:t>
+            </a:r>
+            <a:r>
+              <a:rPr lang="en-US" b="0" i="0" dirty="0">
+                <a:solidFill>
+                  <a:srgbClr val="232629"/>
+                </a:solidFill>
+                <a:effectLst/>
+                <a:latin typeface="inherit"/>
+              </a:rPr>
+              <a:t> - Performs an HTTP redirection to a </a:t>
+            </a:r>
+            <a:r>
+              <a:rPr lang="en-US" b="0" i="0" dirty="0" err="1">
+                <a:solidFill>
+                  <a:srgbClr val="232629"/>
+                </a:solidFill>
+                <a:effectLst/>
+                <a:latin typeface="inherit"/>
+              </a:rPr>
+              <a:t>specifed</a:t>
+            </a:r>
+            <a:r>
+              <a:rPr lang="en-US" b="0" i="0" dirty="0">
+                <a:solidFill>
+                  <a:srgbClr val="232629"/>
+                </a:solidFill>
+                <a:effectLst/>
+                <a:latin typeface="inherit"/>
+              </a:rPr>
+              <a:t> URL</a:t>
+            </a:r>
+          </a:p>
+          <a:p>
+            <a:pPr algn="l" fontAlgn="base">
+              <a:buFont typeface="Arial" panose="020B0604020202020204" pitchFamily="34" charset="0"/>
+              <a:buChar char="•"/>
+            </a:pPr>
+            <a:r>
+              <a:rPr lang="en-US" b="1" i="0" dirty="0" err="1">
+                <a:solidFill>
+                  <a:srgbClr val="232629"/>
+                </a:solidFill>
+                <a:effectLst/>
+                <a:latin typeface="inherit"/>
+              </a:rPr>
+              <a:t>RedirectToRouteResult</a:t>
+            </a:r>
+            <a:r>
+              <a:rPr lang="en-US" b="0" i="0" dirty="0">
+                <a:solidFill>
+                  <a:srgbClr val="232629"/>
+                </a:solidFill>
+                <a:effectLst/>
+                <a:latin typeface="inherit"/>
+              </a:rPr>
+              <a:t> - Performs an HTTP redirection to a URL that is determined by the routing engine, based on given route data</a:t>
+            </a:r>
+          </a:p>
+          <a:p>
+            <a:pPr algn="l" fontAlgn="base">
+              <a:buFont typeface="Arial" panose="020B0604020202020204" pitchFamily="34" charset="0"/>
+              <a:buChar char="•"/>
+            </a:pPr>
+            <a:r>
+              <a:rPr lang="en-US" b="1" i="0" dirty="0" err="1">
+                <a:solidFill>
+                  <a:srgbClr val="232629"/>
+                </a:solidFill>
+                <a:effectLst/>
+                <a:latin typeface="inherit"/>
+              </a:rPr>
+              <a:t>JsonResult</a:t>
+            </a:r>
+            <a:r>
+              <a:rPr lang="en-US" b="0" i="0" dirty="0">
+                <a:solidFill>
+                  <a:srgbClr val="232629"/>
+                </a:solidFill>
+                <a:effectLst/>
+                <a:latin typeface="inherit"/>
+              </a:rPr>
+              <a:t> - Serializes a given </a:t>
+            </a:r>
+            <a:r>
+              <a:rPr lang="en-US" b="0" i="0" dirty="0" err="1">
+                <a:solidFill>
+                  <a:srgbClr val="232629"/>
+                </a:solidFill>
+                <a:effectLst/>
+                <a:latin typeface="inherit"/>
+              </a:rPr>
+              <a:t>ViewData</a:t>
+            </a:r>
+            <a:r>
+              <a:rPr lang="en-US" b="0" i="0" dirty="0">
+                <a:solidFill>
+                  <a:srgbClr val="232629"/>
+                </a:solidFill>
+                <a:effectLst/>
+                <a:latin typeface="inherit"/>
+              </a:rPr>
+              <a:t> object to JSON format</a:t>
+            </a:r>
+          </a:p>
+          <a:p>
+            <a:pPr algn="l" fontAlgn="base">
+              <a:buFont typeface="Arial" panose="020B0604020202020204" pitchFamily="34" charset="0"/>
+              <a:buChar char="•"/>
+            </a:pPr>
+            <a:r>
+              <a:rPr lang="en-US" b="1" i="0" dirty="0" err="1">
+                <a:solidFill>
+                  <a:srgbClr val="232629"/>
+                </a:solidFill>
+                <a:effectLst/>
+                <a:latin typeface="inherit"/>
+              </a:rPr>
+              <a:t>JavaScriptResult</a:t>
+            </a:r>
+            <a:r>
+              <a:rPr lang="en-US" b="0" i="0" dirty="0">
+                <a:solidFill>
+                  <a:srgbClr val="232629"/>
+                </a:solidFill>
+                <a:effectLst/>
+                <a:latin typeface="inherit"/>
+              </a:rPr>
+              <a:t> - Returns a piece of JavaScript code that can be executed on the client</a:t>
+            </a:r>
+          </a:p>
+          <a:p>
+            <a:pPr algn="l" fontAlgn="base">
+              <a:buFont typeface="Arial" panose="020B0604020202020204" pitchFamily="34" charset="0"/>
+              <a:buChar char="•"/>
+            </a:pPr>
+            <a:r>
+              <a:rPr lang="en-US" b="1" i="0" dirty="0" err="1">
+                <a:solidFill>
+                  <a:srgbClr val="232629"/>
+                </a:solidFill>
+                <a:effectLst/>
+                <a:latin typeface="inherit"/>
+              </a:rPr>
+              <a:t>ContentResult</a:t>
+            </a:r>
+            <a:r>
+              <a:rPr lang="en-US" b="0" i="0" dirty="0">
+                <a:solidFill>
+                  <a:srgbClr val="232629"/>
+                </a:solidFill>
+                <a:effectLst/>
+                <a:latin typeface="inherit"/>
+              </a:rPr>
+              <a:t> - Writes content to the response stream without requiring a view</a:t>
+            </a:r>
+          </a:p>
+          <a:p>
+            <a:pPr algn="l" fontAlgn="base">
+              <a:buFont typeface="Arial" panose="020B0604020202020204" pitchFamily="34" charset="0"/>
+              <a:buChar char="•"/>
+            </a:pPr>
+            <a:r>
+              <a:rPr lang="en-US" b="1" i="0" dirty="0" err="1">
+                <a:solidFill>
+                  <a:srgbClr val="232629"/>
+                </a:solidFill>
+                <a:effectLst/>
+                <a:latin typeface="inherit"/>
+              </a:rPr>
+              <a:t>FileContentResult</a:t>
+            </a:r>
+            <a:r>
+              <a:rPr lang="en-US" b="0" i="0" dirty="0">
+                <a:solidFill>
+                  <a:srgbClr val="232629"/>
+                </a:solidFill>
+                <a:effectLst/>
+                <a:latin typeface="inherit"/>
+              </a:rPr>
+              <a:t> - Returns a file to the client</a:t>
+            </a:r>
+          </a:p>
+          <a:p>
+            <a:pPr algn="l" fontAlgn="base">
+              <a:buFont typeface="Arial" panose="020B0604020202020204" pitchFamily="34" charset="0"/>
+              <a:buChar char="•"/>
+            </a:pPr>
+            <a:r>
+              <a:rPr lang="en-US" b="1" i="0" dirty="0" err="1">
+                <a:solidFill>
+                  <a:srgbClr val="232629"/>
+                </a:solidFill>
+                <a:effectLst/>
+                <a:latin typeface="inherit"/>
+              </a:rPr>
+              <a:t>FileStreamResult</a:t>
+            </a:r>
+            <a:r>
+              <a:rPr lang="en-US" b="0" i="0" dirty="0">
+                <a:solidFill>
+                  <a:srgbClr val="232629"/>
+                </a:solidFill>
+                <a:effectLst/>
+                <a:latin typeface="inherit"/>
+              </a:rPr>
+              <a:t> - Returns a file to the client, which is provided by a Stream</a:t>
+            </a:r>
+          </a:p>
+          <a:p>
+            <a:pPr algn="l" fontAlgn="base">
+              <a:buFont typeface="Arial" panose="020B0604020202020204" pitchFamily="34" charset="0"/>
+              <a:buChar char="•"/>
+            </a:pPr>
+            <a:r>
+              <a:rPr lang="en-US" b="1" i="0" dirty="0" err="1">
+                <a:solidFill>
+                  <a:srgbClr val="232629"/>
+                </a:solidFill>
+                <a:effectLst/>
+                <a:latin typeface="inherit"/>
+              </a:rPr>
+              <a:t>FilePathResult</a:t>
+            </a:r>
+            <a:r>
+              <a:rPr lang="en-US" b="0" i="0" dirty="0">
+                <a:solidFill>
+                  <a:srgbClr val="232629"/>
+                </a:solidFill>
+                <a:effectLst/>
+                <a:latin typeface="inherit"/>
+              </a:rPr>
+              <a:t> - Returns a file to the client</a:t>
+            </a:r>
+          </a:p>
+        </p:txBody>
+      </p:sp>
+    </p:spTree>
+    <p:extLst>
+      <p:ext uri="{BB962C8B-B14F-4D97-AF65-F5344CB8AC3E}">
+        <p14:creationId xmlns:p14="http://schemas.microsoft.com/office/powerpoint/2010/main" val="297359396"/>
+      </p:ext>
+    </p:extLst>
+  </p:cSld>
+  <p:clrMapOvr>
+    <a:masterClrMapping/>
+  </p:clrMapOvr>
+</p:sld>
+</file>
+
+<file path=ppt/slides/slide4.xml><?xml version="1.0" encoding="utf-8"?>
 <p:sld xmlns:a="http://schemas.openxmlformats.org/drawingml/2006/main" xmlns:r="http://schemas.openxmlformats.org/officeDocument/2006/relationships" xmlns:p="http://schemas.openxmlformats.org/presentationml/2006/main">
   <p:cSld>
     <p:spTree>
@@ -12849,7 +14178,7 @@
 </p:sld>
 </file>
 
-<file path=ppt/slides/slide4.xml><?xml version="1.0" encoding="utf-8"?>
+<file path=ppt/slides/slide5.xml><?xml version="1.0" encoding="utf-8"?>
 <p:sld xmlns:a="http://schemas.openxmlformats.org/drawingml/2006/main" xmlns:r="http://schemas.openxmlformats.org/officeDocument/2006/relationships" xmlns:p="http://schemas.openxmlformats.org/presentationml/2006/main">
   <p:cSld>
     <p:spTree>
@@ -13762,192 +15091,6 @@
 </p:sld>
 </file>
 
-<file path=ppt/slides/slide5.xml><?xml version="1.0" encoding="utf-8"?>
-<p:sld xmlns:a="http://schemas.openxmlformats.org/drawingml/2006/main" xmlns:r="http://schemas.openxmlformats.org/officeDocument/2006/relationships" xmlns:p="http://schemas.openxmlformats.org/presentationml/2006/main">
-  <p:cSld>
-    <p:spTree>
-      <p:nvGrpSpPr>
-        <p:cNvPr id="1" name=""/>
-        <p:cNvGrpSpPr/>
-        <p:nvPr/>
-      </p:nvGrpSpPr>
-      <p:grpSpPr>
-        <a:xfrm>
-          <a:off x="0" y="0"/>
-          <a:ext cx="0" cy="0"/>
-          <a:chOff x="0" y="0"/>
-          <a:chExt cx="0" cy="0"/>
-        </a:xfrm>
-      </p:grpSpPr>
-      <p:sp>
-        <p:nvSpPr>
-          <p:cNvPr id="2" name="Title 1">
-            <a:extLst>
-              <a:ext uri="{FF2B5EF4-FFF2-40B4-BE49-F238E27FC236}">
-                <a16:creationId xmlns:a16="http://schemas.microsoft.com/office/drawing/2014/main" id="{45F33AFC-C220-4038-ACF0-E5D4B3B57FD0}"/>
-              </a:ext>
-            </a:extLst>
-          </p:cNvPr>
-          <p:cNvSpPr>
-            <a:spLocks noGrp="1"/>
-          </p:cNvSpPr>
-          <p:nvPr>
-            <p:ph type="title"/>
-          </p:nvPr>
-        </p:nvSpPr>
-        <p:spPr/>
-        <p:txBody>
-          <a:bodyPr/>
-          <a:lstStyle/>
-          <a:p>
-            <a:pPr algn="l"/>
-            <a:r>
-              <a:rPr lang="en-IN" b="1" i="0" u="none" strike="noStrike" dirty="0">
-                <a:solidFill>
-                  <a:srgbClr val="404040"/>
-                </a:solidFill>
-                <a:effectLst/>
-                <a:latin typeface="wf_segoe-ui_light"/>
-                <a:hlinkClick r:id="rId2"/>
-              </a:rPr>
-              <a:t>Content Negotiation</a:t>
-            </a:r>
-            <a:r>
-              <a:rPr lang="en-IN" b="1" i="0" u="none" strike="noStrike" dirty="0">
-                <a:solidFill>
-                  <a:srgbClr val="404040"/>
-                </a:solidFill>
-                <a:effectLst/>
-                <a:latin typeface="wf_segoe-ui_light"/>
-              </a:rPr>
-              <a:t>:</a:t>
-            </a:r>
-            <a:endParaRPr lang="en-IN" b="1" i="0" dirty="0">
-              <a:solidFill>
-                <a:srgbClr val="222222"/>
-              </a:solidFill>
-              <a:effectLst/>
-              <a:latin typeface="wf_segoe-ui_light"/>
-            </a:endParaRPr>
-          </a:p>
-        </p:txBody>
-      </p:sp>
-      <p:sp>
-        <p:nvSpPr>
-          <p:cNvPr id="4" name="Content Placeholder 3">
-            <a:extLst>
-              <a:ext uri="{FF2B5EF4-FFF2-40B4-BE49-F238E27FC236}">
-                <a16:creationId xmlns:a16="http://schemas.microsoft.com/office/drawing/2014/main" id="{0146DD26-E59E-4BAA-A74F-05E44312CC29}"/>
-              </a:ext>
-            </a:extLst>
-          </p:cNvPr>
-          <p:cNvSpPr>
-            <a:spLocks noGrp="1"/>
-          </p:cNvSpPr>
-          <p:nvPr>
-            <p:ph idx="1"/>
-          </p:nvPr>
-        </p:nvSpPr>
-        <p:spPr/>
-        <p:txBody>
-          <a:bodyPr/>
-          <a:lstStyle/>
-          <a:p>
-            <a:r>
-              <a:rPr lang="en-IN" dirty="0"/>
-              <a:t>What is Negotiation?</a:t>
-            </a:r>
-          </a:p>
-          <a:p>
-            <a:pPr marL="0" indent="0">
-              <a:buNone/>
-            </a:pPr>
-            <a:r>
-              <a:rPr lang="en-US" sz="2000" b="0" i="0" dirty="0">
-                <a:solidFill>
-                  <a:srgbClr val="202124"/>
-                </a:solidFill>
-                <a:effectLst/>
-                <a:latin typeface="arial" panose="020B0604020202020204" pitchFamily="34" charset="0"/>
-              </a:rPr>
-              <a:t>A negotiation is </a:t>
-            </a:r>
-            <a:r>
-              <a:rPr lang="en-US" sz="2000" b="1" i="0" dirty="0">
-                <a:solidFill>
-                  <a:srgbClr val="202124"/>
-                </a:solidFill>
-                <a:effectLst/>
-                <a:latin typeface="arial" panose="020B0604020202020204" pitchFamily="34" charset="0"/>
-              </a:rPr>
-              <a:t>a strategic discussion that resolves an issue in a way that both parties find acceptable</a:t>
-            </a:r>
-            <a:r>
-              <a:rPr lang="en-US" sz="2000" b="0" i="0" dirty="0">
-                <a:solidFill>
-                  <a:srgbClr val="202124"/>
-                </a:solidFill>
-                <a:effectLst/>
-                <a:latin typeface="arial" panose="020B0604020202020204" pitchFamily="34" charset="0"/>
-              </a:rPr>
-              <a:t>. In a negotiation, each party tries to persuade the other to agree with his or her point of view. By negotiating, all involved parties try to avoid arguing but agree to reach some form of compromise.</a:t>
-            </a:r>
-          </a:p>
-          <a:p>
-            <a:pPr marL="0" indent="0">
-              <a:buNone/>
-            </a:pPr>
-            <a:r>
-              <a:rPr lang="en-US" sz="2000" dirty="0">
-                <a:solidFill>
-                  <a:srgbClr val="202124"/>
-                </a:solidFill>
-                <a:latin typeface="arial" panose="020B0604020202020204" pitchFamily="34" charset="0"/>
-              </a:rPr>
-              <a:t>What is Content Negotiation in asp.net core Web API?</a:t>
-            </a:r>
-            <a:r>
-              <a:rPr lang="en-US" sz="1600" b="0" i="0" dirty="0">
-                <a:solidFill>
-                  <a:srgbClr val="202124"/>
-                </a:solidFill>
-                <a:effectLst/>
-                <a:latin typeface="arial" panose="020B0604020202020204" pitchFamily="34" charset="0"/>
-              </a:rPr>
-              <a:t> </a:t>
-            </a:r>
-          </a:p>
-          <a:p>
-            <a:pPr marL="0" indent="0">
-              <a:buNone/>
-            </a:pPr>
-            <a:r>
-              <a:rPr lang="en-US" sz="2000" i="0" dirty="0">
-                <a:solidFill>
-                  <a:srgbClr val="202124"/>
-                </a:solidFill>
-                <a:effectLst/>
-                <a:latin typeface="arial" panose="020B0604020202020204" pitchFamily="34" charset="0"/>
-              </a:rPr>
-              <a:t>Content negotiation may be defined as the process of inspecting the structure of an incoming HTTP request to determine the best representation of a resource from amongst multiple available representations of the same resource.</a:t>
-            </a:r>
-            <a:endParaRPr lang="en-IN" sz="2000" dirty="0"/>
-          </a:p>
-        </p:txBody>
-      </p:sp>
-    </p:spTree>
-    <p:extLst>
-      <p:ext uri="{BB962C8B-B14F-4D97-AF65-F5344CB8AC3E}">
-        <p14:creationId xmlns:p14="http://schemas.microsoft.com/office/powerpoint/2010/main" val="4111544034"/>
-      </p:ext>
-    </p:extLst>
-  </p:cSld>
-  <p:clrMapOvr>
-    <a:masterClrMapping/>
-  </p:clrMapOvr>
-</p:sld>
-</file>
-
 <file path=ppt/slides/slide6.xml><?xml version="1.0" encoding="utf-8"?>
 <p:sld xmlns:a="http://schemas.openxmlformats.org/drawingml/2006/main" xmlns:r="http://schemas.openxmlformats.org/officeDocument/2006/relationships" xmlns:p="http://schemas.openxmlformats.org/presentationml/2006/main">
   <p:cSld>
@@ -13986,1379 +15129,44 @@
           <a:bodyPr/>
           <a:lstStyle/>
           <a:p>
-            <a:r>
-              <a:rPr kumimoji="0" lang="en-US" altLang="en-US" sz="2800" b="0" i="0" u="none" strike="noStrike" cap="none" normalizeH="0" baseline="0" dirty="0">
-                <a:ln>
-                  <a:noFill/>
-                </a:ln>
-                <a:solidFill>
-                  <a:srgbClr val="505050"/>
-                </a:solidFill>
-                <a:effectLst/>
-                <a:latin typeface="wf_segoe-ui_normal"/>
-              </a:rPr>
-              <a:t>Content negotiation</a:t>
-            </a:r>
-            <a:endParaRPr lang="en-US" dirty="0"/>
+            <a:pPr algn="l"/>
+            <a:r>
+              <a:rPr lang="en-IN" b="1" i="0" u="none" strike="noStrike" dirty="0">
+                <a:solidFill>
+                  <a:srgbClr val="404040"/>
+                </a:solidFill>
+                <a:effectLst/>
+                <a:latin typeface="wf_segoe-ui_light"/>
+                <a:hlinkClick r:id="rId2"/>
+              </a:rPr>
+              <a:t>Content Negotiation</a:t>
+            </a:r>
+            <a:r>
+              <a:rPr lang="en-IN" b="1" i="0" u="none" strike="noStrike" dirty="0">
+                <a:solidFill>
+                  <a:srgbClr val="404040"/>
+                </a:solidFill>
+                <a:effectLst/>
+                <a:latin typeface="wf_segoe-ui_light"/>
+              </a:rPr>
+              <a:t>:</a:t>
+            </a:r>
+            <a:endParaRPr lang="en-IN" b="1" i="0" dirty="0">
+              <a:solidFill>
+                <a:srgbClr val="222222"/>
+              </a:solidFill>
+              <a:effectLst/>
+              <a:latin typeface="wf_segoe-ui_light"/>
+            </a:endParaRPr>
           </a:p>
         </p:txBody>
       </p:sp>
       <p:sp>
         <p:nvSpPr>
-          <p:cNvPr id="3" name="Rectangle 1">
+          <p:cNvPr id="4" name="Content Placeholder 3">
             <a:extLst>
               <a:ext uri="{FF2B5EF4-FFF2-40B4-BE49-F238E27FC236}">
-                <a16:creationId xmlns:a16="http://schemas.microsoft.com/office/drawing/2014/main" id="{BB1AAF43-5399-47E9-B8E2-F76E5D15F131}"/>
-              </a:ext>
-            </a:extLst>
-          </p:cNvPr>
-          <p:cNvSpPr>
-            <a:spLocks noGrp="1" noChangeArrowheads="1"/>
-          </p:cNvSpPr>
-          <p:nvPr>
-            <p:ph idx="1"/>
-          </p:nvPr>
-        </p:nvSpPr>
-        <p:spPr bwMode="auto">
-          <a:xfrm>
-            <a:off x="433760" y="1075765"/>
-            <a:ext cx="9145245" cy="1938992"/>
-          </a:xfrm>
-          <a:prstGeom prst="rect">
-            <a:avLst/>
-          </a:prstGeom>
-          <a:solidFill>
-            <a:srgbClr val="FFFFFF"/>
-          </a:solidFill>
-          <a:ln>
-            <a:noFill/>
-          </a:ln>
-          <a:effectLst/>
-          <a:extLst>
-            <a:ext uri="{91240B29-F687-4F45-9708-019B960494DF}">
-              <a14:hiddenLine xmlns:a14="http://schemas.microsoft.com/office/drawing/2010/main" w="9525">
-                <a:solidFill>
-                  <a:schemeClr val="tx1"/>
-                </a:solidFill>
-                <a:miter lim="800000"/>
-                <a:headEnd/>
-                <a:tailEnd/>
-              </a14:hiddenLine>
-            </a:ext>
-            <a:ext uri="{AF507438-7753-43E0-B8FC-AC1667EBCBE1}">
-              <a14:hiddenEffects xmlns:a14="http://schemas.microsoft.com/office/drawing/2010/main">
-                <a:effectLst>
-                  <a:outerShdw dist="35921" dir="2700000" algn="ctr" rotWithShape="0">
-                    <a:schemeClr val="bg2"/>
-                  </a:outerShdw>
-                </a:effectLst>
-              </a14:hiddenEffects>
-            </a:ext>
-          </a:extLst>
-        </p:spPr>
-        <p:txBody>
-          <a:bodyPr vert="horz" wrap="square" lIns="91440" tIns="45720" rIns="91440" bIns="45720" numCol="1" anchor="ctr" anchorCtr="0" compatLnSpc="1">
-            <a:prstTxWarp prst="textNoShape">
-              <a:avLst/>
-            </a:prstTxWarp>
-            <a:spAutoFit/>
-          </a:bodyPr>
-          <a:lstStyle>
-            <a:lvl1pPr eaLnBrk="0" fontAlgn="base" hangingPunct="0">
-              <a:spcBef>
-                <a:spcPct val="0"/>
-              </a:spcBef>
-              <a:spcAft>
-                <a:spcPct val="0"/>
-              </a:spcAft>
-              <a:defRPr>
-                <a:solidFill>
-                  <a:schemeClr val="tx1"/>
-                </a:solidFill>
-                <a:latin typeface="Arial" panose="020B0604020202020204" pitchFamily="34" charset="0"/>
-              </a:defRPr>
-            </a:lvl1pPr>
-            <a:lvl2pPr eaLnBrk="0" fontAlgn="base" hangingPunct="0">
-              <a:spcBef>
-                <a:spcPct val="0"/>
-              </a:spcBef>
-              <a:spcAft>
-                <a:spcPct val="0"/>
-              </a:spcAft>
-              <a:defRPr>
-                <a:solidFill>
-                  <a:schemeClr val="tx1"/>
-                </a:solidFill>
-                <a:latin typeface="Arial" panose="020B0604020202020204" pitchFamily="34" charset="0"/>
-              </a:defRPr>
-            </a:lvl2pPr>
-            <a:lvl3pPr eaLnBrk="0" fontAlgn="base" hangingPunct="0">
-              <a:spcBef>
-                <a:spcPct val="0"/>
-              </a:spcBef>
-              <a:spcAft>
-                <a:spcPct val="0"/>
-              </a:spcAft>
-              <a:defRPr>
-                <a:solidFill>
-                  <a:schemeClr val="tx1"/>
-                </a:solidFill>
-                <a:latin typeface="Arial" panose="020B0604020202020204" pitchFamily="34" charset="0"/>
-              </a:defRPr>
-            </a:lvl3pPr>
-            <a:lvl4pPr eaLnBrk="0" fontAlgn="base" hangingPunct="0">
-              <a:spcBef>
-                <a:spcPct val="0"/>
-              </a:spcBef>
-              <a:spcAft>
-                <a:spcPct val="0"/>
-              </a:spcAft>
-              <a:defRPr>
-                <a:solidFill>
-                  <a:schemeClr val="tx1"/>
-                </a:solidFill>
-                <a:latin typeface="Arial" panose="020B0604020202020204" pitchFamily="34" charset="0"/>
-              </a:defRPr>
-            </a:lvl4pPr>
-            <a:lvl5pPr eaLnBrk="0" fontAlgn="base" hangingPunct="0">
-              <a:spcBef>
-                <a:spcPct val="0"/>
-              </a:spcBef>
-              <a:spcAft>
-                <a:spcPct val="0"/>
-              </a:spcAft>
-              <a:defRPr>
-                <a:solidFill>
-                  <a:schemeClr val="tx1"/>
-                </a:solidFill>
-                <a:latin typeface="Arial" panose="020B0604020202020204" pitchFamily="34" charset="0"/>
-              </a:defRPr>
-            </a:lvl5pPr>
-            <a:lvl6pPr eaLnBrk="0" fontAlgn="base" hangingPunct="0">
-              <a:spcBef>
-                <a:spcPct val="0"/>
-              </a:spcBef>
-              <a:spcAft>
-                <a:spcPct val="0"/>
-              </a:spcAft>
-              <a:defRPr>
-                <a:solidFill>
-                  <a:schemeClr val="tx1"/>
-                </a:solidFill>
-                <a:latin typeface="Arial" panose="020B0604020202020204" pitchFamily="34" charset="0"/>
-              </a:defRPr>
-            </a:lvl6pPr>
-            <a:lvl7pPr eaLnBrk="0" fontAlgn="base" hangingPunct="0">
-              <a:spcBef>
-                <a:spcPct val="0"/>
-              </a:spcBef>
-              <a:spcAft>
-                <a:spcPct val="0"/>
-              </a:spcAft>
-              <a:defRPr>
-                <a:solidFill>
-                  <a:schemeClr val="tx1"/>
-                </a:solidFill>
-                <a:latin typeface="Arial" panose="020B0604020202020204" pitchFamily="34" charset="0"/>
-              </a:defRPr>
-            </a:lvl7pPr>
-            <a:lvl8pPr eaLnBrk="0" fontAlgn="base" hangingPunct="0">
-              <a:spcBef>
-                <a:spcPct val="0"/>
-              </a:spcBef>
-              <a:spcAft>
-                <a:spcPct val="0"/>
-              </a:spcAft>
-              <a:defRPr>
-                <a:solidFill>
-                  <a:schemeClr val="tx1"/>
-                </a:solidFill>
-                <a:latin typeface="Arial" panose="020B0604020202020204" pitchFamily="34" charset="0"/>
-              </a:defRPr>
-            </a:lvl8pPr>
-            <a:lvl9pPr eaLnBrk="0" fontAlgn="base" hangingPunct="0">
-              <a:spcBef>
-                <a:spcPct val="0"/>
-              </a:spcBef>
-              <a:spcAft>
-                <a:spcPct val="0"/>
-              </a:spcAft>
-              <a:defRPr>
-                <a:solidFill>
-                  <a:schemeClr val="tx1"/>
-                </a:solidFill>
-                <a:latin typeface="Arial" panose="020B0604020202020204" pitchFamily="34" charset="0"/>
-              </a:defRPr>
-            </a:lvl9pPr>
-          </a:lstStyle>
-          <a:p>
-            <a:pPr marL="0" marR="0" lvl="0" indent="0" algn="l" defTabSz="914400" rtl="0" eaLnBrk="0" fontAlgn="base" latinLnBrk="0" hangingPunct="0">
-              <a:lnSpc>
-                <a:spcPct val="100000"/>
-              </a:lnSpc>
-              <a:spcBef>
-                <a:spcPct val="0"/>
-              </a:spcBef>
-              <a:spcAft>
-                <a:spcPct val="0"/>
-              </a:spcAft>
-              <a:buClrTx/>
-              <a:buSzTx/>
-              <a:buFontTx/>
-              <a:buNone/>
-              <a:tabLst/>
-            </a:pPr>
-            <a:r>
-              <a:rPr kumimoji="0" lang="en-US" altLang="en-US" sz="2000" b="0" i="0" u="none" strike="noStrike" cap="none" normalizeH="0" baseline="0" dirty="0">
-                <a:ln>
-                  <a:noFill/>
-                </a:ln>
-                <a:solidFill>
-                  <a:srgbClr val="505050"/>
-                </a:solidFill>
-                <a:effectLst/>
-                <a:latin typeface="wf_segoe-ui_normal"/>
-              </a:rPr>
-              <a:t>Content negotiation (</a:t>
-            </a:r>
-            <a:r>
-              <a:rPr kumimoji="0" lang="en-US" altLang="en-US" sz="2000" b="0" i="1" u="none" strike="noStrike" cap="none" normalizeH="0" baseline="0" dirty="0" err="1">
-                <a:ln>
-                  <a:noFill/>
-                </a:ln>
-                <a:solidFill>
-                  <a:srgbClr val="505050"/>
-                </a:solidFill>
-                <a:effectLst/>
-                <a:latin typeface="wf_segoe-ui_normal"/>
-              </a:rPr>
-              <a:t>conneg</a:t>
-            </a:r>
-            <a:r>
-              <a:rPr kumimoji="0" lang="en-US" altLang="en-US" sz="2000" b="0" i="0" u="none" strike="noStrike" cap="none" normalizeH="0" baseline="0" dirty="0">
-                <a:ln>
-                  <a:noFill/>
-                </a:ln>
-                <a:solidFill>
-                  <a:srgbClr val="505050"/>
-                </a:solidFill>
-                <a:effectLst/>
-                <a:latin typeface="wf_segoe-ui_normal"/>
-              </a:rPr>
-              <a:t> for short) occurs when the client specifies an </a:t>
-            </a:r>
-            <a:r>
-              <a:rPr kumimoji="0" lang="en-US" altLang="en-US" sz="2000" b="0" i="0" u="none" strike="noStrike" cap="none" normalizeH="0" baseline="0" dirty="0">
-                <a:ln>
-                  <a:noFill/>
-                </a:ln>
-                <a:solidFill>
-                  <a:srgbClr val="2B59A9"/>
-                </a:solidFill>
-                <a:effectLst/>
-                <a:latin typeface="wf_segoe-ui_normal"/>
-                <a:hlinkClick r:id="rId2"/>
-              </a:rPr>
-              <a:t>Accept header</a:t>
-            </a:r>
-            <a:r>
-              <a:rPr kumimoji="0" lang="en-US" altLang="en-US" sz="2000" b="0" i="0" u="none" strike="noStrike" cap="none" normalizeH="0" baseline="0" dirty="0">
-                <a:ln>
-                  <a:noFill/>
-                </a:ln>
-                <a:solidFill>
-                  <a:srgbClr val="505050"/>
-                </a:solidFill>
-                <a:effectLst/>
-                <a:latin typeface="wf_segoe-ui_normal"/>
-              </a:rPr>
-              <a:t>. The default format used by ASP.NET Core MVC is JSON. Content negotiation is implemented by </a:t>
-            </a:r>
-            <a:r>
-              <a:rPr kumimoji="0" lang="en-US" altLang="en-US" sz="2000" b="0" i="0" u="none" strike="noStrike" cap="none" normalizeH="0" baseline="0" dirty="0" err="1">
-                <a:ln>
-                  <a:noFill/>
-                </a:ln>
-                <a:solidFill>
-                  <a:srgbClr val="E74C3C"/>
-                </a:solidFill>
-                <a:effectLst/>
-                <a:latin typeface="Consolas" panose="020B0609020204030204" pitchFamily="49" charset="0"/>
-              </a:rPr>
-              <a:t>ObjectResult</a:t>
-            </a:r>
-            <a:r>
-              <a:rPr kumimoji="0" lang="en-US" altLang="en-US" sz="2000" b="0" i="0" u="none" strike="noStrike" cap="none" normalizeH="0" baseline="0" dirty="0">
-                <a:ln>
-                  <a:noFill/>
-                </a:ln>
-                <a:solidFill>
-                  <a:srgbClr val="505050"/>
-                </a:solidFill>
-                <a:effectLst/>
-                <a:latin typeface="wf_segoe-ui_normal"/>
-              </a:rPr>
-              <a:t>. It is also built into the status code specific action results returned from the helper methods (which are all based on </a:t>
-            </a:r>
-            <a:r>
-              <a:rPr kumimoji="0" lang="en-US" altLang="en-US" sz="2000" b="0" i="0" u="none" strike="noStrike" cap="none" normalizeH="0" baseline="0" dirty="0" err="1">
-                <a:ln>
-                  <a:noFill/>
-                </a:ln>
-                <a:solidFill>
-                  <a:srgbClr val="E74C3C"/>
-                </a:solidFill>
-                <a:effectLst/>
-                <a:latin typeface="Consolas" panose="020B0609020204030204" pitchFamily="49" charset="0"/>
-              </a:rPr>
-              <a:t>ObjectResult</a:t>
-            </a:r>
-            <a:r>
-              <a:rPr kumimoji="0" lang="en-US" altLang="en-US" sz="2000" b="0" i="0" u="none" strike="noStrike" cap="none" normalizeH="0" baseline="0" dirty="0">
-                <a:ln>
-                  <a:noFill/>
-                </a:ln>
-                <a:solidFill>
-                  <a:srgbClr val="505050"/>
-                </a:solidFill>
-                <a:effectLst/>
-                <a:latin typeface="wf_segoe-ui_normal"/>
-              </a:rPr>
-              <a:t>). You can also return a model type (a class you’ve defined as your data transfer type) and the framework will automatically wrap it in an </a:t>
-            </a:r>
-            <a:r>
-              <a:rPr kumimoji="0" lang="en-US" altLang="en-US" sz="2000" b="0" i="0" u="none" strike="noStrike" cap="none" normalizeH="0" baseline="0" dirty="0" err="1">
-                <a:ln>
-                  <a:noFill/>
-                </a:ln>
-                <a:solidFill>
-                  <a:srgbClr val="E74C3C"/>
-                </a:solidFill>
-                <a:effectLst/>
-                <a:latin typeface="Consolas" panose="020B0609020204030204" pitchFamily="49" charset="0"/>
-              </a:rPr>
-              <a:t>ObjectResult</a:t>
-            </a:r>
-            <a:r>
-              <a:rPr kumimoji="0" lang="en-US" altLang="en-US" sz="2000" b="0" i="0" u="none" strike="noStrike" cap="none" normalizeH="0" baseline="0" dirty="0">
-                <a:ln>
-                  <a:noFill/>
-                </a:ln>
-                <a:solidFill>
-                  <a:srgbClr val="505050"/>
-                </a:solidFill>
-                <a:effectLst/>
-                <a:latin typeface="wf_segoe-ui_normal"/>
-              </a:rPr>
-              <a:t> for you.</a:t>
-            </a:r>
-            <a:r>
-              <a:rPr kumimoji="0" lang="en-US" altLang="en-US" sz="2000" b="0" i="0" u="none" strike="noStrike" cap="none" normalizeH="0" baseline="0" dirty="0">
-                <a:ln>
-                  <a:noFill/>
-                </a:ln>
-                <a:solidFill>
-                  <a:schemeClr val="tx1"/>
-                </a:solidFill>
-                <a:effectLst/>
-              </a:rPr>
-              <a:t> </a:t>
-            </a:r>
-          </a:p>
-        </p:txBody>
-      </p:sp>
-      <p:sp>
-        <p:nvSpPr>
-          <p:cNvPr id="5" name="Rectangle 2">
-            <a:extLst>
-              <a:ext uri="{FF2B5EF4-FFF2-40B4-BE49-F238E27FC236}">
-                <a16:creationId xmlns:a16="http://schemas.microsoft.com/office/drawing/2014/main" id="{E3A36142-DD2D-4E88-A1EE-092717133DE0}"/>
-              </a:ext>
-            </a:extLst>
-          </p:cNvPr>
-          <p:cNvSpPr>
-            <a:spLocks noChangeArrowheads="1"/>
-          </p:cNvSpPr>
-          <p:nvPr/>
-        </p:nvSpPr>
-        <p:spPr bwMode="auto">
-          <a:xfrm>
-            <a:off x="433760" y="3059668"/>
-            <a:ext cx="7165551" cy="369332"/>
-          </a:xfrm>
-          <a:prstGeom prst="rect">
-            <a:avLst/>
-          </a:prstGeom>
-          <a:solidFill>
-            <a:srgbClr val="FFFFFF"/>
-          </a:solidFill>
-          <a:ln>
-            <a:noFill/>
-          </a:ln>
-          <a:effectLst/>
-          <a:extLst>
-            <a:ext uri="{91240B29-F687-4F45-9708-019B960494DF}">
-              <a14:hiddenLine xmlns:a14="http://schemas.microsoft.com/office/drawing/2010/main" w="9525">
-                <a:solidFill>
-                  <a:schemeClr val="tx1"/>
-                </a:solidFill>
-                <a:miter lim="800000"/>
-                <a:headEnd/>
-                <a:tailEnd/>
-              </a14:hiddenLine>
-            </a:ext>
-            <a:ext uri="{AF507438-7753-43E0-B8FC-AC1667EBCBE1}">
-              <a14:hiddenEffects xmlns:a14="http://schemas.microsoft.com/office/drawing/2010/main">
-                <a:effectLst>
-                  <a:outerShdw dist="35921" dir="2700000" algn="ctr" rotWithShape="0">
-                    <a:schemeClr val="bg2"/>
-                  </a:outerShdw>
-                </a:effectLst>
-              </a14:hiddenEffects>
-            </a:ext>
-          </a:extLst>
-        </p:spPr>
-        <p:txBody>
-          <a:bodyPr vert="horz" wrap="none" lIns="91440" tIns="45720" rIns="91440" bIns="45720" numCol="1" anchor="ctr" anchorCtr="0" compatLnSpc="1">
-            <a:prstTxWarp prst="textNoShape">
-              <a:avLst/>
-            </a:prstTxWarp>
-            <a:spAutoFit/>
-          </a:bodyPr>
-          <a:lstStyle>
-            <a:lvl1pPr eaLnBrk="0" fontAlgn="base" hangingPunct="0">
-              <a:spcBef>
-                <a:spcPct val="0"/>
-              </a:spcBef>
-              <a:spcAft>
-                <a:spcPct val="0"/>
-              </a:spcAft>
-              <a:defRPr>
-                <a:solidFill>
-                  <a:schemeClr val="tx1"/>
-                </a:solidFill>
-                <a:latin typeface="Arial" panose="020B0604020202020204" pitchFamily="34" charset="0"/>
-              </a:defRPr>
-            </a:lvl1pPr>
-            <a:lvl2pPr eaLnBrk="0" fontAlgn="base" hangingPunct="0">
-              <a:spcBef>
-                <a:spcPct val="0"/>
-              </a:spcBef>
-              <a:spcAft>
-                <a:spcPct val="0"/>
-              </a:spcAft>
-              <a:defRPr>
-                <a:solidFill>
-                  <a:schemeClr val="tx1"/>
-                </a:solidFill>
-                <a:latin typeface="Arial" panose="020B0604020202020204" pitchFamily="34" charset="0"/>
-              </a:defRPr>
-            </a:lvl2pPr>
-            <a:lvl3pPr eaLnBrk="0" fontAlgn="base" hangingPunct="0">
-              <a:spcBef>
-                <a:spcPct val="0"/>
-              </a:spcBef>
-              <a:spcAft>
-                <a:spcPct val="0"/>
-              </a:spcAft>
-              <a:defRPr>
-                <a:solidFill>
-                  <a:schemeClr val="tx1"/>
-                </a:solidFill>
-                <a:latin typeface="Arial" panose="020B0604020202020204" pitchFamily="34" charset="0"/>
-              </a:defRPr>
-            </a:lvl3pPr>
-            <a:lvl4pPr eaLnBrk="0" fontAlgn="base" hangingPunct="0">
-              <a:spcBef>
-                <a:spcPct val="0"/>
-              </a:spcBef>
-              <a:spcAft>
-                <a:spcPct val="0"/>
-              </a:spcAft>
-              <a:defRPr>
-                <a:solidFill>
-                  <a:schemeClr val="tx1"/>
-                </a:solidFill>
-                <a:latin typeface="Arial" panose="020B0604020202020204" pitchFamily="34" charset="0"/>
-              </a:defRPr>
-            </a:lvl4pPr>
-            <a:lvl5pPr eaLnBrk="0" fontAlgn="base" hangingPunct="0">
-              <a:spcBef>
-                <a:spcPct val="0"/>
-              </a:spcBef>
-              <a:spcAft>
-                <a:spcPct val="0"/>
-              </a:spcAft>
-              <a:defRPr>
-                <a:solidFill>
-                  <a:schemeClr val="tx1"/>
-                </a:solidFill>
-                <a:latin typeface="Arial" panose="020B0604020202020204" pitchFamily="34" charset="0"/>
-              </a:defRPr>
-            </a:lvl5pPr>
-            <a:lvl6pPr eaLnBrk="0" fontAlgn="base" hangingPunct="0">
-              <a:spcBef>
-                <a:spcPct val="0"/>
-              </a:spcBef>
-              <a:spcAft>
-                <a:spcPct val="0"/>
-              </a:spcAft>
-              <a:defRPr>
-                <a:solidFill>
-                  <a:schemeClr val="tx1"/>
-                </a:solidFill>
-                <a:latin typeface="Arial" panose="020B0604020202020204" pitchFamily="34" charset="0"/>
-              </a:defRPr>
-            </a:lvl6pPr>
-            <a:lvl7pPr eaLnBrk="0" fontAlgn="base" hangingPunct="0">
-              <a:spcBef>
-                <a:spcPct val="0"/>
-              </a:spcBef>
-              <a:spcAft>
-                <a:spcPct val="0"/>
-              </a:spcAft>
-              <a:defRPr>
-                <a:solidFill>
-                  <a:schemeClr val="tx1"/>
-                </a:solidFill>
-                <a:latin typeface="Arial" panose="020B0604020202020204" pitchFamily="34" charset="0"/>
-              </a:defRPr>
-            </a:lvl7pPr>
-            <a:lvl8pPr eaLnBrk="0" fontAlgn="base" hangingPunct="0">
-              <a:spcBef>
-                <a:spcPct val="0"/>
-              </a:spcBef>
-              <a:spcAft>
-                <a:spcPct val="0"/>
-              </a:spcAft>
-              <a:defRPr>
-                <a:solidFill>
-                  <a:schemeClr val="tx1"/>
-                </a:solidFill>
-                <a:latin typeface="Arial" panose="020B0604020202020204" pitchFamily="34" charset="0"/>
-              </a:defRPr>
-            </a:lvl8pPr>
-            <a:lvl9pPr eaLnBrk="0" fontAlgn="base" hangingPunct="0">
-              <a:spcBef>
-                <a:spcPct val="0"/>
-              </a:spcBef>
-              <a:spcAft>
-                <a:spcPct val="0"/>
-              </a:spcAft>
-              <a:defRPr>
-                <a:solidFill>
-                  <a:schemeClr val="tx1"/>
-                </a:solidFill>
-                <a:latin typeface="Arial" panose="020B0604020202020204" pitchFamily="34" charset="0"/>
-              </a:defRPr>
-            </a:lvl9pPr>
-          </a:lstStyle>
-          <a:p>
-            <a:pPr marL="0" marR="0" lvl="0" indent="0" algn="l" defTabSz="914400" rtl="0" eaLnBrk="0" fontAlgn="base" latinLnBrk="0" hangingPunct="0">
-              <a:lnSpc>
-                <a:spcPct val="100000"/>
-              </a:lnSpc>
-              <a:spcBef>
-                <a:spcPct val="0"/>
-              </a:spcBef>
-              <a:spcAft>
-                <a:spcPct val="0"/>
-              </a:spcAft>
-              <a:buClrTx/>
-              <a:buSzTx/>
-              <a:buFontTx/>
-              <a:buNone/>
-              <a:tabLst/>
-            </a:pPr>
-            <a:r>
-              <a:rPr kumimoji="0" lang="en-US" altLang="en-US" b="0" i="0" u="none" strike="noStrike" cap="none" normalizeH="0" baseline="0">
-                <a:ln>
-                  <a:noFill/>
-                </a:ln>
-                <a:solidFill>
-                  <a:srgbClr val="505050"/>
-                </a:solidFill>
-                <a:effectLst/>
-                <a:latin typeface="wf_segoe-ui_normal"/>
-              </a:rPr>
-              <a:t>The following action method uses the </a:t>
-            </a:r>
-            <a:r>
-              <a:rPr kumimoji="0" lang="en-US" altLang="en-US" b="0" i="0" u="none" strike="noStrike" cap="none" normalizeH="0" baseline="0">
-                <a:ln>
-                  <a:noFill/>
-                </a:ln>
-                <a:solidFill>
-                  <a:srgbClr val="E74C3C"/>
-                </a:solidFill>
-                <a:effectLst/>
-                <a:latin typeface="Consolas" panose="020B0609020204030204" pitchFamily="49" charset="0"/>
-              </a:rPr>
-              <a:t>Ok</a:t>
-            </a:r>
-            <a:r>
-              <a:rPr kumimoji="0" lang="en-US" altLang="en-US" b="0" i="0" u="none" strike="noStrike" cap="none" normalizeH="0" baseline="0">
-                <a:ln>
-                  <a:noFill/>
-                </a:ln>
-                <a:solidFill>
-                  <a:srgbClr val="505050"/>
-                </a:solidFill>
-                <a:effectLst/>
-                <a:latin typeface="wf_segoe-ui_normal"/>
-              </a:rPr>
-              <a:t> and </a:t>
-            </a:r>
-            <a:r>
-              <a:rPr kumimoji="0" lang="en-US" altLang="en-US" b="0" i="0" u="none" strike="noStrike" cap="none" normalizeH="0" baseline="0">
-                <a:ln>
-                  <a:noFill/>
-                </a:ln>
-                <a:solidFill>
-                  <a:srgbClr val="E74C3C"/>
-                </a:solidFill>
-                <a:effectLst/>
-                <a:latin typeface="Consolas" panose="020B0609020204030204" pitchFamily="49" charset="0"/>
-              </a:rPr>
-              <a:t>NotFound</a:t>
-            </a:r>
-            <a:r>
-              <a:rPr kumimoji="0" lang="en-US" altLang="en-US" b="0" i="0" u="none" strike="noStrike" cap="none" normalizeH="0" baseline="0">
-                <a:ln>
-                  <a:noFill/>
-                </a:ln>
-                <a:solidFill>
-                  <a:srgbClr val="505050"/>
-                </a:solidFill>
-                <a:effectLst/>
-                <a:latin typeface="wf_segoe-ui_normal"/>
-              </a:rPr>
-              <a:t> helper methods:</a:t>
-            </a:r>
-            <a:r>
-              <a:rPr kumimoji="0" lang="en-US" altLang="en-US" b="0" i="0" u="none" strike="noStrike" cap="none" normalizeH="0" baseline="0">
-                <a:ln>
-                  <a:noFill/>
-                </a:ln>
-                <a:solidFill>
-                  <a:schemeClr val="tx1"/>
-                </a:solidFill>
-                <a:effectLst/>
-              </a:rPr>
-              <a:t> </a:t>
-            </a:r>
-          </a:p>
-        </p:txBody>
-      </p:sp>
-      <p:sp>
-        <p:nvSpPr>
-          <p:cNvPr id="6" name="Rectangle 3">
-            <a:extLst>
-              <a:ext uri="{FF2B5EF4-FFF2-40B4-BE49-F238E27FC236}">
-                <a16:creationId xmlns:a16="http://schemas.microsoft.com/office/drawing/2014/main" id="{49AA7520-2E90-46A8-8822-E9CA1CC0F052}"/>
-              </a:ext>
-            </a:extLst>
-          </p:cNvPr>
-          <p:cNvSpPr>
-            <a:spLocks noChangeArrowheads="1"/>
-          </p:cNvSpPr>
-          <p:nvPr/>
-        </p:nvSpPr>
-        <p:spPr bwMode="auto">
-          <a:xfrm>
-            <a:off x="630313" y="3641102"/>
-            <a:ext cx="7785717" cy="2437590"/>
-          </a:xfrm>
-          <a:prstGeom prst="rect">
-            <a:avLst/>
-          </a:prstGeom>
-          <a:solidFill>
-            <a:srgbClr val="FFFFFF"/>
-          </a:solidFill>
-          <a:ln>
-            <a:noFill/>
-          </a:ln>
-          <a:effectLst/>
-          <a:extLst>
-            <a:ext uri="{91240B29-F687-4F45-9708-019B960494DF}">
-              <a14:hiddenLine xmlns:a14="http://schemas.microsoft.com/office/drawing/2010/main" w="9525">
-                <a:solidFill>
-                  <a:schemeClr val="tx1"/>
-                </a:solidFill>
-                <a:miter lim="800000"/>
-                <a:headEnd/>
-                <a:tailEnd/>
-              </a14:hiddenLine>
-            </a:ext>
-            <a:ext uri="{AF507438-7753-43E0-B8FC-AC1667EBCBE1}">
-              <a14:hiddenEffects xmlns:a14="http://schemas.microsoft.com/office/drawing/2010/main">
-                <a:effectLst>
-                  <a:outerShdw dist="35921" dir="2700000" algn="ctr" rotWithShape="0">
-                    <a:schemeClr val="bg2"/>
-                  </a:outerShdw>
-                </a:effectLst>
-              </a14:hiddenEffects>
-            </a:ext>
-          </a:extLst>
-        </p:spPr>
-        <p:txBody>
-          <a:bodyPr vert="horz" wrap="square" lIns="0" tIns="0" rIns="0" bIns="0" numCol="1" anchor="ctr" anchorCtr="0" compatLnSpc="1">
-            <a:prstTxWarp prst="textNoShape">
-              <a:avLst/>
-            </a:prstTxWarp>
-            <a:spAutoFit/>
-          </a:bodyPr>
-          <a:lstStyle/>
-          <a:p>
-            <a:pPr marL="0" marR="0" lvl="0" indent="0" algn="l" defTabSz="914400" rtl="0" eaLnBrk="0" fontAlgn="base" latinLnBrk="0" hangingPunct="0">
-              <a:lnSpc>
-                <a:spcPct val="100000"/>
-              </a:lnSpc>
-              <a:spcBef>
-                <a:spcPct val="30000"/>
-              </a:spcBef>
-              <a:spcAft>
-                <a:spcPct val="0"/>
-              </a:spcAft>
-              <a:buClrTx/>
-              <a:buSzTx/>
-              <a:buFontTx/>
-              <a:buNone/>
-              <a:tabLst/>
-            </a:pPr>
-            <a:r>
-              <a:rPr kumimoji="0" lang="en-US" altLang="en-US" b="0" i="0" u="none" strike="noStrike" cap="none" normalizeH="0" baseline="0" dirty="0">
-                <a:ln>
-                  <a:noFill/>
-                </a:ln>
-                <a:solidFill>
-                  <a:srgbClr val="404040"/>
-                </a:solidFill>
-                <a:effectLst/>
-                <a:latin typeface="Consolas" panose="020B0609020204030204" pitchFamily="49" charset="0"/>
-              </a:rPr>
-              <a:t>// GET: </a:t>
-            </a:r>
-            <a:r>
-              <a:rPr kumimoji="0" lang="en-US" altLang="en-US" b="0" i="0" u="none" strike="noStrike" cap="none" normalizeH="0" baseline="0" dirty="0" err="1">
-                <a:ln>
-                  <a:noFill/>
-                </a:ln>
-                <a:solidFill>
-                  <a:srgbClr val="404040"/>
-                </a:solidFill>
-                <a:effectLst/>
-                <a:latin typeface="Consolas" panose="020B0609020204030204" pitchFamily="49" charset="0"/>
-              </a:rPr>
-              <a:t>api</a:t>
-            </a:r>
-            <a:r>
-              <a:rPr kumimoji="0" lang="en-US" altLang="en-US" b="0" i="0" u="none" strike="noStrike" cap="none" normalizeH="0" baseline="0" dirty="0">
-                <a:ln>
-                  <a:noFill/>
-                </a:ln>
-                <a:solidFill>
-                  <a:srgbClr val="404040"/>
-                </a:solidFill>
-                <a:effectLst/>
-                <a:latin typeface="Consolas" panose="020B0609020204030204" pitchFamily="49" charset="0"/>
-              </a:rPr>
-              <a:t>/authors/</a:t>
-            </a:r>
-            <a:r>
-              <a:rPr kumimoji="0" lang="en-US" altLang="en-US" b="0" i="0" u="none" strike="noStrike" cap="none" normalizeH="0" baseline="0" dirty="0" err="1">
-                <a:ln>
-                  <a:noFill/>
-                </a:ln>
-                <a:solidFill>
-                  <a:srgbClr val="404040"/>
-                </a:solidFill>
-                <a:effectLst/>
-                <a:latin typeface="Consolas" panose="020B0609020204030204" pitchFamily="49" charset="0"/>
-              </a:rPr>
-              <a:t>search?namelike</a:t>
-            </a:r>
-            <a:r>
-              <a:rPr kumimoji="0" lang="en-US" altLang="en-US" b="0" i="0" u="none" strike="noStrike" cap="none" normalizeH="0" baseline="0" dirty="0">
-                <a:ln>
-                  <a:noFill/>
-                </a:ln>
-                <a:solidFill>
-                  <a:srgbClr val="404040"/>
-                </a:solidFill>
-                <a:effectLst/>
-                <a:latin typeface="Consolas" panose="020B0609020204030204" pitchFamily="49" charset="0"/>
-              </a:rPr>
-              <a:t>=</a:t>
-            </a:r>
-            <a:r>
-              <a:rPr kumimoji="0" lang="en-US" altLang="en-US" b="0" i="0" u="none" strike="noStrike" cap="none" normalizeH="0" baseline="0" dirty="0" err="1">
-                <a:ln>
-                  <a:noFill/>
-                </a:ln>
-                <a:solidFill>
-                  <a:srgbClr val="404040"/>
-                </a:solidFill>
-                <a:effectLst/>
-                <a:latin typeface="Consolas" panose="020B0609020204030204" pitchFamily="49" charset="0"/>
-              </a:rPr>
-              <a:t>th</a:t>
-            </a:r>
-            <a:r>
-              <a:rPr kumimoji="0" lang="en-US" altLang="en-US" b="0" i="0" u="none" strike="noStrike" cap="none" normalizeH="0" baseline="0" dirty="0">
-                <a:ln>
-                  <a:noFill/>
-                </a:ln>
-                <a:solidFill>
-                  <a:srgbClr val="404040"/>
-                </a:solidFill>
-                <a:effectLst/>
-                <a:latin typeface="Consolas" panose="020B0609020204030204" pitchFamily="49" charset="0"/>
-              </a:rPr>
-              <a:t> [</a:t>
-            </a:r>
-            <a:r>
-              <a:rPr kumimoji="0" lang="en-US" altLang="en-US" b="0" i="0" u="none" strike="noStrike" cap="none" normalizeH="0" baseline="0" dirty="0" err="1">
-                <a:ln>
-                  <a:noFill/>
-                </a:ln>
-                <a:solidFill>
-                  <a:srgbClr val="404040"/>
-                </a:solidFill>
-                <a:effectLst/>
-                <a:latin typeface="Consolas" panose="020B0609020204030204" pitchFamily="49" charset="0"/>
-              </a:rPr>
-              <a:t>HttpGet</a:t>
-            </a:r>
-            <a:r>
-              <a:rPr kumimoji="0" lang="en-US" altLang="en-US" b="0" i="0" u="none" strike="noStrike" cap="none" normalizeH="0" baseline="0" dirty="0">
-                <a:ln>
-                  <a:noFill/>
-                </a:ln>
-                <a:solidFill>
-                  <a:srgbClr val="404040"/>
-                </a:solidFill>
-                <a:effectLst/>
-                <a:latin typeface="Consolas" panose="020B0609020204030204" pitchFamily="49" charset="0"/>
-              </a:rPr>
-              <a:t>("Search")] </a:t>
-            </a:r>
-          </a:p>
-          <a:p>
-            <a:pPr marL="0" marR="0" lvl="0" indent="0" algn="l" defTabSz="914400" rtl="0" eaLnBrk="0" fontAlgn="base" latinLnBrk="0" hangingPunct="0">
-              <a:lnSpc>
-                <a:spcPct val="100000"/>
-              </a:lnSpc>
-              <a:spcBef>
-                <a:spcPct val="30000"/>
-              </a:spcBef>
-              <a:spcAft>
-                <a:spcPct val="0"/>
-              </a:spcAft>
-              <a:buClrTx/>
-              <a:buSzTx/>
-              <a:buFontTx/>
-              <a:buNone/>
-              <a:tabLst/>
-            </a:pPr>
-            <a:r>
-              <a:rPr kumimoji="0" lang="en-US" altLang="en-US" b="0" i="0" u="none" strike="noStrike" cap="none" normalizeH="0" baseline="0" dirty="0">
-                <a:ln>
-                  <a:noFill/>
-                </a:ln>
-                <a:solidFill>
-                  <a:srgbClr val="404040"/>
-                </a:solidFill>
-                <a:effectLst/>
-                <a:latin typeface="Consolas" panose="020B0609020204030204" pitchFamily="49" charset="0"/>
-              </a:rPr>
-              <a:t>public </a:t>
-            </a:r>
-            <a:r>
-              <a:rPr kumimoji="0" lang="en-US" altLang="en-US" b="0" i="0" u="none" strike="noStrike" cap="none" normalizeH="0" baseline="0" dirty="0" err="1">
-                <a:ln>
-                  <a:noFill/>
-                </a:ln>
-                <a:solidFill>
-                  <a:schemeClr val="tx1"/>
-                </a:solidFill>
-                <a:effectLst/>
-                <a:latin typeface="Arial" panose="020B0604020202020204" pitchFamily="34" charset="0"/>
-              </a:rPr>
-              <a:t>IActionResult</a:t>
-            </a:r>
-            <a:r>
-              <a:rPr kumimoji="0" lang="en-US" altLang="en-US" b="0" i="0" u="none" strike="noStrike" cap="none" normalizeH="0" baseline="0" dirty="0">
-                <a:ln>
-                  <a:noFill/>
-                </a:ln>
-                <a:solidFill>
-                  <a:srgbClr val="404040"/>
-                </a:solidFill>
-                <a:effectLst/>
-                <a:latin typeface="Consolas" panose="020B0609020204030204" pitchFamily="49" charset="0"/>
-              </a:rPr>
-              <a:t> Search(string </a:t>
-            </a:r>
-            <a:r>
-              <a:rPr kumimoji="0" lang="en-US" altLang="en-US" b="0" i="0" u="none" strike="noStrike" cap="none" normalizeH="0" baseline="0" dirty="0" err="1">
-                <a:ln>
-                  <a:noFill/>
-                </a:ln>
-                <a:solidFill>
-                  <a:schemeClr val="tx1"/>
-                </a:solidFill>
-                <a:effectLst/>
-                <a:latin typeface="Arial" panose="020B0604020202020204" pitchFamily="34" charset="0"/>
-              </a:rPr>
-              <a:t>namelike</a:t>
-            </a:r>
-            <a:r>
-              <a:rPr kumimoji="0" lang="en-US" altLang="en-US" b="0" i="0" u="none" strike="noStrike" cap="none" normalizeH="0" baseline="0" dirty="0">
-                <a:ln>
-                  <a:noFill/>
-                </a:ln>
-                <a:solidFill>
-                  <a:srgbClr val="404040"/>
-                </a:solidFill>
-                <a:effectLst/>
-                <a:latin typeface="Consolas" panose="020B0609020204030204" pitchFamily="49" charset="0"/>
-              </a:rPr>
-              <a:t>) </a:t>
-            </a:r>
-          </a:p>
-          <a:p>
-            <a:pPr marL="0" marR="0" lvl="0" indent="0" algn="l" defTabSz="914400" rtl="0" eaLnBrk="0" fontAlgn="base" latinLnBrk="0" hangingPunct="0">
-              <a:lnSpc>
-                <a:spcPct val="100000"/>
-              </a:lnSpc>
-              <a:spcBef>
-                <a:spcPct val="30000"/>
-              </a:spcBef>
-              <a:spcAft>
-                <a:spcPct val="0"/>
-              </a:spcAft>
-              <a:buClrTx/>
-              <a:buSzTx/>
-              <a:buFontTx/>
-              <a:buNone/>
-              <a:tabLst/>
-            </a:pPr>
-            <a:r>
-              <a:rPr kumimoji="0" lang="en-US" altLang="en-US" b="0" i="0" u="none" strike="noStrike" cap="none" normalizeH="0" baseline="0" dirty="0">
-                <a:ln>
-                  <a:noFill/>
-                </a:ln>
-                <a:solidFill>
-                  <a:srgbClr val="404040"/>
-                </a:solidFill>
-                <a:effectLst/>
-                <a:latin typeface="Consolas" panose="020B0609020204030204" pitchFamily="49" charset="0"/>
-              </a:rPr>
-              <a:t>{ var </a:t>
-            </a:r>
-            <a:r>
-              <a:rPr kumimoji="0" lang="en-US" altLang="en-US" b="0" i="0" u="none" strike="noStrike" cap="none" normalizeH="0" baseline="0" dirty="0">
-                <a:ln>
-                  <a:noFill/>
-                </a:ln>
-                <a:solidFill>
-                  <a:schemeClr val="tx1"/>
-                </a:solidFill>
-                <a:effectLst/>
-                <a:latin typeface="Arial" panose="020B0604020202020204" pitchFamily="34" charset="0"/>
-              </a:rPr>
-              <a:t>result</a:t>
-            </a:r>
-            <a:r>
-              <a:rPr kumimoji="0" lang="en-US" altLang="en-US" b="0" i="0" u="none" strike="noStrike" cap="none" normalizeH="0" baseline="0" dirty="0">
-                <a:ln>
-                  <a:noFill/>
-                </a:ln>
-                <a:solidFill>
-                  <a:srgbClr val="404040"/>
-                </a:solidFill>
-                <a:effectLst/>
-                <a:latin typeface="Consolas" panose="020B0609020204030204" pitchFamily="49" charset="0"/>
-              </a:rPr>
-              <a:t> = </a:t>
-            </a:r>
-            <a:r>
-              <a:rPr kumimoji="0" lang="en-US" altLang="en-US" b="0" i="0" u="none" strike="noStrike" cap="none" normalizeH="0" baseline="0" dirty="0">
-                <a:ln>
-                  <a:noFill/>
-                </a:ln>
-                <a:solidFill>
-                  <a:schemeClr val="tx1"/>
-                </a:solidFill>
-                <a:effectLst/>
-                <a:latin typeface="Arial" panose="020B0604020202020204" pitchFamily="34" charset="0"/>
-              </a:rPr>
-              <a:t>_</a:t>
-            </a:r>
-            <a:r>
-              <a:rPr kumimoji="0" lang="en-US" altLang="en-US" b="0" i="0" u="none" strike="noStrike" cap="none" normalizeH="0" baseline="0" dirty="0" err="1">
-                <a:ln>
-                  <a:noFill/>
-                </a:ln>
-                <a:solidFill>
-                  <a:schemeClr val="tx1"/>
-                </a:solidFill>
-                <a:effectLst/>
-                <a:latin typeface="Arial" panose="020B0604020202020204" pitchFamily="34" charset="0"/>
-              </a:rPr>
-              <a:t>authorRepository</a:t>
-            </a:r>
-            <a:r>
-              <a:rPr kumimoji="0" lang="en-US" altLang="en-US" b="0" i="0" u="none" strike="noStrike" cap="none" normalizeH="0" baseline="0" dirty="0" err="1">
-                <a:ln>
-                  <a:noFill/>
-                </a:ln>
-                <a:solidFill>
-                  <a:srgbClr val="404040"/>
-                </a:solidFill>
-                <a:effectLst/>
-                <a:latin typeface="Consolas" panose="020B0609020204030204" pitchFamily="49" charset="0"/>
-              </a:rPr>
-              <a:t>.</a:t>
-            </a:r>
-            <a:r>
-              <a:rPr kumimoji="0" lang="en-US" altLang="en-US" b="0" i="0" u="none" strike="noStrike" cap="none" normalizeH="0" baseline="0" dirty="0" err="1">
-                <a:ln>
-                  <a:noFill/>
-                </a:ln>
-                <a:solidFill>
-                  <a:schemeClr val="tx1"/>
-                </a:solidFill>
-                <a:effectLst/>
-                <a:latin typeface="Arial" panose="020B0604020202020204" pitchFamily="34" charset="0"/>
-              </a:rPr>
-              <a:t>GetByNameSubstring</a:t>
-            </a:r>
-            <a:r>
-              <a:rPr kumimoji="0" lang="en-US" altLang="en-US" b="0" i="0" u="none" strike="noStrike" cap="none" normalizeH="0" baseline="0" dirty="0">
-                <a:ln>
-                  <a:noFill/>
-                </a:ln>
-                <a:solidFill>
-                  <a:srgbClr val="404040"/>
-                </a:solidFill>
-                <a:effectLst/>
-                <a:latin typeface="Consolas" panose="020B0609020204030204" pitchFamily="49" charset="0"/>
-              </a:rPr>
-              <a:t>(</a:t>
-            </a:r>
-            <a:r>
-              <a:rPr kumimoji="0" lang="en-US" altLang="en-US" b="0" i="0" u="none" strike="noStrike" cap="none" normalizeH="0" baseline="0" dirty="0" err="1">
-                <a:ln>
-                  <a:noFill/>
-                </a:ln>
-                <a:solidFill>
-                  <a:schemeClr val="tx1"/>
-                </a:solidFill>
-                <a:effectLst/>
-                <a:latin typeface="Arial" panose="020B0604020202020204" pitchFamily="34" charset="0"/>
-              </a:rPr>
-              <a:t>namelike</a:t>
-            </a:r>
-            <a:r>
-              <a:rPr kumimoji="0" lang="en-US" altLang="en-US" b="0" i="0" u="none" strike="noStrike" cap="none" normalizeH="0" baseline="0" dirty="0">
-                <a:ln>
-                  <a:noFill/>
-                </a:ln>
-                <a:solidFill>
-                  <a:srgbClr val="404040"/>
-                </a:solidFill>
-                <a:effectLst/>
-                <a:latin typeface="Consolas" panose="020B0609020204030204" pitchFamily="49" charset="0"/>
-              </a:rPr>
-              <a:t>);</a:t>
-            </a:r>
-          </a:p>
-          <a:p>
-            <a:pPr marL="0" marR="0" lvl="0" indent="0" algn="l" defTabSz="914400" rtl="0" eaLnBrk="0" fontAlgn="base" latinLnBrk="0" hangingPunct="0">
-              <a:lnSpc>
-                <a:spcPct val="100000"/>
-              </a:lnSpc>
-              <a:spcBef>
-                <a:spcPct val="30000"/>
-              </a:spcBef>
-              <a:spcAft>
-                <a:spcPct val="0"/>
-              </a:spcAft>
-              <a:buClrTx/>
-              <a:buSzTx/>
-              <a:buFontTx/>
-              <a:buNone/>
-              <a:tabLst/>
-            </a:pPr>
-            <a:r>
-              <a:rPr kumimoji="0" lang="en-US" altLang="en-US" b="0" i="0" u="none" strike="noStrike" cap="none" normalizeH="0" baseline="0" dirty="0">
-                <a:ln>
-                  <a:noFill/>
-                </a:ln>
-                <a:solidFill>
-                  <a:srgbClr val="404040"/>
-                </a:solidFill>
-                <a:effectLst/>
-                <a:latin typeface="Consolas" panose="020B0609020204030204" pitchFamily="49" charset="0"/>
-              </a:rPr>
-              <a:t> if (!</a:t>
-            </a:r>
-            <a:r>
-              <a:rPr kumimoji="0" lang="en-US" altLang="en-US" b="0" i="0" u="none" strike="noStrike" cap="none" normalizeH="0" baseline="0" dirty="0" err="1">
-                <a:ln>
-                  <a:noFill/>
-                </a:ln>
-                <a:solidFill>
-                  <a:schemeClr val="tx1"/>
-                </a:solidFill>
-                <a:effectLst/>
-                <a:latin typeface="Arial" panose="020B0604020202020204" pitchFamily="34" charset="0"/>
-              </a:rPr>
-              <a:t>result</a:t>
-            </a:r>
-            <a:r>
-              <a:rPr kumimoji="0" lang="en-US" altLang="en-US" b="0" i="0" u="none" strike="noStrike" cap="none" normalizeH="0" baseline="0" dirty="0" err="1">
-                <a:ln>
-                  <a:noFill/>
-                </a:ln>
-                <a:solidFill>
-                  <a:srgbClr val="404040"/>
-                </a:solidFill>
-                <a:effectLst/>
-                <a:latin typeface="Consolas" panose="020B0609020204030204" pitchFamily="49" charset="0"/>
-              </a:rPr>
-              <a:t>.</a:t>
-            </a:r>
-            <a:r>
-              <a:rPr kumimoji="0" lang="en-US" altLang="en-US" b="0" i="0" u="none" strike="noStrike" cap="none" normalizeH="0" baseline="0" dirty="0" err="1">
-                <a:ln>
-                  <a:noFill/>
-                </a:ln>
-                <a:solidFill>
-                  <a:schemeClr val="tx1"/>
-                </a:solidFill>
-                <a:effectLst/>
-                <a:latin typeface="Arial" panose="020B0604020202020204" pitchFamily="34" charset="0"/>
-              </a:rPr>
-              <a:t>Any</a:t>
-            </a:r>
-            <a:r>
-              <a:rPr kumimoji="0" lang="en-US" altLang="en-US" b="0" i="0" u="none" strike="noStrike" cap="none" normalizeH="0" baseline="0" dirty="0">
-                <a:ln>
-                  <a:noFill/>
-                </a:ln>
-                <a:solidFill>
-                  <a:srgbClr val="404040"/>
-                </a:solidFill>
-                <a:effectLst/>
-                <a:latin typeface="Consolas" panose="020B0609020204030204" pitchFamily="49" charset="0"/>
-              </a:rPr>
-              <a:t>())</a:t>
-            </a:r>
-          </a:p>
-          <a:p>
-            <a:pPr marL="0" marR="0" lvl="0" indent="0" algn="l" defTabSz="914400" rtl="0" eaLnBrk="0" fontAlgn="base" latinLnBrk="0" hangingPunct="0">
-              <a:lnSpc>
-                <a:spcPct val="100000"/>
-              </a:lnSpc>
-              <a:spcBef>
-                <a:spcPct val="30000"/>
-              </a:spcBef>
-              <a:spcAft>
-                <a:spcPct val="0"/>
-              </a:spcAft>
-              <a:buClrTx/>
-              <a:buSzTx/>
-              <a:buFontTx/>
-              <a:buNone/>
-              <a:tabLst/>
-            </a:pPr>
-            <a:r>
-              <a:rPr kumimoji="0" lang="en-US" altLang="en-US" b="0" i="0" u="none" strike="noStrike" cap="none" normalizeH="0" baseline="0" dirty="0">
-                <a:ln>
-                  <a:noFill/>
-                </a:ln>
-                <a:solidFill>
-                  <a:srgbClr val="404040"/>
-                </a:solidFill>
-                <a:effectLst/>
-                <a:latin typeface="Consolas" panose="020B0609020204030204" pitchFamily="49" charset="0"/>
-              </a:rPr>
-              <a:t>{     return </a:t>
-            </a:r>
-            <a:r>
-              <a:rPr kumimoji="0" lang="en-US" altLang="en-US" b="0" i="0" u="none" strike="noStrike" cap="none" normalizeH="0" baseline="0" dirty="0" err="1">
-                <a:ln>
-                  <a:noFill/>
-                </a:ln>
-                <a:solidFill>
-                  <a:srgbClr val="404040"/>
-                </a:solidFill>
-                <a:effectLst/>
-                <a:latin typeface="Consolas" panose="020B0609020204030204" pitchFamily="49" charset="0"/>
-              </a:rPr>
-              <a:t>NotFound</a:t>
-            </a:r>
-            <a:r>
-              <a:rPr kumimoji="0" lang="en-US" altLang="en-US" b="0" i="0" u="none" strike="noStrike" cap="none" normalizeH="0" baseline="0" dirty="0">
-                <a:ln>
-                  <a:noFill/>
-                </a:ln>
-                <a:solidFill>
-                  <a:srgbClr val="404040"/>
-                </a:solidFill>
-                <a:effectLst/>
-                <a:latin typeface="Consolas" panose="020B0609020204030204" pitchFamily="49" charset="0"/>
-              </a:rPr>
-              <a:t>(</a:t>
-            </a:r>
-            <a:r>
-              <a:rPr kumimoji="0" lang="en-US" altLang="en-US" b="0" i="0" u="none" strike="noStrike" cap="none" normalizeH="0" baseline="0" dirty="0" err="1">
-                <a:ln>
-                  <a:noFill/>
-                </a:ln>
-                <a:solidFill>
-                  <a:schemeClr val="tx1"/>
-                </a:solidFill>
-                <a:effectLst/>
-                <a:latin typeface="Arial" panose="020B0604020202020204" pitchFamily="34" charset="0"/>
-              </a:rPr>
-              <a:t>namelike</a:t>
-            </a:r>
-            <a:r>
-              <a:rPr kumimoji="0" lang="en-US" altLang="en-US" b="0" i="0" u="none" strike="noStrike" cap="none" normalizeH="0" baseline="0" dirty="0">
-                <a:ln>
-                  <a:noFill/>
-                </a:ln>
-                <a:solidFill>
-                  <a:srgbClr val="404040"/>
-                </a:solidFill>
-                <a:effectLst/>
-                <a:latin typeface="Consolas" panose="020B0609020204030204" pitchFamily="49" charset="0"/>
-              </a:rPr>
-              <a:t>); </a:t>
-            </a:r>
-          </a:p>
-          <a:p>
-            <a:pPr marL="0" marR="0" lvl="0" indent="0" algn="l" defTabSz="914400" rtl="0" eaLnBrk="0" fontAlgn="base" latinLnBrk="0" hangingPunct="0">
-              <a:lnSpc>
-                <a:spcPct val="100000"/>
-              </a:lnSpc>
-              <a:spcBef>
-                <a:spcPct val="30000"/>
-              </a:spcBef>
-              <a:spcAft>
-                <a:spcPct val="0"/>
-              </a:spcAft>
-              <a:buClrTx/>
-              <a:buSzTx/>
-              <a:buFontTx/>
-              <a:buNone/>
-              <a:tabLst/>
-            </a:pPr>
-            <a:r>
-              <a:rPr kumimoji="0" lang="en-US" altLang="en-US" b="0" i="0" u="none" strike="noStrike" cap="none" normalizeH="0" baseline="0" dirty="0">
-                <a:ln>
-                  <a:noFill/>
-                </a:ln>
-                <a:solidFill>
-                  <a:srgbClr val="404040"/>
-                </a:solidFill>
-                <a:effectLst/>
-                <a:latin typeface="Consolas" panose="020B0609020204030204" pitchFamily="49" charset="0"/>
-              </a:rPr>
-              <a:t>} </a:t>
-            </a:r>
-          </a:p>
-          <a:p>
-            <a:pPr marL="0" marR="0" lvl="0" indent="0" algn="l" defTabSz="914400" rtl="0" eaLnBrk="0" fontAlgn="base" latinLnBrk="0" hangingPunct="0">
-              <a:lnSpc>
-                <a:spcPct val="100000"/>
-              </a:lnSpc>
-              <a:spcBef>
-                <a:spcPct val="30000"/>
-              </a:spcBef>
-              <a:spcAft>
-                <a:spcPct val="0"/>
-              </a:spcAft>
-              <a:buClrTx/>
-              <a:buSzTx/>
-              <a:buFontTx/>
-              <a:buNone/>
-              <a:tabLst/>
-            </a:pPr>
-            <a:r>
-              <a:rPr kumimoji="0" lang="en-US" altLang="en-US" b="0" i="0" u="none" strike="noStrike" cap="none" normalizeH="0" baseline="0" dirty="0">
-                <a:ln>
-                  <a:noFill/>
-                </a:ln>
-                <a:solidFill>
-                  <a:srgbClr val="404040"/>
-                </a:solidFill>
-                <a:effectLst/>
-                <a:latin typeface="Consolas" panose="020B0609020204030204" pitchFamily="49" charset="0"/>
-              </a:rPr>
-              <a:t>return Ok(</a:t>
-            </a:r>
-            <a:r>
-              <a:rPr kumimoji="0" lang="en-US" altLang="en-US" b="0" i="0" u="none" strike="noStrike" cap="none" normalizeH="0" baseline="0" dirty="0">
-                <a:ln>
-                  <a:noFill/>
-                </a:ln>
-                <a:solidFill>
-                  <a:schemeClr val="tx1"/>
-                </a:solidFill>
-                <a:effectLst/>
-                <a:latin typeface="Arial" panose="020B0604020202020204" pitchFamily="34" charset="0"/>
-              </a:rPr>
-              <a:t>result</a:t>
-            </a:r>
-            <a:r>
-              <a:rPr kumimoji="0" lang="en-US" altLang="en-US" b="0" i="0" u="none" strike="noStrike" cap="none" normalizeH="0" baseline="0" dirty="0">
-                <a:ln>
-                  <a:noFill/>
-                </a:ln>
-                <a:solidFill>
-                  <a:srgbClr val="404040"/>
-                </a:solidFill>
-                <a:effectLst/>
-                <a:latin typeface="Consolas" panose="020B0609020204030204" pitchFamily="49" charset="0"/>
-              </a:rPr>
-              <a:t>); }</a:t>
-            </a:r>
-            <a:r>
-              <a:rPr kumimoji="0" lang="en-US" altLang="en-US" b="0" i="0" u="none" strike="noStrike" cap="none" normalizeH="0" baseline="0" dirty="0">
-                <a:ln>
-                  <a:noFill/>
-                </a:ln>
-                <a:solidFill>
-                  <a:schemeClr val="tx1"/>
-                </a:solidFill>
-                <a:effectLst/>
-              </a:rPr>
-              <a:t> </a:t>
-            </a:r>
-            <a:endParaRPr kumimoji="0" lang="en-US" altLang="en-US" b="0" i="0" u="none" strike="noStrike" cap="none" normalizeH="0" baseline="0" dirty="0">
-              <a:ln>
-                <a:noFill/>
-              </a:ln>
-              <a:solidFill>
-                <a:schemeClr val="tx1"/>
-              </a:solidFill>
-              <a:effectLst/>
-              <a:latin typeface="Arial" panose="020B0604020202020204" pitchFamily="34" charset="0"/>
-            </a:endParaRPr>
-          </a:p>
-        </p:txBody>
-      </p:sp>
-      <p:sp>
-        <p:nvSpPr>
-          <p:cNvPr id="7" name="Footer Placeholder 6">
-            <a:extLst>
-              <a:ext uri="{FF2B5EF4-FFF2-40B4-BE49-F238E27FC236}">
-                <a16:creationId xmlns:a16="http://schemas.microsoft.com/office/drawing/2014/main" id="{6875B10D-D228-4DDF-A091-FD9BEE91B282}"/>
+                <a16:creationId xmlns:a16="http://schemas.microsoft.com/office/drawing/2014/main" id="{0146DD26-E59E-4BAA-A74F-05E44312CC29}"/>
               </a:ext>
             </a:extLst>
           </p:cNvPr>
@@ -15366,7 +15174,7 @@
             <a:spLocks noGrp="1"/>
           </p:cNvSpPr>
           <p:nvPr>
-            <p:ph type="ftr" sz="quarter" idx="11"/>
+            <p:ph idx="1"/>
           </p:nvPr>
         </p:nvSpPr>
         <p:spPr/>
@@ -15375,16 +15183,91 @@
           <a:lstStyle/>
           <a:p>
             <a:r>
-              <a:rPr lang="en-US"/>
-              <a:t>https://whosnailaspnetcoredocs.readthedocs.io/ko/latest/mvc/models/formatting.html</a:t>
-            </a:r>
+              <a:rPr lang="en-IN" dirty="0"/>
+              <a:t>What is Negotiation?</a:t>
+            </a:r>
+          </a:p>
+          <a:p>
+            <a:pPr marL="0" indent="0">
+              <a:buNone/>
+            </a:pPr>
+            <a:r>
+              <a:rPr lang="en-US" sz="2000" b="0" i="0" dirty="0">
+                <a:solidFill>
+                  <a:srgbClr val="202124"/>
+                </a:solidFill>
+                <a:effectLst/>
+                <a:latin typeface="arial" panose="020B0604020202020204" pitchFamily="34" charset="0"/>
+              </a:rPr>
+              <a:t>A negotiation is </a:t>
+            </a:r>
+            <a:r>
+              <a:rPr lang="en-US" sz="2000" b="1" i="0" dirty="0">
+                <a:solidFill>
+                  <a:srgbClr val="202124"/>
+                </a:solidFill>
+                <a:effectLst/>
+                <a:latin typeface="arial" panose="020B0604020202020204" pitchFamily="34" charset="0"/>
+              </a:rPr>
+              <a:t>a strategic discussion that resolves an issue in a way that both parties find acceptable</a:t>
+            </a:r>
+            <a:r>
+              <a:rPr lang="en-US" sz="2000" b="0" i="0" dirty="0">
+                <a:solidFill>
+                  <a:srgbClr val="202124"/>
+                </a:solidFill>
+                <a:effectLst/>
+                <a:latin typeface="arial" panose="020B0604020202020204" pitchFamily="34" charset="0"/>
+              </a:rPr>
+              <a:t>. In a negotiation, each party tries to persuade the other to agree with his or her point of view. By negotiating, all involved parties try to avoid arguing but agree to reach some form of compromise.</a:t>
+            </a:r>
+          </a:p>
+          <a:p>
+            <a:pPr marL="0" indent="0">
+              <a:buNone/>
+            </a:pPr>
+            <a:r>
+              <a:rPr lang="en-US" sz="2000" dirty="0">
+                <a:solidFill>
+                  <a:srgbClr val="202124"/>
+                </a:solidFill>
+                <a:latin typeface="arial" panose="020B0604020202020204" pitchFamily="34" charset="0"/>
+              </a:rPr>
+              <a:t>What is Content Negotiation in asp.net core Web API?</a:t>
+            </a:r>
+            <a:r>
+              <a:rPr lang="en-US" sz="1600" b="0" i="0" dirty="0">
+                <a:solidFill>
+                  <a:srgbClr val="202124"/>
+                </a:solidFill>
+                <a:effectLst/>
+                <a:latin typeface="arial" panose="020B0604020202020204" pitchFamily="34" charset="0"/>
+              </a:rPr>
+              <a:t> </a:t>
+            </a:r>
+          </a:p>
+          <a:p>
+            <a:pPr marL="0" indent="0">
+              <a:buNone/>
+            </a:pPr>
+            <a:r>
+              <a:rPr lang="en-US" sz="2000" i="0" dirty="0">
+                <a:solidFill>
+                  <a:srgbClr val="202124"/>
+                </a:solidFill>
+                <a:effectLst/>
+                <a:latin typeface="arial" panose="020B0604020202020204" pitchFamily="34" charset="0"/>
+              </a:rPr>
+              <a:t>Content negotiation may be defined as the process of inspecting the structure of an incoming HTTP request to determine the best representation of a resource from amongst multiple available representations of the same resource.</a:t>
+            </a:r>
+            <a:endParaRPr lang="en-IN" sz="2000" dirty="0"/>
           </a:p>
         </p:txBody>
       </p:sp>
     </p:spTree>
     <p:extLst>
       <p:ext uri="{BB962C8B-B14F-4D97-AF65-F5344CB8AC3E}">
-        <p14:creationId xmlns:p14="http://schemas.microsoft.com/office/powerpoint/2010/main" val="4039729201"/>
+        <p14:creationId xmlns:p14="http://schemas.microsoft.com/office/powerpoint/2010/main" val="4111544034"/>
       </p:ext>
     </p:extLst>
   </p:cSld>
@@ -15433,6 +15316,1452 @@
           <a:lstStyle/>
           <a:p>
             <a:r>
+              <a:rPr kumimoji="0" lang="en-US" altLang="en-US" sz="2800" b="0" i="0" u="none" strike="noStrike" cap="none" normalizeH="0" baseline="0" dirty="0">
+                <a:ln>
+                  <a:noFill/>
+                </a:ln>
+                <a:solidFill>
+                  <a:srgbClr val="505050"/>
+                </a:solidFill>
+                <a:effectLst/>
+                <a:latin typeface="wf_segoe-ui_normal"/>
+              </a:rPr>
+              <a:t>Content negotiation</a:t>
+            </a:r>
+            <a:endParaRPr lang="en-US" dirty="0"/>
+          </a:p>
+        </p:txBody>
+      </p:sp>
+      <p:sp>
+        <p:nvSpPr>
+          <p:cNvPr id="3" name="Rectangle 1">
+            <a:extLst>
+              <a:ext uri="{FF2B5EF4-FFF2-40B4-BE49-F238E27FC236}">
+                <a16:creationId xmlns:a16="http://schemas.microsoft.com/office/drawing/2014/main" id="{BB1AAF43-5399-47E9-B8E2-F76E5D15F131}"/>
+              </a:ext>
+            </a:extLst>
+          </p:cNvPr>
+          <p:cNvSpPr>
+            <a:spLocks noGrp="1" noChangeArrowheads="1"/>
+          </p:cNvSpPr>
+          <p:nvPr>
+            <p:ph idx="1"/>
+          </p:nvPr>
+        </p:nvSpPr>
+        <p:spPr bwMode="auto">
+          <a:xfrm>
+            <a:off x="433760" y="1075765"/>
+            <a:ext cx="9145245" cy="1938992"/>
+          </a:xfrm>
+          <a:prstGeom prst="rect">
+            <a:avLst/>
+          </a:prstGeom>
+          <a:solidFill>
+            <a:srgbClr val="FFFFFF"/>
+          </a:solidFill>
+          <a:ln>
+            <a:noFill/>
+          </a:ln>
+          <a:effectLst/>
+          <a:extLst>
+            <a:ext uri="{91240B29-F687-4F45-9708-019B960494DF}">
+              <a14:hiddenLine xmlns:a14="http://schemas.microsoft.com/office/drawing/2010/main" w="9525">
+                <a:solidFill>
+                  <a:schemeClr val="tx1"/>
+                </a:solidFill>
+                <a:miter lim="800000"/>
+                <a:headEnd/>
+                <a:tailEnd/>
+              </a14:hiddenLine>
+            </a:ext>
+            <a:ext uri="{AF507438-7753-43E0-B8FC-AC1667EBCBE1}">
+              <a14:hiddenEffects xmlns:a14="http://schemas.microsoft.com/office/drawing/2010/main">
+                <a:effectLst>
+                  <a:outerShdw dist="35921" dir="2700000" algn="ctr" rotWithShape="0">
+                    <a:schemeClr val="bg2"/>
+                  </a:outerShdw>
+                </a:effectLst>
+              </a14:hiddenEffects>
+            </a:ext>
+          </a:extLst>
+        </p:spPr>
+        <p:txBody>
+          <a:bodyPr vert="horz" wrap="square" lIns="91440" tIns="45720" rIns="91440" bIns="45720" numCol="1" anchor="ctr" anchorCtr="0" compatLnSpc="1">
+            <a:prstTxWarp prst="textNoShape">
+              <a:avLst/>
+            </a:prstTxWarp>
+            <a:spAutoFit/>
+          </a:bodyPr>
+          <a:lstStyle>
+            <a:lvl1pPr eaLnBrk="0" fontAlgn="base" hangingPunct="0">
+              <a:spcBef>
+                <a:spcPct val="0"/>
+              </a:spcBef>
+              <a:spcAft>
+                <a:spcPct val="0"/>
+              </a:spcAft>
+              <a:defRPr>
+                <a:solidFill>
+                  <a:schemeClr val="tx1"/>
+                </a:solidFill>
+                <a:latin typeface="Arial" panose="020B0604020202020204" pitchFamily="34" charset="0"/>
+              </a:defRPr>
+            </a:lvl1pPr>
+            <a:lvl2pPr eaLnBrk="0" fontAlgn="base" hangingPunct="0">
+              <a:spcBef>
+                <a:spcPct val="0"/>
+              </a:spcBef>
+              <a:spcAft>
+                <a:spcPct val="0"/>
+              </a:spcAft>
+              <a:defRPr>
+                <a:solidFill>
+                  <a:schemeClr val="tx1"/>
+                </a:solidFill>
+                <a:latin typeface="Arial" panose="020B0604020202020204" pitchFamily="34" charset="0"/>
+              </a:defRPr>
+            </a:lvl2pPr>
+            <a:lvl3pPr eaLnBrk="0" fontAlgn="base" hangingPunct="0">
+              <a:spcBef>
+                <a:spcPct val="0"/>
+              </a:spcBef>
+              <a:spcAft>
+                <a:spcPct val="0"/>
+              </a:spcAft>
+              <a:defRPr>
+                <a:solidFill>
+                  <a:schemeClr val="tx1"/>
+                </a:solidFill>
+                <a:latin typeface="Arial" panose="020B0604020202020204" pitchFamily="34" charset="0"/>
+              </a:defRPr>
+            </a:lvl3pPr>
+            <a:lvl4pPr eaLnBrk="0" fontAlgn="base" hangingPunct="0">
+              <a:spcBef>
+                <a:spcPct val="0"/>
+              </a:spcBef>
+              <a:spcAft>
+                <a:spcPct val="0"/>
+              </a:spcAft>
+              <a:defRPr>
+                <a:solidFill>
+                  <a:schemeClr val="tx1"/>
+                </a:solidFill>
+                <a:latin typeface="Arial" panose="020B0604020202020204" pitchFamily="34" charset="0"/>
+              </a:defRPr>
+            </a:lvl4pPr>
+            <a:lvl5pPr eaLnBrk="0" fontAlgn="base" hangingPunct="0">
+              <a:spcBef>
+                <a:spcPct val="0"/>
+              </a:spcBef>
+              <a:spcAft>
+                <a:spcPct val="0"/>
+              </a:spcAft>
+              <a:defRPr>
+                <a:solidFill>
+                  <a:schemeClr val="tx1"/>
+                </a:solidFill>
+                <a:latin typeface="Arial" panose="020B0604020202020204" pitchFamily="34" charset="0"/>
+              </a:defRPr>
+            </a:lvl5pPr>
+            <a:lvl6pPr eaLnBrk="0" fontAlgn="base" hangingPunct="0">
+              <a:spcBef>
+                <a:spcPct val="0"/>
+              </a:spcBef>
+              <a:spcAft>
+                <a:spcPct val="0"/>
+              </a:spcAft>
+              <a:defRPr>
+                <a:solidFill>
+                  <a:schemeClr val="tx1"/>
+                </a:solidFill>
+                <a:latin typeface="Arial" panose="020B0604020202020204" pitchFamily="34" charset="0"/>
+              </a:defRPr>
+            </a:lvl6pPr>
+            <a:lvl7pPr eaLnBrk="0" fontAlgn="base" hangingPunct="0">
+              <a:spcBef>
+                <a:spcPct val="0"/>
+              </a:spcBef>
+              <a:spcAft>
+                <a:spcPct val="0"/>
+              </a:spcAft>
+              <a:defRPr>
+                <a:solidFill>
+                  <a:schemeClr val="tx1"/>
+                </a:solidFill>
+                <a:latin typeface="Arial" panose="020B0604020202020204" pitchFamily="34" charset="0"/>
+              </a:defRPr>
+            </a:lvl7pPr>
+            <a:lvl8pPr eaLnBrk="0" fontAlgn="base" hangingPunct="0">
+              <a:spcBef>
+                <a:spcPct val="0"/>
+              </a:spcBef>
+              <a:spcAft>
+                <a:spcPct val="0"/>
+              </a:spcAft>
+              <a:defRPr>
+                <a:solidFill>
+                  <a:schemeClr val="tx1"/>
+                </a:solidFill>
+                <a:latin typeface="Arial" panose="020B0604020202020204" pitchFamily="34" charset="0"/>
+              </a:defRPr>
+            </a:lvl8pPr>
+            <a:lvl9pPr eaLnBrk="0" fontAlgn="base" hangingPunct="0">
+              <a:spcBef>
+                <a:spcPct val="0"/>
+              </a:spcBef>
+              <a:spcAft>
+                <a:spcPct val="0"/>
+              </a:spcAft>
+              <a:defRPr>
+                <a:solidFill>
+                  <a:schemeClr val="tx1"/>
+                </a:solidFill>
+                <a:latin typeface="Arial" panose="020B0604020202020204" pitchFamily="34" charset="0"/>
+              </a:defRPr>
+            </a:lvl9pPr>
+          </a:lstStyle>
+          <a:p>
+            <a:pPr marL="0" marR="0" lvl="0" indent="0" algn="l" defTabSz="914400" rtl="0" eaLnBrk="0" fontAlgn="base" latinLnBrk="0" hangingPunct="0">
+              <a:lnSpc>
+                <a:spcPct val="100000"/>
+              </a:lnSpc>
+              <a:spcBef>
+                <a:spcPct val="0"/>
+              </a:spcBef>
+              <a:spcAft>
+                <a:spcPct val="0"/>
+              </a:spcAft>
+              <a:buClrTx/>
+              <a:buSzTx/>
+              <a:buFontTx/>
+              <a:buNone/>
+              <a:tabLst/>
+            </a:pPr>
+            <a:r>
+              <a:rPr kumimoji="0" lang="en-US" altLang="en-US" sz="2000" b="0" i="0" u="none" strike="noStrike" cap="none" normalizeH="0" baseline="0" dirty="0">
+                <a:ln>
+                  <a:noFill/>
+                </a:ln>
+                <a:solidFill>
+                  <a:srgbClr val="505050"/>
+                </a:solidFill>
+                <a:effectLst/>
+                <a:latin typeface="wf_segoe-ui_normal"/>
+              </a:rPr>
+              <a:t>Content negotiation (</a:t>
+            </a:r>
+            <a:r>
+              <a:rPr kumimoji="0" lang="en-US" altLang="en-US" sz="2000" b="0" i="1" u="none" strike="noStrike" cap="none" normalizeH="0" baseline="0" dirty="0" err="1">
+                <a:ln>
+                  <a:noFill/>
+                </a:ln>
+                <a:solidFill>
+                  <a:srgbClr val="505050"/>
+                </a:solidFill>
+                <a:effectLst/>
+                <a:latin typeface="wf_segoe-ui_normal"/>
+              </a:rPr>
+              <a:t>conneg</a:t>
+            </a:r>
+            <a:r>
+              <a:rPr kumimoji="0" lang="en-US" altLang="en-US" sz="2000" b="0" i="0" u="none" strike="noStrike" cap="none" normalizeH="0" baseline="0" dirty="0">
+                <a:ln>
+                  <a:noFill/>
+                </a:ln>
+                <a:solidFill>
+                  <a:srgbClr val="505050"/>
+                </a:solidFill>
+                <a:effectLst/>
+                <a:latin typeface="wf_segoe-ui_normal"/>
+              </a:rPr>
+              <a:t> for short) occurs when the client specifies an </a:t>
+            </a:r>
+            <a:r>
+              <a:rPr kumimoji="0" lang="en-US" altLang="en-US" sz="2000" b="0" i="0" u="none" strike="noStrike" cap="none" normalizeH="0" baseline="0" dirty="0">
+                <a:ln>
+                  <a:noFill/>
+                </a:ln>
+                <a:solidFill>
+                  <a:srgbClr val="2B59A9"/>
+                </a:solidFill>
+                <a:effectLst/>
+                <a:latin typeface="wf_segoe-ui_normal"/>
+                <a:hlinkClick r:id="rId2"/>
+              </a:rPr>
+              <a:t>Accept header</a:t>
+            </a:r>
+            <a:r>
+              <a:rPr kumimoji="0" lang="en-US" altLang="en-US" sz="2000" b="0" i="0" u="none" strike="noStrike" cap="none" normalizeH="0" baseline="0" dirty="0">
+                <a:ln>
+                  <a:noFill/>
+                </a:ln>
+                <a:solidFill>
+                  <a:srgbClr val="505050"/>
+                </a:solidFill>
+                <a:effectLst/>
+                <a:latin typeface="wf_segoe-ui_normal"/>
+              </a:rPr>
+              <a:t>. The default format used by ASP.NET Core MVC is JSON. Content negotiation is implemented by </a:t>
+            </a:r>
+            <a:r>
+              <a:rPr kumimoji="0" lang="en-US" altLang="en-US" sz="2000" b="0" i="0" u="none" strike="noStrike" cap="none" normalizeH="0" baseline="0" dirty="0" err="1">
+                <a:ln>
+                  <a:noFill/>
+                </a:ln>
+                <a:solidFill>
+                  <a:srgbClr val="E74C3C"/>
+                </a:solidFill>
+                <a:effectLst/>
+                <a:latin typeface="Consolas" panose="020B0609020204030204" pitchFamily="49" charset="0"/>
+              </a:rPr>
+              <a:t>ObjectResult</a:t>
+            </a:r>
+            <a:r>
+              <a:rPr kumimoji="0" lang="en-US" altLang="en-US" sz="2000" b="0" i="0" u="none" strike="noStrike" cap="none" normalizeH="0" baseline="0" dirty="0">
+                <a:ln>
+                  <a:noFill/>
+                </a:ln>
+                <a:solidFill>
+                  <a:srgbClr val="505050"/>
+                </a:solidFill>
+                <a:effectLst/>
+                <a:latin typeface="wf_segoe-ui_normal"/>
+              </a:rPr>
+              <a:t>. It is also built into the status code specific action results returned from the helper methods (which are all based on </a:t>
+            </a:r>
+            <a:r>
+              <a:rPr kumimoji="0" lang="en-US" altLang="en-US" sz="2000" b="0" i="0" u="none" strike="noStrike" cap="none" normalizeH="0" baseline="0" dirty="0" err="1">
+                <a:ln>
+                  <a:noFill/>
+                </a:ln>
+                <a:solidFill>
+                  <a:srgbClr val="E74C3C"/>
+                </a:solidFill>
+                <a:effectLst/>
+                <a:latin typeface="Consolas" panose="020B0609020204030204" pitchFamily="49" charset="0"/>
+              </a:rPr>
+              <a:t>ObjectResult</a:t>
+            </a:r>
+            <a:r>
+              <a:rPr kumimoji="0" lang="en-US" altLang="en-US" sz="2000" b="0" i="0" u="none" strike="noStrike" cap="none" normalizeH="0" baseline="0" dirty="0">
+                <a:ln>
+                  <a:noFill/>
+                </a:ln>
+                <a:solidFill>
+                  <a:srgbClr val="505050"/>
+                </a:solidFill>
+                <a:effectLst/>
+                <a:latin typeface="wf_segoe-ui_normal"/>
+              </a:rPr>
+              <a:t>). You can also return a model type (a class you’ve defined as your data transfer type) and the framework will automatically wrap it in an </a:t>
+            </a:r>
+            <a:r>
+              <a:rPr kumimoji="0" lang="en-US" altLang="en-US" sz="2000" b="0" i="0" u="none" strike="noStrike" cap="none" normalizeH="0" baseline="0" dirty="0" err="1">
+                <a:ln>
+                  <a:noFill/>
+                </a:ln>
+                <a:solidFill>
+                  <a:srgbClr val="E74C3C"/>
+                </a:solidFill>
+                <a:effectLst/>
+                <a:latin typeface="Consolas" panose="020B0609020204030204" pitchFamily="49" charset="0"/>
+              </a:rPr>
+              <a:t>ObjectResult</a:t>
+            </a:r>
+            <a:r>
+              <a:rPr kumimoji="0" lang="en-US" altLang="en-US" sz="2000" b="0" i="0" u="none" strike="noStrike" cap="none" normalizeH="0" baseline="0" dirty="0">
+                <a:ln>
+                  <a:noFill/>
+                </a:ln>
+                <a:solidFill>
+                  <a:srgbClr val="505050"/>
+                </a:solidFill>
+                <a:effectLst/>
+                <a:latin typeface="wf_segoe-ui_normal"/>
+              </a:rPr>
+              <a:t> for you.</a:t>
+            </a:r>
+            <a:r>
+              <a:rPr kumimoji="0" lang="en-US" altLang="en-US" sz="2000" b="0" i="0" u="none" strike="noStrike" cap="none" normalizeH="0" baseline="0" dirty="0">
+                <a:ln>
+                  <a:noFill/>
+                </a:ln>
+                <a:solidFill>
+                  <a:schemeClr val="tx1"/>
+                </a:solidFill>
+                <a:effectLst/>
+              </a:rPr>
+              <a:t> </a:t>
+            </a:r>
+          </a:p>
+        </p:txBody>
+      </p:sp>
+      <p:sp>
+        <p:nvSpPr>
+          <p:cNvPr id="5" name="Rectangle 2">
+            <a:extLst>
+              <a:ext uri="{FF2B5EF4-FFF2-40B4-BE49-F238E27FC236}">
+                <a16:creationId xmlns:a16="http://schemas.microsoft.com/office/drawing/2014/main" id="{E3A36142-DD2D-4E88-A1EE-092717133DE0}"/>
+              </a:ext>
+            </a:extLst>
+          </p:cNvPr>
+          <p:cNvSpPr>
+            <a:spLocks noChangeArrowheads="1"/>
+          </p:cNvSpPr>
+          <p:nvPr/>
+        </p:nvSpPr>
+        <p:spPr bwMode="auto">
+          <a:xfrm>
+            <a:off x="433760" y="3059668"/>
+            <a:ext cx="7165551" cy="369332"/>
+          </a:xfrm>
+          <a:prstGeom prst="rect">
+            <a:avLst/>
+          </a:prstGeom>
+          <a:solidFill>
+            <a:srgbClr val="FFFFFF"/>
+          </a:solidFill>
+          <a:ln>
+            <a:noFill/>
+          </a:ln>
+          <a:effectLst/>
+          <a:extLst>
+            <a:ext uri="{91240B29-F687-4F45-9708-019B960494DF}">
+              <a14:hiddenLine xmlns:a14="http://schemas.microsoft.com/office/drawing/2010/main" w="9525">
+                <a:solidFill>
+                  <a:schemeClr val="tx1"/>
+                </a:solidFill>
+                <a:miter lim="800000"/>
+                <a:headEnd/>
+                <a:tailEnd/>
+              </a14:hiddenLine>
+            </a:ext>
+            <a:ext uri="{AF507438-7753-43E0-B8FC-AC1667EBCBE1}">
+              <a14:hiddenEffects xmlns:a14="http://schemas.microsoft.com/office/drawing/2010/main">
+                <a:effectLst>
+                  <a:outerShdw dist="35921" dir="2700000" algn="ctr" rotWithShape="0">
+                    <a:schemeClr val="bg2"/>
+                  </a:outerShdw>
+                </a:effectLst>
+              </a14:hiddenEffects>
+            </a:ext>
+          </a:extLst>
+        </p:spPr>
+        <p:txBody>
+          <a:bodyPr vert="horz" wrap="none" lIns="91440" tIns="45720" rIns="91440" bIns="45720" numCol="1" anchor="ctr" anchorCtr="0" compatLnSpc="1">
+            <a:prstTxWarp prst="textNoShape">
+              <a:avLst/>
+            </a:prstTxWarp>
+            <a:spAutoFit/>
+          </a:bodyPr>
+          <a:lstStyle>
+            <a:lvl1pPr eaLnBrk="0" fontAlgn="base" hangingPunct="0">
+              <a:spcBef>
+                <a:spcPct val="0"/>
+              </a:spcBef>
+              <a:spcAft>
+                <a:spcPct val="0"/>
+              </a:spcAft>
+              <a:defRPr>
+                <a:solidFill>
+                  <a:schemeClr val="tx1"/>
+                </a:solidFill>
+                <a:latin typeface="Arial" panose="020B0604020202020204" pitchFamily="34" charset="0"/>
+              </a:defRPr>
+            </a:lvl1pPr>
+            <a:lvl2pPr eaLnBrk="0" fontAlgn="base" hangingPunct="0">
+              <a:spcBef>
+                <a:spcPct val="0"/>
+              </a:spcBef>
+              <a:spcAft>
+                <a:spcPct val="0"/>
+              </a:spcAft>
+              <a:defRPr>
+                <a:solidFill>
+                  <a:schemeClr val="tx1"/>
+                </a:solidFill>
+                <a:latin typeface="Arial" panose="020B0604020202020204" pitchFamily="34" charset="0"/>
+              </a:defRPr>
+            </a:lvl2pPr>
+            <a:lvl3pPr eaLnBrk="0" fontAlgn="base" hangingPunct="0">
+              <a:spcBef>
+                <a:spcPct val="0"/>
+              </a:spcBef>
+              <a:spcAft>
+                <a:spcPct val="0"/>
+              </a:spcAft>
+              <a:defRPr>
+                <a:solidFill>
+                  <a:schemeClr val="tx1"/>
+                </a:solidFill>
+                <a:latin typeface="Arial" panose="020B0604020202020204" pitchFamily="34" charset="0"/>
+              </a:defRPr>
+            </a:lvl3pPr>
+            <a:lvl4pPr eaLnBrk="0" fontAlgn="base" hangingPunct="0">
+              <a:spcBef>
+                <a:spcPct val="0"/>
+              </a:spcBef>
+              <a:spcAft>
+                <a:spcPct val="0"/>
+              </a:spcAft>
+              <a:defRPr>
+                <a:solidFill>
+                  <a:schemeClr val="tx1"/>
+                </a:solidFill>
+                <a:latin typeface="Arial" panose="020B0604020202020204" pitchFamily="34" charset="0"/>
+              </a:defRPr>
+            </a:lvl4pPr>
+            <a:lvl5pPr eaLnBrk="0" fontAlgn="base" hangingPunct="0">
+              <a:spcBef>
+                <a:spcPct val="0"/>
+              </a:spcBef>
+              <a:spcAft>
+                <a:spcPct val="0"/>
+              </a:spcAft>
+              <a:defRPr>
+                <a:solidFill>
+                  <a:schemeClr val="tx1"/>
+                </a:solidFill>
+                <a:latin typeface="Arial" panose="020B0604020202020204" pitchFamily="34" charset="0"/>
+              </a:defRPr>
+            </a:lvl5pPr>
+            <a:lvl6pPr eaLnBrk="0" fontAlgn="base" hangingPunct="0">
+              <a:spcBef>
+                <a:spcPct val="0"/>
+              </a:spcBef>
+              <a:spcAft>
+                <a:spcPct val="0"/>
+              </a:spcAft>
+              <a:defRPr>
+                <a:solidFill>
+                  <a:schemeClr val="tx1"/>
+                </a:solidFill>
+                <a:latin typeface="Arial" panose="020B0604020202020204" pitchFamily="34" charset="0"/>
+              </a:defRPr>
+            </a:lvl6pPr>
+            <a:lvl7pPr eaLnBrk="0" fontAlgn="base" hangingPunct="0">
+              <a:spcBef>
+                <a:spcPct val="0"/>
+              </a:spcBef>
+              <a:spcAft>
+                <a:spcPct val="0"/>
+              </a:spcAft>
+              <a:defRPr>
+                <a:solidFill>
+                  <a:schemeClr val="tx1"/>
+                </a:solidFill>
+                <a:latin typeface="Arial" panose="020B0604020202020204" pitchFamily="34" charset="0"/>
+              </a:defRPr>
+            </a:lvl7pPr>
+            <a:lvl8pPr eaLnBrk="0" fontAlgn="base" hangingPunct="0">
+              <a:spcBef>
+                <a:spcPct val="0"/>
+              </a:spcBef>
+              <a:spcAft>
+                <a:spcPct val="0"/>
+              </a:spcAft>
+              <a:defRPr>
+                <a:solidFill>
+                  <a:schemeClr val="tx1"/>
+                </a:solidFill>
+                <a:latin typeface="Arial" panose="020B0604020202020204" pitchFamily="34" charset="0"/>
+              </a:defRPr>
+            </a:lvl8pPr>
+            <a:lvl9pPr eaLnBrk="0" fontAlgn="base" hangingPunct="0">
+              <a:spcBef>
+                <a:spcPct val="0"/>
+              </a:spcBef>
+              <a:spcAft>
+                <a:spcPct val="0"/>
+              </a:spcAft>
+              <a:defRPr>
+                <a:solidFill>
+                  <a:schemeClr val="tx1"/>
+                </a:solidFill>
+                <a:latin typeface="Arial" panose="020B0604020202020204" pitchFamily="34" charset="0"/>
+              </a:defRPr>
+            </a:lvl9pPr>
+          </a:lstStyle>
+          <a:p>
+            <a:pPr marL="0" marR="0" lvl="0" indent="0" algn="l" defTabSz="914400" rtl="0" eaLnBrk="0" fontAlgn="base" latinLnBrk="0" hangingPunct="0">
+              <a:lnSpc>
+                <a:spcPct val="100000"/>
+              </a:lnSpc>
+              <a:spcBef>
+                <a:spcPct val="0"/>
+              </a:spcBef>
+              <a:spcAft>
+                <a:spcPct val="0"/>
+              </a:spcAft>
+              <a:buClrTx/>
+              <a:buSzTx/>
+              <a:buFontTx/>
+              <a:buNone/>
+              <a:tabLst/>
+            </a:pPr>
+            <a:r>
+              <a:rPr kumimoji="0" lang="en-US" altLang="en-US" b="0" i="0" u="none" strike="noStrike" cap="none" normalizeH="0" baseline="0">
+                <a:ln>
+                  <a:noFill/>
+                </a:ln>
+                <a:solidFill>
+                  <a:srgbClr val="505050"/>
+                </a:solidFill>
+                <a:effectLst/>
+                <a:latin typeface="wf_segoe-ui_normal"/>
+              </a:rPr>
+              <a:t>The following action method uses the </a:t>
+            </a:r>
+            <a:r>
+              <a:rPr kumimoji="0" lang="en-US" altLang="en-US" b="0" i="0" u="none" strike="noStrike" cap="none" normalizeH="0" baseline="0">
+                <a:ln>
+                  <a:noFill/>
+                </a:ln>
+                <a:solidFill>
+                  <a:srgbClr val="E74C3C"/>
+                </a:solidFill>
+                <a:effectLst/>
+                <a:latin typeface="Consolas" panose="020B0609020204030204" pitchFamily="49" charset="0"/>
+              </a:rPr>
+              <a:t>Ok</a:t>
+            </a:r>
+            <a:r>
+              <a:rPr kumimoji="0" lang="en-US" altLang="en-US" b="0" i="0" u="none" strike="noStrike" cap="none" normalizeH="0" baseline="0">
+                <a:ln>
+                  <a:noFill/>
+                </a:ln>
+                <a:solidFill>
+                  <a:srgbClr val="505050"/>
+                </a:solidFill>
+                <a:effectLst/>
+                <a:latin typeface="wf_segoe-ui_normal"/>
+              </a:rPr>
+              <a:t> and </a:t>
+            </a:r>
+            <a:r>
+              <a:rPr kumimoji="0" lang="en-US" altLang="en-US" b="0" i="0" u="none" strike="noStrike" cap="none" normalizeH="0" baseline="0">
+                <a:ln>
+                  <a:noFill/>
+                </a:ln>
+                <a:solidFill>
+                  <a:srgbClr val="E74C3C"/>
+                </a:solidFill>
+                <a:effectLst/>
+                <a:latin typeface="Consolas" panose="020B0609020204030204" pitchFamily="49" charset="0"/>
+              </a:rPr>
+              <a:t>NotFound</a:t>
+            </a:r>
+            <a:r>
+              <a:rPr kumimoji="0" lang="en-US" altLang="en-US" b="0" i="0" u="none" strike="noStrike" cap="none" normalizeH="0" baseline="0">
+                <a:ln>
+                  <a:noFill/>
+                </a:ln>
+                <a:solidFill>
+                  <a:srgbClr val="505050"/>
+                </a:solidFill>
+                <a:effectLst/>
+                <a:latin typeface="wf_segoe-ui_normal"/>
+              </a:rPr>
+              <a:t> helper methods:</a:t>
+            </a:r>
+            <a:r>
+              <a:rPr kumimoji="0" lang="en-US" altLang="en-US" b="0" i="0" u="none" strike="noStrike" cap="none" normalizeH="0" baseline="0">
+                <a:ln>
+                  <a:noFill/>
+                </a:ln>
+                <a:solidFill>
+                  <a:schemeClr val="tx1"/>
+                </a:solidFill>
+                <a:effectLst/>
+              </a:rPr>
+              <a:t> </a:t>
+            </a:r>
+          </a:p>
+        </p:txBody>
+      </p:sp>
+      <p:sp>
+        <p:nvSpPr>
+          <p:cNvPr id="6" name="Rectangle 3">
+            <a:extLst>
+              <a:ext uri="{FF2B5EF4-FFF2-40B4-BE49-F238E27FC236}">
+                <a16:creationId xmlns:a16="http://schemas.microsoft.com/office/drawing/2014/main" id="{49AA7520-2E90-46A8-8822-E9CA1CC0F052}"/>
+              </a:ext>
+            </a:extLst>
+          </p:cNvPr>
+          <p:cNvSpPr>
+            <a:spLocks noChangeArrowheads="1"/>
+          </p:cNvSpPr>
+          <p:nvPr/>
+        </p:nvSpPr>
+        <p:spPr bwMode="auto">
+          <a:xfrm>
+            <a:off x="630313" y="3641102"/>
+            <a:ext cx="7785717" cy="2437590"/>
+          </a:xfrm>
+          <a:prstGeom prst="rect">
+            <a:avLst/>
+          </a:prstGeom>
+          <a:solidFill>
+            <a:srgbClr val="FFFFFF"/>
+          </a:solidFill>
+          <a:ln>
+            <a:noFill/>
+          </a:ln>
+          <a:effectLst/>
+          <a:extLst>
+            <a:ext uri="{91240B29-F687-4F45-9708-019B960494DF}">
+              <a14:hiddenLine xmlns:a14="http://schemas.microsoft.com/office/drawing/2010/main" w="9525">
+                <a:solidFill>
+                  <a:schemeClr val="tx1"/>
+                </a:solidFill>
+                <a:miter lim="800000"/>
+                <a:headEnd/>
+                <a:tailEnd/>
+              </a14:hiddenLine>
+            </a:ext>
+            <a:ext uri="{AF507438-7753-43E0-B8FC-AC1667EBCBE1}">
+              <a14:hiddenEffects xmlns:a14="http://schemas.microsoft.com/office/drawing/2010/main">
+                <a:effectLst>
+                  <a:outerShdw dist="35921" dir="2700000" algn="ctr" rotWithShape="0">
+                    <a:schemeClr val="bg2"/>
+                  </a:outerShdw>
+                </a:effectLst>
+              </a14:hiddenEffects>
+            </a:ext>
+          </a:extLst>
+        </p:spPr>
+        <p:txBody>
+          <a:bodyPr vert="horz" wrap="square" lIns="0" tIns="0" rIns="0" bIns="0" numCol="1" anchor="ctr" anchorCtr="0" compatLnSpc="1">
+            <a:prstTxWarp prst="textNoShape">
+              <a:avLst/>
+            </a:prstTxWarp>
+            <a:spAutoFit/>
+          </a:bodyPr>
+          <a:lstStyle/>
+          <a:p>
+            <a:pPr marL="0" marR="0" lvl="0" indent="0" algn="l" defTabSz="914400" rtl="0" eaLnBrk="0" fontAlgn="base" latinLnBrk="0" hangingPunct="0">
+              <a:lnSpc>
+                <a:spcPct val="100000"/>
+              </a:lnSpc>
+              <a:spcBef>
+                <a:spcPct val="30000"/>
+              </a:spcBef>
+              <a:spcAft>
+                <a:spcPct val="0"/>
+              </a:spcAft>
+              <a:buClrTx/>
+              <a:buSzTx/>
+              <a:buFontTx/>
+              <a:buNone/>
+              <a:tabLst/>
+            </a:pPr>
+            <a:r>
+              <a:rPr kumimoji="0" lang="en-US" altLang="en-US" b="0" i="0" u="none" strike="noStrike" cap="none" normalizeH="0" baseline="0" dirty="0">
+                <a:ln>
+                  <a:noFill/>
+                </a:ln>
+                <a:solidFill>
+                  <a:srgbClr val="404040"/>
+                </a:solidFill>
+                <a:effectLst/>
+                <a:latin typeface="Consolas" panose="020B0609020204030204" pitchFamily="49" charset="0"/>
+              </a:rPr>
+              <a:t>// GET: </a:t>
+            </a:r>
+            <a:r>
+              <a:rPr kumimoji="0" lang="en-US" altLang="en-US" b="0" i="0" u="none" strike="noStrike" cap="none" normalizeH="0" baseline="0" dirty="0" err="1">
+                <a:ln>
+                  <a:noFill/>
+                </a:ln>
+                <a:solidFill>
+                  <a:srgbClr val="404040"/>
+                </a:solidFill>
+                <a:effectLst/>
+                <a:latin typeface="Consolas" panose="020B0609020204030204" pitchFamily="49" charset="0"/>
+              </a:rPr>
+              <a:t>api</a:t>
+            </a:r>
+            <a:r>
+              <a:rPr kumimoji="0" lang="en-US" altLang="en-US" b="0" i="0" u="none" strike="noStrike" cap="none" normalizeH="0" baseline="0" dirty="0">
+                <a:ln>
+                  <a:noFill/>
+                </a:ln>
+                <a:solidFill>
+                  <a:srgbClr val="404040"/>
+                </a:solidFill>
+                <a:effectLst/>
+                <a:latin typeface="Consolas" panose="020B0609020204030204" pitchFamily="49" charset="0"/>
+              </a:rPr>
+              <a:t>/authors/</a:t>
+            </a:r>
+            <a:r>
+              <a:rPr kumimoji="0" lang="en-US" altLang="en-US" b="0" i="0" u="none" strike="noStrike" cap="none" normalizeH="0" baseline="0" dirty="0" err="1">
+                <a:ln>
+                  <a:noFill/>
+                </a:ln>
+                <a:solidFill>
+                  <a:srgbClr val="404040"/>
+                </a:solidFill>
+                <a:effectLst/>
+                <a:latin typeface="Consolas" panose="020B0609020204030204" pitchFamily="49" charset="0"/>
+              </a:rPr>
+              <a:t>search?namelike</a:t>
+            </a:r>
+            <a:r>
+              <a:rPr kumimoji="0" lang="en-US" altLang="en-US" b="0" i="0" u="none" strike="noStrike" cap="none" normalizeH="0" baseline="0" dirty="0">
+                <a:ln>
+                  <a:noFill/>
+                </a:ln>
+                <a:solidFill>
+                  <a:srgbClr val="404040"/>
+                </a:solidFill>
+                <a:effectLst/>
+                <a:latin typeface="Consolas" panose="020B0609020204030204" pitchFamily="49" charset="0"/>
+              </a:rPr>
+              <a:t>=</a:t>
+            </a:r>
+            <a:r>
+              <a:rPr kumimoji="0" lang="en-US" altLang="en-US" b="0" i="0" u="none" strike="noStrike" cap="none" normalizeH="0" baseline="0" dirty="0" err="1">
+                <a:ln>
+                  <a:noFill/>
+                </a:ln>
+                <a:solidFill>
+                  <a:srgbClr val="404040"/>
+                </a:solidFill>
+                <a:effectLst/>
+                <a:latin typeface="Consolas" panose="020B0609020204030204" pitchFamily="49" charset="0"/>
+              </a:rPr>
+              <a:t>th</a:t>
+            </a:r>
+            <a:r>
+              <a:rPr kumimoji="0" lang="en-US" altLang="en-US" b="0" i="0" u="none" strike="noStrike" cap="none" normalizeH="0" baseline="0" dirty="0">
+                <a:ln>
+                  <a:noFill/>
+                </a:ln>
+                <a:solidFill>
+                  <a:srgbClr val="404040"/>
+                </a:solidFill>
+                <a:effectLst/>
+                <a:latin typeface="Consolas" panose="020B0609020204030204" pitchFamily="49" charset="0"/>
+              </a:rPr>
+              <a:t> [</a:t>
+            </a:r>
+            <a:r>
+              <a:rPr kumimoji="0" lang="en-US" altLang="en-US" b="0" i="0" u="none" strike="noStrike" cap="none" normalizeH="0" baseline="0" dirty="0" err="1">
+                <a:ln>
+                  <a:noFill/>
+                </a:ln>
+                <a:solidFill>
+                  <a:srgbClr val="404040"/>
+                </a:solidFill>
+                <a:effectLst/>
+                <a:latin typeface="Consolas" panose="020B0609020204030204" pitchFamily="49" charset="0"/>
+              </a:rPr>
+              <a:t>HttpGet</a:t>
+            </a:r>
+            <a:r>
+              <a:rPr kumimoji="0" lang="en-US" altLang="en-US" b="0" i="0" u="none" strike="noStrike" cap="none" normalizeH="0" baseline="0" dirty="0">
+                <a:ln>
+                  <a:noFill/>
+                </a:ln>
+                <a:solidFill>
+                  <a:srgbClr val="404040"/>
+                </a:solidFill>
+                <a:effectLst/>
+                <a:latin typeface="Consolas" panose="020B0609020204030204" pitchFamily="49" charset="0"/>
+              </a:rPr>
+              <a:t>("Search")] </a:t>
+            </a:r>
+          </a:p>
+          <a:p>
+            <a:pPr marL="0" marR="0" lvl="0" indent="0" algn="l" defTabSz="914400" rtl="0" eaLnBrk="0" fontAlgn="base" latinLnBrk="0" hangingPunct="0">
+              <a:lnSpc>
+                <a:spcPct val="100000"/>
+              </a:lnSpc>
+              <a:spcBef>
+                <a:spcPct val="30000"/>
+              </a:spcBef>
+              <a:spcAft>
+                <a:spcPct val="0"/>
+              </a:spcAft>
+              <a:buClrTx/>
+              <a:buSzTx/>
+              <a:buFontTx/>
+              <a:buNone/>
+              <a:tabLst/>
+            </a:pPr>
+            <a:r>
+              <a:rPr kumimoji="0" lang="en-US" altLang="en-US" b="0" i="0" u="none" strike="noStrike" cap="none" normalizeH="0" baseline="0" dirty="0">
+                <a:ln>
+                  <a:noFill/>
+                </a:ln>
+                <a:solidFill>
+                  <a:srgbClr val="404040"/>
+                </a:solidFill>
+                <a:effectLst/>
+                <a:latin typeface="Consolas" panose="020B0609020204030204" pitchFamily="49" charset="0"/>
+              </a:rPr>
+              <a:t>public </a:t>
+            </a:r>
+            <a:r>
+              <a:rPr kumimoji="0" lang="en-US" altLang="en-US" b="0" i="0" u="none" strike="noStrike" cap="none" normalizeH="0" baseline="0" dirty="0" err="1">
+                <a:ln>
+                  <a:noFill/>
+                </a:ln>
+                <a:solidFill>
+                  <a:schemeClr val="tx1"/>
+                </a:solidFill>
+                <a:effectLst/>
+                <a:latin typeface="Arial" panose="020B0604020202020204" pitchFamily="34" charset="0"/>
+              </a:rPr>
+              <a:t>IActionResult</a:t>
+            </a:r>
+            <a:r>
+              <a:rPr kumimoji="0" lang="en-US" altLang="en-US" b="0" i="0" u="none" strike="noStrike" cap="none" normalizeH="0" baseline="0" dirty="0">
+                <a:ln>
+                  <a:noFill/>
+                </a:ln>
+                <a:solidFill>
+                  <a:srgbClr val="404040"/>
+                </a:solidFill>
+                <a:effectLst/>
+                <a:latin typeface="Consolas" panose="020B0609020204030204" pitchFamily="49" charset="0"/>
+              </a:rPr>
+              <a:t> Search(string </a:t>
+            </a:r>
+            <a:r>
+              <a:rPr kumimoji="0" lang="en-US" altLang="en-US" b="0" i="0" u="none" strike="noStrike" cap="none" normalizeH="0" baseline="0" dirty="0" err="1">
+                <a:ln>
+                  <a:noFill/>
+                </a:ln>
+                <a:solidFill>
+                  <a:schemeClr val="tx1"/>
+                </a:solidFill>
+                <a:effectLst/>
+                <a:latin typeface="Arial" panose="020B0604020202020204" pitchFamily="34" charset="0"/>
+              </a:rPr>
+              <a:t>namelike</a:t>
+            </a:r>
+            <a:r>
+              <a:rPr kumimoji="0" lang="en-US" altLang="en-US" b="0" i="0" u="none" strike="noStrike" cap="none" normalizeH="0" baseline="0" dirty="0">
+                <a:ln>
+                  <a:noFill/>
+                </a:ln>
+                <a:solidFill>
+                  <a:srgbClr val="404040"/>
+                </a:solidFill>
+                <a:effectLst/>
+                <a:latin typeface="Consolas" panose="020B0609020204030204" pitchFamily="49" charset="0"/>
+              </a:rPr>
+              <a:t>) </a:t>
+            </a:r>
+          </a:p>
+          <a:p>
+            <a:pPr marL="0" marR="0" lvl="0" indent="0" algn="l" defTabSz="914400" rtl="0" eaLnBrk="0" fontAlgn="base" latinLnBrk="0" hangingPunct="0">
+              <a:lnSpc>
+                <a:spcPct val="100000"/>
+              </a:lnSpc>
+              <a:spcBef>
+                <a:spcPct val="30000"/>
+              </a:spcBef>
+              <a:spcAft>
+                <a:spcPct val="0"/>
+              </a:spcAft>
+              <a:buClrTx/>
+              <a:buSzTx/>
+              <a:buFontTx/>
+              <a:buNone/>
+              <a:tabLst/>
+            </a:pPr>
+            <a:r>
+              <a:rPr kumimoji="0" lang="en-US" altLang="en-US" b="0" i="0" u="none" strike="noStrike" cap="none" normalizeH="0" baseline="0" dirty="0">
+                <a:ln>
+                  <a:noFill/>
+                </a:ln>
+                <a:solidFill>
+                  <a:srgbClr val="404040"/>
+                </a:solidFill>
+                <a:effectLst/>
+                <a:latin typeface="Consolas" panose="020B0609020204030204" pitchFamily="49" charset="0"/>
+              </a:rPr>
+              <a:t>{ var </a:t>
+            </a:r>
+            <a:r>
+              <a:rPr kumimoji="0" lang="en-US" altLang="en-US" b="0" i="0" u="none" strike="noStrike" cap="none" normalizeH="0" baseline="0" dirty="0">
+                <a:ln>
+                  <a:noFill/>
+                </a:ln>
+                <a:solidFill>
+                  <a:schemeClr val="tx1"/>
+                </a:solidFill>
+                <a:effectLst/>
+                <a:latin typeface="Arial" panose="020B0604020202020204" pitchFamily="34" charset="0"/>
+              </a:rPr>
+              <a:t>result</a:t>
+            </a:r>
+            <a:r>
+              <a:rPr kumimoji="0" lang="en-US" altLang="en-US" b="0" i="0" u="none" strike="noStrike" cap="none" normalizeH="0" baseline="0" dirty="0">
+                <a:ln>
+                  <a:noFill/>
+                </a:ln>
+                <a:solidFill>
+                  <a:srgbClr val="404040"/>
+                </a:solidFill>
+                <a:effectLst/>
+                <a:latin typeface="Consolas" panose="020B0609020204030204" pitchFamily="49" charset="0"/>
+              </a:rPr>
+              <a:t> = </a:t>
+            </a:r>
+            <a:r>
+              <a:rPr kumimoji="0" lang="en-US" altLang="en-US" b="0" i="0" u="none" strike="noStrike" cap="none" normalizeH="0" baseline="0" dirty="0">
+                <a:ln>
+                  <a:noFill/>
+                </a:ln>
+                <a:solidFill>
+                  <a:schemeClr val="tx1"/>
+                </a:solidFill>
+                <a:effectLst/>
+                <a:latin typeface="Arial" panose="020B0604020202020204" pitchFamily="34" charset="0"/>
+              </a:rPr>
+              <a:t>_</a:t>
+            </a:r>
+            <a:r>
+              <a:rPr kumimoji="0" lang="en-US" altLang="en-US" b="0" i="0" u="none" strike="noStrike" cap="none" normalizeH="0" baseline="0" dirty="0" err="1">
+                <a:ln>
+                  <a:noFill/>
+                </a:ln>
+                <a:solidFill>
+                  <a:schemeClr val="tx1"/>
+                </a:solidFill>
+                <a:effectLst/>
+                <a:latin typeface="Arial" panose="020B0604020202020204" pitchFamily="34" charset="0"/>
+              </a:rPr>
+              <a:t>authorRepository</a:t>
+            </a:r>
+            <a:r>
+              <a:rPr kumimoji="0" lang="en-US" altLang="en-US" b="0" i="0" u="none" strike="noStrike" cap="none" normalizeH="0" baseline="0" dirty="0" err="1">
+                <a:ln>
+                  <a:noFill/>
+                </a:ln>
+                <a:solidFill>
+                  <a:srgbClr val="404040"/>
+                </a:solidFill>
+                <a:effectLst/>
+                <a:latin typeface="Consolas" panose="020B0609020204030204" pitchFamily="49" charset="0"/>
+              </a:rPr>
+              <a:t>.</a:t>
+            </a:r>
+            <a:r>
+              <a:rPr kumimoji="0" lang="en-US" altLang="en-US" b="0" i="0" u="none" strike="noStrike" cap="none" normalizeH="0" baseline="0" dirty="0" err="1">
+                <a:ln>
+                  <a:noFill/>
+                </a:ln>
+                <a:solidFill>
+                  <a:schemeClr val="tx1"/>
+                </a:solidFill>
+                <a:effectLst/>
+                <a:latin typeface="Arial" panose="020B0604020202020204" pitchFamily="34" charset="0"/>
+              </a:rPr>
+              <a:t>GetByNameSubstring</a:t>
+            </a:r>
+            <a:r>
+              <a:rPr kumimoji="0" lang="en-US" altLang="en-US" b="0" i="0" u="none" strike="noStrike" cap="none" normalizeH="0" baseline="0" dirty="0">
+                <a:ln>
+                  <a:noFill/>
+                </a:ln>
+                <a:solidFill>
+                  <a:srgbClr val="404040"/>
+                </a:solidFill>
+                <a:effectLst/>
+                <a:latin typeface="Consolas" panose="020B0609020204030204" pitchFamily="49" charset="0"/>
+              </a:rPr>
+              <a:t>(</a:t>
+            </a:r>
+            <a:r>
+              <a:rPr kumimoji="0" lang="en-US" altLang="en-US" b="0" i="0" u="none" strike="noStrike" cap="none" normalizeH="0" baseline="0" dirty="0" err="1">
+                <a:ln>
+                  <a:noFill/>
+                </a:ln>
+                <a:solidFill>
+                  <a:schemeClr val="tx1"/>
+                </a:solidFill>
+                <a:effectLst/>
+                <a:latin typeface="Arial" panose="020B0604020202020204" pitchFamily="34" charset="0"/>
+              </a:rPr>
+              <a:t>namelike</a:t>
+            </a:r>
+            <a:r>
+              <a:rPr kumimoji="0" lang="en-US" altLang="en-US" b="0" i="0" u="none" strike="noStrike" cap="none" normalizeH="0" baseline="0" dirty="0">
+                <a:ln>
+                  <a:noFill/>
+                </a:ln>
+                <a:solidFill>
+                  <a:srgbClr val="404040"/>
+                </a:solidFill>
+                <a:effectLst/>
+                <a:latin typeface="Consolas" panose="020B0609020204030204" pitchFamily="49" charset="0"/>
+              </a:rPr>
+              <a:t>);</a:t>
+            </a:r>
+          </a:p>
+          <a:p>
+            <a:pPr marL="0" marR="0" lvl="0" indent="0" algn="l" defTabSz="914400" rtl="0" eaLnBrk="0" fontAlgn="base" latinLnBrk="0" hangingPunct="0">
+              <a:lnSpc>
+                <a:spcPct val="100000"/>
+              </a:lnSpc>
+              <a:spcBef>
+                <a:spcPct val="30000"/>
+              </a:spcBef>
+              <a:spcAft>
+                <a:spcPct val="0"/>
+              </a:spcAft>
+              <a:buClrTx/>
+              <a:buSzTx/>
+              <a:buFontTx/>
+              <a:buNone/>
+              <a:tabLst/>
+            </a:pPr>
+            <a:r>
+              <a:rPr kumimoji="0" lang="en-US" altLang="en-US" b="0" i="0" u="none" strike="noStrike" cap="none" normalizeH="0" baseline="0" dirty="0">
+                <a:ln>
+                  <a:noFill/>
+                </a:ln>
+                <a:solidFill>
+                  <a:srgbClr val="404040"/>
+                </a:solidFill>
+                <a:effectLst/>
+                <a:latin typeface="Consolas" panose="020B0609020204030204" pitchFamily="49" charset="0"/>
+              </a:rPr>
+              <a:t> if (!</a:t>
+            </a:r>
+            <a:r>
+              <a:rPr kumimoji="0" lang="en-US" altLang="en-US" b="0" i="0" u="none" strike="noStrike" cap="none" normalizeH="0" baseline="0" dirty="0" err="1">
+                <a:ln>
+                  <a:noFill/>
+                </a:ln>
+                <a:solidFill>
+                  <a:schemeClr val="tx1"/>
+                </a:solidFill>
+                <a:effectLst/>
+                <a:latin typeface="Arial" panose="020B0604020202020204" pitchFamily="34" charset="0"/>
+              </a:rPr>
+              <a:t>result</a:t>
+            </a:r>
+            <a:r>
+              <a:rPr kumimoji="0" lang="en-US" altLang="en-US" b="0" i="0" u="none" strike="noStrike" cap="none" normalizeH="0" baseline="0" dirty="0" err="1">
+                <a:ln>
+                  <a:noFill/>
+                </a:ln>
+                <a:solidFill>
+                  <a:srgbClr val="404040"/>
+                </a:solidFill>
+                <a:effectLst/>
+                <a:latin typeface="Consolas" panose="020B0609020204030204" pitchFamily="49" charset="0"/>
+              </a:rPr>
+              <a:t>.</a:t>
+            </a:r>
+            <a:r>
+              <a:rPr kumimoji="0" lang="en-US" altLang="en-US" b="0" i="0" u="none" strike="noStrike" cap="none" normalizeH="0" baseline="0" dirty="0" err="1">
+                <a:ln>
+                  <a:noFill/>
+                </a:ln>
+                <a:solidFill>
+                  <a:schemeClr val="tx1"/>
+                </a:solidFill>
+                <a:effectLst/>
+                <a:latin typeface="Arial" panose="020B0604020202020204" pitchFamily="34" charset="0"/>
+              </a:rPr>
+              <a:t>Any</a:t>
+            </a:r>
+            <a:r>
+              <a:rPr kumimoji="0" lang="en-US" altLang="en-US" b="0" i="0" u="none" strike="noStrike" cap="none" normalizeH="0" baseline="0" dirty="0">
+                <a:ln>
+                  <a:noFill/>
+                </a:ln>
+                <a:solidFill>
+                  <a:srgbClr val="404040"/>
+                </a:solidFill>
+                <a:effectLst/>
+                <a:latin typeface="Consolas" panose="020B0609020204030204" pitchFamily="49" charset="0"/>
+              </a:rPr>
+              <a:t>())</a:t>
+            </a:r>
+          </a:p>
+          <a:p>
+            <a:pPr marL="0" marR="0" lvl="0" indent="0" algn="l" defTabSz="914400" rtl="0" eaLnBrk="0" fontAlgn="base" latinLnBrk="0" hangingPunct="0">
+              <a:lnSpc>
+                <a:spcPct val="100000"/>
+              </a:lnSpc>
+              <a:spcBef>
+                <a:spcPct val="30000"/>
+              </a:spcBef>
+              <a:spcAft>
+                <a:spcPct val="0"/>
+              </a:spcAft>
+              <a:buClrTx/>
+              <a:buSzTx/>
+              <a:buFontTx/>
+              <a:buNone/>
+              <a:tabLst/>
+            </a:pPr>
+            <a:r>
+              <a:rPr kumimoji="0" lang="en-US" altLang="en-US" b="0" i="0" u="none" strike="noStrike" cap="none" normalizeH="0" baseline="0" dirty="0">
+                <a:ln>
+                  <a:noFill/>
+                </a:ln>
+                <a:solidFill>
+                  <a:srgbClr val="404040"/>
+                </a:solidFill>
+                <a:effectLst/>
+                <a:latin typeface="Consolas" panose="020B0609020204030204" pitchFamily="49" charset="0"/>
+              </a:rPr>
+              <a:t>{     return </a:t>
+            </a:r>
+            <a:r>
+              <a:rPr kumimoji="0" lang="en-US" altLang="en-US" b="0" i="0" u="none" strike="noStrike" cap="none" normalizeH="0" baseline="0" dirty="0" err="1">
+                <a:ln>
+                  <a:noFill/>
+                </a:ln>
+                <a:solidFill>
+                  <a:srgbClr val="404040"/>
+                </a:solidFill>
+                <a:effectLst/>
+                <a:latin typeface="Consolas" panose="020B0609020204030204" pitchFamily="49" charset="0"/>
+              </a:rPr>
+              <a:t>NotFound</a:t>
+            </a:r>
+            <a:r>
+              <a:rPr kumimoji="0" lang="en-US" altLang="en-US" b="0" i="0" u="none" strike="noStrike" cap="none" normalizeH="0" baseline="0" dirty="0">
+                <a:ln>
+                  <a:noFill/>
+                </a:ln>
+                <a:solidFill>
+                  <a:srgbClr val="404040"/>
+                </a:solidFill>
+                <a:effectLst/>
+                <a:latin typeface="Consolas" panose="020B0609020204030204" pitchFamily="49" charset="0"/>
+              </a:rPr>
+              <a:t>(</a:t>
+            </a:r>
+            <a:r>
+              <a:rPr kumimoji="0" lang="en-US" altLang="en-US" b="0" i="0" u="none" strike="noStrike" cap="none" normalizeH="0" baseline="0" dirty="0" err="1">
+                <a:ln>
+                  <a:noFill/>
+                </a:ln>
+                <a:solidFill>
+                  <a:schemeClr val="tx1"/>
+                </a:solidFill>
+                <a:effectLst/>
+                <a:latin typeface="Arial" panose="020B0604020202020204" pitchFamily="34" charset="0"/>
+              </a:rPr>
+              <a:t>namelike</a:t>
+            </a:r>
+            <a:r>
+              <a:rPr kumimoji="0" lang="en-US" altLang="en-US" b="0" i="0" u="none" strike="noStrike" cap="none" normalizeH="0" baseline="0" dirty="0">
+                <a:ln>
+                  <a:noFill/>
+                </a:ln>
+                <a:solidFill>
+                  <a:srgbClr val="404040"/>
+                </a:solidFill>
+                <a:effectLst/>
+                <a:latin typeface="Consolas" panose="020B0609020204030204" pitchFamily="49" charset="0"/>
+              </a:rPr>
+              <a:t>); </a:t>
+            </a:r>
+          </a:p>
+          <a:p>
+            <a:pPr marL="0" marR="0" lvl="0" indent="0" algn="l" defTabSz="914400" rtl="0" eaLnBrk="0" fontAlgn="base" latinLnBrk="0" hangingPunct="0">
+              <a:lnSpc>
+                <a:spcPct val="100000"/>
+              </a:lnSpc>
+              <a:spcBef>
+                <a:spcPct val="30000"/>
+              </a:spcBef>
+              <a:spcAft>
+                <a:spcPct val="0"/>
+              </a:spcAft>
+              <a:buClrTx/>
+              <a:buSzTx/>
+              <a:buFontTx/>
+              <a:buNone/>
+              <a:tabLst/>
+            </a:pPr>
+            <a:r>
+              <a:rPr kumimoji="0" lang="en-US" altLang="en-US" b="0" i="0" u="none" strike="noStrike" cap="none" normalizeH="0" baseline="0" dirty="0">
+                <a:ln>
+                  <a:noFill/>
+                </a:ln>
+                <a:solidFill>
+                  <a:srgbClr val="404040"/>
+                </a:solidFill>
+                <a:effectLst/>
+                <a:latin typeface="Consolas" panose="020B0609020204030204" pitchFamily="49" charset="0"/>
+              </a:rPr>
+              <a:t>} </a:t>
+            </a:r>
+          </a:p>
+          <a:p>
+            <a:pPr marL="0" marR="0" lvl="0" indent="0" algn="l" defTabSz="914400" rtl="0" eaLnBrk="0" fontAlgn="base" latinLnBrk="0" hangingPunct="0">
+              <a:lnSpc>
+                <a:spcPct val="100000"/>
+              </a:lnSpc>
+              <a:spcBef>
+                <a:spcPct val="30000"/>
+              </a:spcBef>
+              <a:spcAft>
+                <a:spcPct val="0"/>
+              </a:spcAft>
+              <a:buClrTx/>
+              <a:buSzTx/>
+              <a:buFontTx/>
+              <a:buNone/>
+              <a:tabLst/>
+            </a:pPr>
+            <a:r>
+              <a:rPr kumimoji="0" lang="en-US" altLang="en-US" b="0" i="0" u="none" strike="noStrike" cap="none" normalizeH="0" baseline="0" dirty="0">
+                <a:ln>
+                  <a:noFill/>
+                </a:ln>
+                <a:solidFill>
+                  <a:srgbClr val="404040"/>
+                </a:solidFill>
+                <a:effectLst/>
+                <a:latin typeface="Consolas" panose="020B0609020204030204" pitchFamily="49" charset="0"/>
+              </a:rPr>
+              <a:t>return Ok(</a:t>
+            </a:r>
+            <a:r>
+              <a:rPr kumimoji="0" lang="en-US" altLang="en-US" b="0" i="0" u="none" strike="noStrike" cap="none" normalizeH="0" baseline="0" dirty="0">
+                <a:ln>
+                  <a:noFill/>
+                </a:ln>
+                <a:solidFill>
+                  <a:schemeClr val="tx1"/>
+                </a:solidFill>
+                <a:effectLst/>
+                <a:latin typeface="Arial" panose="020B0604020202020204" pitchFamily="34" charset="0"/>
+              </a:rPr>
+              <a:t>result</a:t>
+            </a:r>
+            <a:r>
+              <a:rPr kumimoji="0" lang="en-US" altLang="en-US" b="0" i="0" u="none" strike="noStrike" cap="none" normalizeH="0" baseline="0" dirty="0">
+                <a:ln>
+                  <a:noFill/>
+                </a:ln>
+                <a:solidFill>
+                  <a:srgbClr val="404040"/>
+                </a:solidFill>
+                <a:effectLst/>
+                <a:latin typeface="Consolas" panose="020B0609020204030204" pitchFamily="49" charset="0"/>
+              </a:rPr>
+              <a:t>); }</a:t>
+            </a:r>
+            <a:r>
+              <a:rPr kumimoji="0" lang="en-US" altLang="en-US" b="0" i="0" u="none" strike="noStrike" cap="none" normalizeH="0" baseline="0" dirty="0">
+                <a:ln>
+                  <a:noFill/>
+                </a:ln>
+                <a:solidFill>
+                  <a:schemeClr val="tx1"/>
+                </a:solidFill>
+                <a:effectLst/>
+              </a:rPr>
+              <a:t> </a:t>
+            </a:r>
+            <a:endParaRPr kumimoji="0" lang="en-US" altLang="en-US" b="0" i="0" u="none" strike="noStrike" cap="none" normalizeH="0" baseline="0" dirty="0">
+              <a:ln>
+                <a:noFill/>
+              </a:ln>
+              <a:solidFill>
+                <a:schemeClr val="tx1"/>
+              </a:solidFill>
+              <a:effectLst/>
+              <a:latin typeface="Arial" panose="020B0604020202020204" pitchFamily="34" charset="0"/>
+            </a:endParaRPr>
+          </a:p>
+        </p:txBody>
+      </p:sp>
+      <p:sp>
+        <p:nvSpPr>
+          <p:cNvPr id="7" name="Footer Placeholder 6">
+            <a:extLst>
+              <a:ext uri="{FF2B5EF4-FFF2-40B4-BE49-F238E27FC236}">
+                <a16:creationId xmlns:a16="http://schemas.microsoft.com/office/drawing/2014/main" id="{6875B10D-D228-4DDF-A091-FD9BEE91B282}"/>
+              </a:ext>
+            </a:extLst>
+          </p:cNvPr>
+          <p:cNvSpPr>
+            <a:spLocks noGrp="1"/>
+          </p:cNvSpPr>
+          <p:nvPr>
+            <p:ph type="ftr" sz="quarter" idx="11"/>
+          </p:nvPr>
+        </p:nvSpPr>
+        <p:spPr/>
+        <p:txBody>
+          <a:bodyPr/>
+          <a:lstStyle/>
+          <a:p>
+            <a:r>
+              <a:rPr lang="en-US"/>
+              <a:t>https://whosnailaspnetcoredocs.readthedocs.io/ko/latest/mvc/models/formatting.html</a:t>
+            </a:r>
+          </a:p>
+        </p:txBody>
+      </p:sp>
+    </p:spTree>
+    <p:extLst>
+      <p:ext uri="{BB962C8B-B14F-4D97-AF65-F5344CB8AC3E}">
+        <p14:creationId xmlns:p14="http://schemas.microsoft.com/office/powerpoint/2010/main" val="4039729201"/>
+      </p:ext>
+    </p:extLst>
+  </p:cSld>
+  <p:clrMapOvr>
+    <a:masterClrMapping/>
+  </p:clrMapOvr>
+</p:sld>
+</file>
+
+<file path=ppt/slides/slide8.xml><?xml version="1.0" encoding="utf-8"?>
+<p:sld xmlns:a="http://schemas.openxmlformats.org/drawingml/2006/main" xmlns:r="http://schemas.openxmlformats.org/officeDocument/2006/relationships" xmlns:p="http://schemas.openxmlformats.org/presentationml/2006/main">
+  <p:cSld>
+    <p:spTree>
+      <p:nvGrpSpPr>
+        <p:cNvPr id="1" name=""/>
+        <p:cNvGrpSpPr/>
+        <p:nvPr/>
+      </p:nvGrpSpPr>
+      <p:grpSpPr>
+        <a:xfrm>
+          <a:off x="0" y="0"/>
+          <a:ext cx="0" cy="0"/>
+          <a:chOff x="0" y="0"/>
+          <a:chExt cx="0" cy="0"/>
+        </a:xfrm>
+      </p:grpSpPr>
+      <p:sp>
+        <p:nvSpPr>
+          <p:cNvPr id="2" name="Title 1">
+            <a:extLst>
+              <a:ext uri="{FF2B5EF4-FFF2-40B4-BE49-F238E27FC236}">
+                <a16:creationId xmlns:a16="http://schemas.microsoft.com/office/drawing/2014/main" id="{45F33AFC-C220-4038-ACF0-E5D4B3B57FD0}"/>
+              </a:ext>
+            </a:extLst>
+          </p:cNvPr>
+          <p:cNvSpPr>
+            <a:spLocks noGrp="1"/>
+          </p:cNvSpPr>
+          <p:nvPr>
+            <p:ph type="title"/>
+          </p:nvPr>
+        </p:nvSpPr>
+        <p:spPr/>
+        <p:txBody>
+          <a:bodyPr/>
+          <a:lstStyle/>
+          <a:p>
+            <a:r>
               <a:rPr lang="en-US" dirty="0"/>
               <a:t>Fiddler  output:</a:t>
             </a:r>
@@ -15841,7 +17170,7 @@
 </p:sld>
 </file>
 
-<file path=ppt/slides/slide8.xml><?xml version="1.0" encoding="utf-8"?>
+<file path=ppt/slides/slide9.xml><?xml version="1.0" encoding="utf-8"?>
 <p:sld xmlns:a="http://schemas.openxmlformats.org/drawingml/2006/main" xmlns:r="http://schemas.openxmlformats.org/officeDocument/2006/relationships" xmlns:p="http://schemas.openxmlformats.org/presentationml/2006/main">
   <p:cSld>
     <p:spTree>
@@ -16553,855 +17882,6 @@
     <p:extLst>
       <p:ext uri="{BB962C8B-B14F-4D97-AF65-F5344CB8AC3E}">
         <p14:creationId xmlns:p14="http://schemas.microsoft.com/office/powerpoint/2010/main" val="1041323464"/>
-      </p:ext>
-    </p:extLst>
-  </p:cSld>
-  <p:clrMapOvr>
-    <a:masterClrMapping/>
-  </p:clrMapOvr>
-</p:sld>
-</file>
-
-<file path=ppt/slides/slide9.xml><?xml version="1.0" encoding="utf-8"?>
-<p:sld xmlns:a="http://schemas.openxmlformats.org/drawingml/2006/main" xmlns:r="http://schemas.openxmlformats.org/officeDocument/2006/relationships" xmlns:p="http://schemas.openxmlformats.org/presentationml/2006/main">
-  <p:cSld>
-    <p:spTree>
-      <p:nvGrpSpPr>
-        <p:cNvPr id="1" name=""/>
-        <p:cNvGrpSpPr/>
-        <p:nvPr/>
-      </p:nvGrpSpPr>
-      <p:grpSpPr>
-        <a:xfrm>
-          <a:off x="0" y="0"/>
-          <a:ext cx="0" cy="0"/>
-          <a:chOff x="0" y="0"/>
-          <a:chExt cx="0" cy="0"/>
-        </a:xfrm>
-      </p:grpSpPr>
-      <p:sp>
-        <p:nvSpPr>
-          <p:cNvPr id="2" name="Title 1">
-            <a:extLst>
-              <a:ext uri="{FF2B5EF4-FFF2-40B4-BE49-F238E27FC236}">
-                <a16:creationId xmlns:a16="http://schemas.microsoft.com/office/drawing/2014/main" id="{45F33AFC-C220-4038-ACF0-E5D4B3B57FD0}"/>
-              </a:ext>
-            </a:extLst>
-          </p:cNvPr>
-          <p:cNvSpPr>
-            <a:spLocks noGrp="1"/>
-          </p:cNvSpPr>
-          <p:nvPr>
-            <p:ph type="title"/>
-          </p:nvPr>
-        </p:nvSpPr>
-        <p:spPr/>
-        <p:txBody>
-          <a:bodyPr/>
-          <a:lstStyle/>
-          <a:p>
-            <a:pPr algn="l"/>
-            <a:r>
-              <a:rPr lang="en-IN" b="1" i="0" dirty="0">
-                <a:solidFill>
-                  <a:srgbClr val="404040"/>
-                </a:solidFill>
-                <a:effectLst/>
-                <a:latin typeface="wf_segoe-ui_light"/>
-              </a:rPr>
-              <a:t>Browsers and Content Negotiation</a:t>
-            </a:r>
-          </a:p>
-        </p:txBody>
-      </p:sp>
-      <p:sp>
-        <p:nvSpPr>
-          <p:cNvPr id="3" name="Rectangle 1">
-            <a:extLst>
-              <a:ext uri="{FF2B5EF4-FFF2-40B4-BE49-F238E27FC236}">
-                <a16:creationId xmlns:a16="http://schemas.microsoft.com/office/drawing/2014/main" id="{F1DA0F0F-F38A-4007-9C8E-33CB1E27BBBB}"/>
-              </a:ext>
-            </a:extLst>
-          </p:cNvPr>
-          <p:cNvSpPr>
-            <a:spLocks noGrp="1" noChangeArrowheads="1"/>
-          </p:cNvSpPr>
-          <p:nvPr>
-            <p:ph idx="1"/>
-          </p:nvPr>
-        </p:nvSpPr>
-        <p:spPr bwMode="auto">
-          <a:xfrm>
-            <a:off x="460394" y="974705"/>
-            <a:ext cx="8736872" cy="3170099"/>
-          </a:xfrm>
-          <a:prstGeom prst="rect">
-            <a:avLst/>
-          </a:prstGeom>
-          <a:solidFill>
-            <a:srgbClr val="FFFFFF"/>
-          </a:solidFill>
-          <a:ln>
-            <a:noFill/>
-          </a:ln>
-          <a:effectLst/>
-          <a:extLst>
-            <a:ext uri="{91240B29-F687-4F45-9708-019B960494DF}">
-              <a14:hiddenLine xmlns:a14="http://schemas.microsoft.com/office/drawing/2010/main" w="9525">
-                <a:solidFill>
-                  <a:schemeClr val="tx1"/>
-                </a:solidFill>
-                <a:miter lim="800000"/>
-                <a:headEnd/>
-                <a:tailEnd/>
-              </a14:hiddenLine>
-            </a:ext>
-            <a:ext uri="{AF507438-7753-43E0-B8FC-AC1667EBCBE1}">
-              <a14:hiddenEffects xmlns:a14="http://schemas.microsoft.com/office/drawing/2010/main">
-                <a:effectLst>
-                  <a:outerShdw dist="35921" dir="2700000" algn="ctr" rotWithShape="0">
-                    <a:schemeClr val="bg2"/>
-                  </a:outerShdw>
-                </a:effectLst>
-              </a14:hiddenEffects>
-            </a:ext>
-          </a:extLst>
-        </p:spPr>
-        <p:txBody>
-          <a:bodyPr vert="horz" wrap="square" lIns="91440" tIns="45720" rIns="91440" bIns="45720" numCol="1" anchor="ctr" anchorCtr="0" compatLnSpc="1">
-            <a:prstTxWarp prst="textNoShape">
-              <a:avLst/>
-            </a:prstTxWarp>
-            <a:spAutoFit/>
-          </a:bodyPr>
-          <a:lstStyle>
-            <a:lvl1pPr eaLnBrk="0" fontAlgn="base" hangingPunct="0">
-              <a:spcBef>
-                <a:spcPct val="0"/>
-              </a:spcBef>
-              <a:spcAft>
-                <a:spcPct val="0"/>
-              </a:spcAft>
-              <a:defRPr>
-                <a:solidFill>
-                  <a:schemeClr val="tx1"/>
-                </a:solidFill>
-                <a:latin typeface="Arial" panose="020B0604020202020204" pitchFamily="34" charset="0"/>
-              </a:defRPr>
-            </a:lvl1pPr>
-            <a:lvl2pPr eaLnBrk="0" fontAlgn="base" hangingPunct="0">
-              <a:spcBef>
-                <a:spcPct val="0"/>
-              </a:spcBef>
-              <a:spcAft>
-                <a:spcPct val="0"/>
-              </a:spcAft>
-              <a:defRPr>
-                <a:solidFill>
-                  <a:schemeClr val="tx1"/>
-                </a:solidFill>
-                <a:latin typeface="Arial" panose="020B0604020202020204" pitchFamily="34" charset="0"/>
-              </a:defRPr>
-            </a:lvl2pPr>
-            <a:lvl3pPr eaLnBrk="0" fontAlgn="base" hangingPunct="0">
-              <a:spcBef>
-                <a:spcPct val="0"/>
-              </a:spcBef>
-              <a:spcAft>
-                <a:spcPct val="0"/>
-              </a:spcAft>
-              <a:defRPr>
-                <a:solidFill>
-                  <a:schemeClr val="tx1"/>
-                </a:solidFill>
-                <a:latin typeface="Arial" panose="020B0604020202020204" pitchFamily="34" charset="0"/>
-              </a:defRPr>
-            </a:lvl3pPr>
-            <a:lvl4pPr eaLnBrk="0" fontAlgn="base" hangingPunct="0">
-              <a:spcBef>
-                <a:spcPct val="0"/>
-              </a:spcBef>
-              <a:spcAft>
-                <a:spcPct val="0"/>
-              </a:spcAft>
-              <a:defRPr>
-                <a:solidFill>
-                  <a:schemeClr val="tx1"/>
-                </a:solidFill>
-                <a:latin typeface="Arial" panose="020B0604020202020204" pitchFamily="34" charset="0"/>
-              </a:defRPr>
-            </a:lvl4pPr>
-            <a:lvl5pPr eaLnBrk="0" fontAlgn="base" hangingPunct="0">
-              <a:spcBef>
-                <a:spcPct val="0"/>
-              </a:spcBef>
-              <a:spcAft>
-                <a:spcPct val="0"/>
-              </a:spcAft>
-              <a:defRPr>
-                <a:solidFill>
-                  <a:schemeClr val="tx1"/>
-                </a:solidFill>
-                <a:latin typeface="Arial" panose="020B0604020202020204" pitchFamily="34" charset="0"/>
-              </a:defRPr>
-            </a:lvl5pPr>
-            <a:lvl6pPr eaLnBrk="0" fontAlgn="base" hangingPunct="0">
-              <a:spcBef>
-                <a:spcPct val="0"/>
-              </a:spcBef>
-              <a:spcAft>
-                <a:spcPct val="0"/>
-              </a:spcAft>
-              <a:defRPr>
-                <a:solidFill>
-                  <a:schemeClr val="tx1"/>
-                </a:solidFill>
-                <a:latin typeface="Arial" panose="020B0604020202020204" pitchFamily="34" charset="0"/>
-              </a:defRPr>
-            </a:lvl6pPr>
-            <a:lvl7pPr eaLnBrk="0" fontAlgn="base" hangingPunct="0">
-              <a:spcBef>
-                <a:spcPct val="0"/>
-              </a:spcBef>
-              <a:spcAft>
-                <a:spcPct val="0"/>
-              </a:spcAft>
-              <a:defRPr>
-                <a:solidFill>
-                  <a:schemeClr val="tx1"/>
-                </a:solidFill>
-                <a:latin typeface="Arial" panose="020B0604020202020204" pitchFamily="34" charset="0"/>
-              </a:defRPr>
-            </a:lvl7pPr>
-            <a:lvl8pPr eaLnBrk="0" fontAlgn="base" hangingPunct="0">
-              <a:spcBef>
-                <a:spcPct val="0"/>
-              </a:spcBef>
-              <a:spcAft>
-                <a:spcPct val="0"/>
-              </a:spcAft>
-              <a:defRPr>
-                <a:solidFill>
-                  <a:schemeClr val="tx1"/>
-                </a:solidFill>
-                <a:latin typeface="Arial" panose="020B0604020202020204" pitchFamily="34" charset="0"/>
-              </a:defRPr>
-            </a:lvl8pPr>
-            <a:lvl9pPr eaLnBrk="0" fontAlgn="base" hangingPunct="0">
-              <a:spcBef>
-                <a:spcPct val="0"/>
-              </a:spcBef>
-              <a:spcAft>
-                <a:spcPct val="0"/>
-              </a:spcAft>
-              <a:defRPr>
-                <a:solidFill>
-                  <a:schemeClr val="tx1"/>
-                </a:solidFill>
-                <a:latin typeface="Arial" panose="020B0604020202020204" pitchFamily="34" charset="0"/>
-              </a:defRPr>
-            </a:lvl9pPr>
-          </a:lstStyle>
-          <a:p>
-            <a:pPr marL="0" marR="0" lvl="0" indent="0" algn="l" defTabSz="914400" rtl="0" eaLnBrk="0" fontAlgn="base" latinLnBrk="0" hangingPunct="0">
-              <a:lnSpc>
-                <a:spcPct val="100000"/>
-              </a:lnSpc>
-              <a:spcBef>
-                <a:spcPct val="0"/>
-              </a:spcBef>
-              <a:spcAft>
-                <a:spcPct val="0"/>
-              </a:spcAft>
-              <a:buClrTx/>
-              <a:buSzTx/>
-              <a:buFontTx/>
-              <a:buNone/>
-              <a:tabLst/>
-            </a:pPr>
-            <a:r>
-              <a:rPr kumimoji="0" lang="en-US" altLang="en-US" sz="2000" b="0" i="0" u="none" strike="noStrike" cap="none" normalizeH="0" baseline="0">
-                <a:ln>
-                  <a:noFill/>
-                </a:ln>
-                <a:solidFill>
-                  <a:srgbClr val="505050"/>
-                </a:solidFill>
-                <a:effectLst/>
-                <a:latin typeface="wf_segoe-ui_normal"/>
-              </a:rPr>
-              <a:t>Unlike typical API clients, web browsers tend to supply </a:t>
-            </a:r>
-            <a:r>
-              <a:rPr kumimoji="0" lang="en-US" altLang="en-US" sz="2000" b="0" i="0" u="none" strike="noStrike" cap="none" normalizeH="0" baseline="0">
-                <a:ln>
-                  <a:noFill/>
-                </a:ln>
-                <a:solidFill>
-                  <a:srgbClr val="E74C3C"/>
-                </a:solidFill>
-                <a:effectLst/>
-                <a:latin typeface="Consolas" panose="020B0609020204030204" pitchFamily="49" charset="0"/>
-              </a:rPr>
-              <a:t>Accept</a:t>
-            </a:r>
-            <a:r>
-              <a:rPr kumimoji="0" lang="en-US" altLang="en-US" sz="2000" b="0" i="0" u="none" strike="noStrike" cap="none" normalizeH="0" baseline="0">
-                <a:ln>
-                  <a:noFill/>
-                </a:ln>
-                <a:solidFill>
-                  <a:srgbClr val="505050"/>
-                </a:solidFill>
-                <a:effectLst/>
-                <a:latin typeface="wf_segoe-ui_normal"/>
-              </a:rPr>
-              <a:t> headers that include a wide array of formats, including wildcards. By default, when the framework detects that the request is coming from a browser, it will ignore the </a:t>
-            </a:r>
-            <a:r>
-              <a:rPr kumimoji="0" lang="en-US" altLang="en-US" sz="2000" b="0" i="0" u="none" strike="noStrike" cap="none" normalizeH="0" baseline="0">
-                <a:ln>
-                  <a:noFill/>
-                </a:ln>
-                <a:solidFill>
-                  <a:srgbClr val="E74C3C"/>
-                </a:solidFill>
-                <a:effectLst/>
-                <a:latin typeface="Consolas" panose="020B0609020204030204" pitchFamily="49" charset="0"/>
-              </a:rPr>
-              <a:t>Accept</a:t>
-            </a:r>
-            <a:r>
-              <a:rPr kumimoji="0" lang="en-US" altLang="en-US" sz="2000" b="0" i="0" u="none" strike="noStrike" cap="none" normalizeH="0" baseline="0">
-                <a:ln>
-                  <a:noFill/>
-                </a:ln>
-                <a:solidFill>
-                  <a:srgbClr val="505050"/>
-                </a:solidFill>
-                <a:effectLst/>
-                <a:latin typeface="wf_segoe-ui_normal"/>
-              </a:rPr>
-              <a:t> header and instead return the content in the application’s configured default format (JSON unless otherwise configured). This provides a more consistent experience when using different browsers to consume APIs.</a:t>
-            </a:r>
-            <a:endParaRPr kumimoji="0" lang="en-US" altLang="en-US" sz="2000" b="0" i="0" u="none" strike="noStrike" cap="none" normalizeH="0" baseline="0">
-              <a:ln>
-                <a:noFill/>
-              </a:ln>
-              <a:solidFill>
-                <a:schemeClr val="tx1"/>
-              </a:solidFill>
-              <a:effectLst/>
-            </a:endParaRPr>
-          </a:p>
-          <a:p>
-            <a:pPr marL="0" marR="0" lvl="0" indent="0" algn="l" defTabSz="914400" rtl="0" eaLnBrk="0" fontAlgn="base" latinLnBrk="0" hangingPunct="0">
-              <a:lnSpc>
-                <a:spcPct val="100000"/>
-              </a:lnSpc>
-              <a:spcBef>
-                <a:spcPct val="0"/>
-              </a:spcBef>
-              <a:spcAft>
-                <a:spcPct val="0"/>
-              </a:spcAft>
-              <a:buClrTx/>
-              <a:buSzTx/>
-              <a:buFontTx/>
-              <a:buNone/>
-              <a:tabLst/>
-            </a:pPr>
-            <a:r>
-              <a:rPr kumimoji="0" lang="en-US" altLang="en-US" sz="2000" b="0" i="0" u="none" strike="noStrike" cap="none" normalizeH="0" baseline="0">
-                <a:ln>
-                  <a:noFill/>
-                </a:ln>
-                <a:solidFill>
-                  <a:srgbClr val="505050"/>
-                </a:solidFill>
-                <a:effectLst/>
-                <a:latin typeface="wf_segoe-ui_normal"/>
-              </a:rPr>
-              <a:t>If you would prefer your application honor browser accept headers, you can configure this as part of MVC’s configuration by setting </a:t>
-            </a:r>
-            <a:r>
-              <a:rPr kumimoji="0" lang="en-US" altLang="en-US" sz="2000" b="0" i="0" u="none" strike="noStrike" cap="none" normalizeH="0" baseline="0">
-                <a:ln>
-                  <a:noFill/>
-                </a:ln>
-                <a:solidFill>
-                  <a:srgbClr val="E74C3C"/>
-                </a:solidFill>
-                <a:effectLst/>
-                <a:latin typeface="Consolas" panose="020B0609020204030204" pitchFamily="49" charset="0"/>
-              </a:rPr>
-              <a:t>RespectBrowserAcceptHeader</a:t>
-            </a:r>
-            <a:r>
-              <a:rPr kumimoji="0" lang="en-US" altLang="en-US" sz="2000" b="0" i="0" u="none" strike="noStrike" cap="none" normalizeH="0" baseline="0">
-                <a:ln>
-                  <a:noFill/>
-                </a:ln>
-                <a:solidFill>
-                  <a:srgbClr val="505050"/>
-                </a:solidFill>
-                <a:effectLst/>
-                <a:latin typeface="wf_segoe-ui_normal"/>
-              </a:rPr>
-              <a:t> to </a:t>
-            </a:r>
-            <a:r>
-              <a:rPr kumimoji="0" lang="en-US" altLang="en-US" sz="2000" b="0" i="0" u="none" strike="noStrike" cap="none" normalizeH="0" baseline="0">
-                <a:ln>
-                  <a:noFill/>
-                </a:ln>
-                <a:solidFill>
-                  <a:srgbClr val="E74C3C"/>
-                </a:solidFill>
-                <a:effectLst/>
-                <a:latin typeface="Consolas" panose="020B0609020204030204" pitchFamily="49" charset="0"/>
-              </a:rPr>
-              <a:t>true</a:t>
-            </a:r>
-            <a:r>
-              <a:rPr kumimoji="0" lang="en-US" altLang="en-US" sz="2000" b="0" i="0" u="none" strike="noStrike" cap="none" normalizeH="0" baseline="0">
-                <a:ln>
-                  <a:noFill/>
-                </a:ln>
-                <a:solidFill>
-                  <a:srgbClr val="505050"/>
-                </a:solidFill>
-                <a:effectLst/>
-                <a:latin typeface="wf_segoe-ui_normal"/>
-              </a:rPr>
-              <a:t> in the </a:t>
-            </a:r>
-            <a:r>
-              <a:rPr kumimoji="0" lang="en-US" altLang="en-US" sz="2000" b="0" i="0" u="none" strike="noStrike" cap="none" normalizeH="0" baseline="0">
-                <a:ln>
-                  <a:noFill/>
-                </a:ln>
-                <a:solidFill>
-                  <a:srgbClr val="E74C3C"/>
-                </a:solidFill>
-                <a:effectLst/>
-                <a:latin typeface="Consolas" panose="020B0609020204030204" pitchFamily="49" charset="0"/>
-              </a:rPr>
-              <a:t>ConfigureServices</a:t>
-            </a:r>
-            <a:r>
-              <a:rPr kumimoji="0" lang="en-US" altLang="en-US" sz="2000" b="0" i="0" u="none" strike="noStrike" cap="none" normalizeH="0" baseline="0">
-                <a:ln>
-                  <a:noFill/>
-                </a:ln>
-                <a:solidFill>
-                  <a:srgbClr val="505050"/>
-                </a:solidFill>
-                <a:effectLst/>
-                <a:latin typeface="wf_segoe-ui_normal"/>
-              </a:rPr>
-              <a:t> method in </a:t>
-            </a:r>
-            <a:r>
-              <a:rPr kumimoji="0" lang="en-US" altLang="en-US" sz="2000" b="0" i="1" u="none" strike="noStrike" cap="none" normalizeH="0" baseline="0">
-                <a:ln>
-                  <a:noFill/>
-                </a:ln>
-                <a:solidFill>
-                  <a:srgbClr val="505050"/>
-                </a:solidFill>
-                <a:effectLst/>
-                <a:latin typeface="wf_segoe-ui_normal"/>
-              </a:rPr>
-              <a:t>Startup.cs</a:t>
-            </a:r>
-            <a:r>
-              <a:rPr kumimoji="0" lang="en-US" altLang="en-US" sz="2000" b="0" i="0" u="none" strike="noStrike" cap="none" normalizeH="0" baseline="0">
-                <a:ln>
-                  <a:noFill/>
-                </a:ln>
-                <a:solidFill>
-                  <a:srgbClr val="505050"/>
-                </a:solidFill>
-                <a:effectLst/>
-                <a:latin typeface="wf_segoe-ui_normal"/>
-              </a:rPr>
-              <a:t>.</a:t>
-            </a:r>
-            <a:endParaRPr kumimoji="0" lang="en-US" altLang="en-US" sz="2000" b="0" i="0" u="none" strike="noStrike" cap="none" normalizeH="0" baseline="0">
-              <a:ln>
-                <a:noFill/>
-              </a:ln>
-              <a:solidFill>
-                <a:schemeClr val="tx1"/>
-              </a:solidFill>
-              <a:effectLst/>
-            </a:endParaRPr>
-          </a:p>
-        </p:txBody>
-      </p:sp>
-      <p:sp>
-        <p:nvSpPr>
-          <p:cNvPr id="5" name="Rectangle 2">
-            <a:extLst>
-              <a:ext uri="{FF2B5EF4-FFF2-40B4-BE49-F238E27FC236}">
-                <a16:creationId xmlns:a16="http://schemas.microsoft.com/office/drawing/2014/main" id="{BE925042-E19A-4C02-BB2F-576C44E1B2E9}"/>
-              </a:ext>
-            </a:extLst>
-          </p:cNvPr>
-          <p:cNvSpPr>
-            <a:spLocks noChangeArrowheads="1"/>
-          </p:cNvSpPr>
-          <p:nvPr/>
-        </p:nvSpPr>
-        <p:spPr bwMode="auto">
-          <a:xfrm>
-            <a:off x="692458" y="4259808"/>
-            <a:ext cx="7128769" cy="184666"/>
-          </a:xfrm>
-          <a:prstGeom prst="rect">
-            <a:avLst/>
-          </a:prstGeom>
-          <a:solidFill>
-            <a:srgbClr val="FFFFFF"/>
-          </a:solidFill>
-          <a:ln>
-            <a:noFill/>
-          </a:ln>
-          <a:effectLst/>
-          <a:extLst>
-            <a:ext uri="{91240B29-F687-4F45-9708-019B960494DF}">
-              <a14:hiddenLine xmlns:a14="http://schemas.microsoft.com/office/drawing/2010/main" w="9525">
-                <a:solidFill>
-                  <a:schemeClr val="tx1"/>
-                </a:solidFill>
-                <a:miter lim="800000"/>
-                <a:headEnd/>
-                <a:tailEnd/>
-              </a14:hiddenLine>
-            </a:ext>
-            <a:ext uri="{AF507438-7753-43E0-B8FC-AC1667EBCBE1}">
-              <a14:hiddenEffects xmlns:a14="http://schemas.microsoft.com/office/drawing/2010/main">
-                <a:effectLst>
-                  <a:outerShdw dist="35921" dir="2700000" algn="ctr" rotWithShape="0">
-                    <a:schemeClr val="bg2"/>
-                  </a:outerShdw>
-                </a:effectLst>
-              </a14:hiddenEffects>
-            </a:ext>
-          </a:extLst>
-        </p:spPr>
-        <p:txBody>
-          <a:bodyPr vert="horz" wrap="square" lIns="0" tIns="0" rIns="0" bIns="0" numCol="1" anchor="ctr" anchorCtr="0" compatLnSpc="1">
-            <a:prstTxWarp prst="textNoShape">
-              <a:avLst/>
-            </a:prstTxWarp>
-            <a:spAutoFit/>
-          </a:bodyPr>
-          <a:lstStyle>
-            <a:lvl1pPr eaLnBrk="0" fontAlgn="base" hangingPunct="0">
-              <a:spcBef>
-                <a:spcPct val="30000"/>
-              </a:spcBef>
-              <a:spcAft>
-                <a:spcPct val="0"/>
-              </a:spcAft>
-              <a:defRPr sz="1200">
-                <a:solidFill>
-                  <a:schemeClr val="tx1"/>
-                </a:solidFill>
-                <a:latin typeface="Arial" panose="020B0604020202020204" pitchFamily="34" charset="0"/>
-              </a:defRPr>
-            </a:lvl1pPr>
-            <a:lvl2pPr eaLnBrk="0" fontAlgn="base" hangingPunct="0">
-              <a:spcBef>
-                <a:spcPct val="30000"/>
-              </a:spcBef>
-              <a:spcAft>
-                <a:spcPct val="0"/>
-              </a:spcAft>
-              <a:defRPr sz="1200">
-                <a:solidFill>
-                  <a:schemeClr val="tx1"/>
-                </a:solidFill>
-                <a:latin typeface="Arial" panose="020B0604020202020204" pitchFamily="34" charset="0"/>
-              </a:defRPr>
-            </a:lvl2pPr>
-            <a:lvl3pPr eaLnBrk="0" fontAlgn="base" hangingPunct="0">
-              <a:spcBef>
-                <a:spcPct val="30000"/>
-              </a:spcBef>
-              <a:spcAft>
-                <a:spcPct val="0"/>
-              </a:spcAft>
-              <a:defRPr sz="1200">
-                <a:solidFill>
-                  <a:schemeClr val="tx1"/>
-                </a:solidFill>
-                <a:latin typeface="Arial" panose="020B0604020202020204" pitchFamily="34" charset="0"/>
-              </a:defRPr>
-            </a:lvl3pPr>
-            <a:lvl4pPr eaLnBrk="0" fontAlgn="base" hangingPunct="0">
-              <a:spcBef>
-                <a:spcPct val="30000"/>
-              </a:spcBef>
-              <a:spcAft>
-                <a:spcPct val="0"/>
-              </a:spcAft>
-              <a:defRPr sz="1200">
-                <a:solidFill>
-                  <a:schemeClr val="tx1"/>
-                </a:solidFill>
-                <a:latin typeface="Arial" panose="020B0604020202020204" pitchFamily="34" charset="0"/>
-              </a:defRPr>
-            </a:lvl4pPr>
-            <a:lvl5pPr eaLnBrk="0" fontAlgn="base" hangingPunct="0">
-              <a:spcBef>
-                <a:spcPct val="30000"/>
-              </a:spcBef>
-              <a:spcAft>
-                <a:spcPct val="0"/>
-              </a:spcAft>
-              <a:defRPr sz="1200">
-                <a:solidFill>
-                  <a:schemeClr val="tx1"/>
-                </a:solidFill>
-                <a:latin typeface="Arial" panose="020B0604020202020204" pitchFamily="34" charset="0"/>
-              </a:defRPr>
-            </a:lvl5pPr>
-            <a:lvl6pPr eaLnBrk="0" fontAlgn="base" hangingPunct="0">
-              <a:spcBef>
-                <a:spcPct val="30000"/>
-              </a:spcBef>
-              <a:spcAft>
-                <a:spcPct val="0"/>
-              </a:spcAft>
-              <a:defRPr sz="1200">
-                <a:solidFill>
-                  <a:schemeClr val="tx1"/>
-                </a:solidFill>
-                <a:latin typeface="Arial" panose="020B0604020202020204" pitchFamily="34" charset="0"/>
-              </a:defRPr>
-            </a:lvl6pPr>
-            <a:lvl7pPr eaLnBrk="0" fontAlgn="base" hangingPunct="0">
-              <a:spcBef>
-                <a:spcPct val="30000"/>
-              </a:spcBef>
-              <a:spcAft>
-                <a:spcPct val="0"/>
-              </a:spcAft>
-              <a:defRPr sz="1200">
-                <a:solidFill>
-                  <a:schemeClr val="tx1"/>
-                </a:solidFill>
-                <a:latin typeface="Arial" panose="020B0604020202020204" pitchFamily="34" charset="0"/>
-              </a:defRPr>
-            </a:lvl7pPr>
-            <a:lvl8pPr eaLnBrk="0" fontAlgn="base" hangingPunct="0">
-              <a:spcBef>
-                <a:spcPct val="30000"/>
-              </a:spcBef>
-              <a:spcAft>
-                <a:spcPct val="0"/>
-              </a:spcAft>
-              <a:defRPr sz="1200">
-                <a:solidFill>
-                  <a:schemeClr val="tx1"/>
-                </a:solidFill>
-                <a:latin typeface="Arial" panose="020B0604020202020204" pitchFamily="34" charset="0"/>
-              </a:defRPr>
-            </a:lvl8pPr>
-            <a:lvl9pPr eaLnBrk="0" fontAlgn="base" hangingPunct="0">
-              <a:spcBef>
-                <a:spcPct val="30000"/>
-              </a:spcBef>
-              <a:spcAft>
-                <a:spcPct val="0"/>
-              </a:spcAft>
-              <a:defRPr sz="1200">
-                <a:solidFill>
-                  <a:schemeClr val="tx1"/>
-                </a:solidFill>
-                <a:latin typeface="Arial" panose="020B0604020202020204" pitchFamily="34" charset="0"/>
-              </a:defRPr>
-            </a:lvl9pPr>
-          </a:lstStyle>
-          <a:p>
-            <a:pPr marL="0" marR="0" lvl="0" indent="0" algn="l" defTabSz="914400" rtl="0" eaLnBrk="0" fontAlgn="base" latinLnBrk="0" hangingPunct="0">
-              <a:lnSpc>
-                <a:spcPct val="100000"/>
-              </a:lnSpc>
-              <a:spcBef>
-                <a:spcPct val="30000"/>
-              </a:spcBef>
-              <a:spcAft>
-                <a:spcPct val="0"/>
-              </a:spcAft>
-              <a:buClrTx/>
-              <a:buSzTx/>
-              <a:buFontTx/>
-              <a:buNone/>
-              <a:tabLst/>
-            </a:pPr>
-            <a:r>
-              <a:rPr kumimoji="0" lang="en-US" altLang="en-US" sz="1200" b="0" i="0" u="none" strike="noStrike" cap="none" normalizeH="0" baseline="0" dirty="0" err="1">
-                <a:ln>
-                  <a:noFill/>
-                </a:ln>
-                <a:solidFill>
-                  <a:schemeClr val="tx1"/>
-                </a:solidFill>
-                <a:effectLst/>
-                <a:latin typeface="Arial" panose="020B0604020202020204" pitchFamily="34" charset="0"/>
-              </a:rPr>
-              <a:t>services</a:t>
-            </a:r>
-            <a:r>
-              <a:rPr kumimoji="0" lang="en-US" altLang="en-US" sz="900" b="0" i="0" u="none" strike="noStrike" cap="none" normalizeH="0" baseline="0" dirty="0" err="1">
-                <a:ln>
-                  <a:noFill/>
-                </a:ln>
-                <a:solidFill>
-                  <a:srgbClr val="404040"/>
-                </a:solidFill>
-                <a:effectLst/>
-                <a:latin typeface="Consolas" panose="020B0609020204030204" pitchFamily="49" charset="0"/>
-              </a:rPr>
-              <a:t>.</a:t>
-            </a:r>
-            <a:r>
-              <a:rPr kumimoji="0" lang="en-US" altLang="en-US" sz="1200" b="0" i="0" u="none" strike="noStrike" cap="none" normalizeH="0" baseline="0" dirty="0" err="1">
-                <a:ln>
-                  <a:noFill/>
-                </a:ln>
-                <a:solidFill>
-                  <a:schemeClr val="tx1"/>
-                </a:solidFill>
-                <a:effectLst/>
-                <a:latin typeface="Arial" panose="020B0604020202020204" pitchFamily="34" charset="0"/>
-              </a:rPr>
-              <a:t>AddMvc</a:t>
-            </a:r>
-            <a:r>
-              <a:rPr kumimoji="0" lang="en-US" altLang="en-US" sz="900" b="0" i="0" u="none" strike="noStrike" cap="none" normalizeH="0" baseline="0" dirty="0">
-                <a:ln>
-                  <a:noFill/>
-                </a:ln>
-                <a:solidFill>
-                  <a:srgbClr val="404040"/>
-                </a:solidFill>
-                <a:effectLst/>
-                <a:latin typeface="Consolas" panose="020B0609020204030204" pitchFamily="49" charset="0"/>
-              </a:rPr>
-              <a:t>(</a:t>
-            </a:r>
-            <a:r>
-              <a:rPr kumimoji="0" lang="en-US" altLang="en-US" sz="1200" b="0" i="0" u="none" strike="noStrike" cap="none" normalizeH="0" baseline="0" dirty="0">
-                <a:ln>
-                  <a:noFill/>
-                </a:ln>
-                <a:solidFill>
-                  <a:schemeClr val="tx1"/>
-                </a:solidFill>
-                <a:effectLst/>
-                <a:latin typeface="Arial" panose="020B0604020202020204" pitchFamily="34" charset="0"/>
-              </a:rPr>
-              <a:t>options</a:t>
-            </a:r>
-            <a:r>
-              <a:rPr kumimoji="0" lang="en-US" altLang="en-US" sz="900" b="0" i="0" u="none" strike="noStrike" cap="none" normalizeH="0" baseline="0" dirty="0">
-                <a:ln>
-                  <a:noFill/>
-                </a:ln>
-                <a:solidFill>
-                  <a:srgbClr val="404040"/>
-                </a:solidFill>
-                <a:effectLst/>
-                <a:latin typeface="Consolas" panose="020B0609020204030204" pitchFamily="49" charset="0"/>
-              </a:rPr>
-              <a:t> =&gt; { </a:t>
-            </a:r>
-            <a:r>
-              <a:rPr kumimoji="0" lang="en-US" altLang="en-US" sz="1200" b="0" i="0" u="none" strike="noStrike" cap="none" normalizeH="0" baseline="0" dirty="0" err="1">
-                <a:ln>
-                  <a:noFill/>
-                </a:ln>
-                <a:solidFill>
-                  <a:schemeClr val="tx1"/>
-                </a:solidFill>
-                <a:effectLst/>
-                <a:latin typeface="Arial" panose="020B0604020202020204" pitchFamily="34" charset="0"/>
-              </a:rPr>
-              <a:t>options</a:t>
-            </a:r>
-            <a:r>
-              <a:rPr kumimoji="0" lang="en-US" altLang="en-US" sz="900" b="0" i="0" u="none" strike="noStrike" cap="none" normalizeH="0" baseline="0" dirty="0" err="1">
-                <a:ln>
-                  <a:noFill/>
-                </a:ln>
-                <a:solidFill>
-                  <a:srgbClr val="404040"/>
-                </a:solidFill>
-                <a:effectLst/>
-                <a:latin typeface="Consolas" panose="020B0609020204030204" pitchFamily="49" charset="0"/>
-              </a:rPr>
-              <a:t>.</a:t>
-            </a:r>
-            <a:r>
-              <a:rPr kumimoji="0" lang="en-US" altLang="en-US" sz="1200" b="0" i="0" u="none" strike="noStrike" cap="none" normalizeH="0" baseline="0" dirty="0" err="1">
-                <a:ln>
-                  <a:noFill/>
-                </a:ln>
-                <a:solidFill>
-                  <a:schemeClr val="tx1"/>
-                </a:solidFill>
-                <a:effectLst/>
-                <a:latin typeface="Arial" panose="020B0604020202020204" pitchFamily="34" charset="0"/>
-              </a:rPr>
-              <a:t>RespectBrowserAcceptHeader</a:t>
-            </a:r>
-            <a:r>
-              <a:rPr kumimoji="0" lang="en-US" altLang="en-US" sz="900" b="0" i="0" u="none" strike="noStrike" cap="none" normalizeH="0" baseline="0" dirty="0">
-                <a:ln>
-                  <a:noFill/>
-                </a:ln>
-                <a:solidFill>
-                  <a:srgbClr val="404040"/>
-                </a:solidFill>
-                <a:effectLst/>
-                <a:latin typeface="Consolas" panose="020B0609020204030204" pitchFamily="49" charset="0"/>
-              </a:rPr>
-              <a:t> = true; // false by default }</a:t>
-            </a:r>
-            <a:r>
-              <a:rPr kumimoji="0" lang="en-US" altLang="en-US" sz="800" b="0" i="0" u="none" strike="noStrike" cap="none" normalizeH="0" baseline="0" dirty="0">
-                <a:ln>
-                  <a:noFill/>
-                </a:ln>
-                <a:solidFill>
-                  <a:schemeClr val="tx1"/>
-                </a:solidFill>
-                <a:effectLst/>
-              </a:rPr>
-              <a:t> </a:t>
-            </a:r>
-            <a:endParaRPr kumimoji="0" lang="en-US" altLang="en-US" sz="1200" b="0" i="0" u="none" strike="noStrike" cap="none" normalizeH="0" baseline="0" dirty="0">
-              <a:ln>
-                <a:noFill/>
-              </a:ln>
-              <a:solidFill>
-                <a:schemeClr val="tx1"/>
-              </a:solidFill>
-              <a:effectLst/>
-              <a:latin typeface="Arial" panose="020B0604020202020204" pitchFamily="34" charset="0"/>
-            </a:endParaRPr>
-          </a:p>
-        </p:txBody>
-      </p:sp>
-    </p:spTree>
-    <p:extLst>
-      <p:ext uri="{BB962C8B-B14F-4D97-AF65-F5344CB8AC3E}">
-        <p14:creationId xmlns:p14="http://schemas.microsoft.com/office/powerpoint/2010/main" val="92783544"/>
       </p:ext>
     </p:extLst>
   </p:cSld>
